--- a/TR_ESCRIT/Plantilla de pòster.pptx
+++ b/TR_ESCRIT/Plantilla de pòster.pptx
@@ -1578,7 +1578,7 @@
               </a:spcAft>
               <a:buNone/>
             </a:pPr>
-            <a:endParaRPr/>
+            <a:endParaRPr dirty="0"/>
           </a:p>
         </p:txBody>
       </p:sp>
@@ -13476,10 +13476,10 @@
         </p:nvGrpSpPr>
         <p:grpSpPr>
           <a:xfrm>
-            <a:off x="915987" y="831850"/>
-            <a:ext cx="28806776" cy="40705089"/>
-            <a:chOff x="0" y="0"/>
-            <a:chExt cx="2147483647" cy="2147483646"/>
+            <a:off x="915987" y="720158"/>
+            <a:ext cx="28806776" cy="40816476"/>
+            <a:chOff x="0" y="-5876481"/>
+            <a:chExt cx="2147483646" cy="2147483647"/>
           </a:xfrm>
         </p:grpSpPr>
         <p:grpSp>
@@ -13736,9 +13736,9 @@
           </p:nvGrpSpPr>
           <p:grpSpPr>
             <a:xfrm>
-              <a:off x="741311483" y="0"/>
-              <a:ext cx="1406172163" cy="216331288"/>
-              <a:chOff x="0" y="0"/>
+              <a:off x="741311483" y="-5876481"/>
+              <a:ext cx="1406172163" cy="256429976"/>
+              <a:chOff x="0" y="-49212835"/>
               <a:chExt cx="2147483647" cy="2147483647"/>
             </a:xfrm>
           </p:grpSpPr>
@@ -13808,8 +13808,8 @@
             </p:nvSpPr>
             <p:spPr>
               <a:xfrm>
-                <a:off x="101140370" y="86211424"/>
-                <a:ext cx="1990853500" cy="1773378316"/>
+                <a:off x="78314999" y="-49212835"/>
+                <a:ext cx="1990853535" cy="2147483647"/>
               </a:xfrm>
               <a:prstGeom prst="rect">
                 <a:avLst/>
@@ -13827,7 +13827,7 @@
               <a:p>
                 <a:pPr marL="284162" marR="0" lvl="0" indent="0" algn="ctr" rtl="0">
                   <a:lnSpc>
-                    <a:spcPct val="100000"/>
+                    <a:spcPct val="150000"/>
                   </a:lnSpc>
                   <a:spcBef>
                     <a:spcPts val="0"/>
@@ -13843,23 +13843,48 @@
                   <a:buNone/>
                 </a:pPr>
                 <a:r>
-                  <a:rPr lang="en-US" sz="6000" b="1" i="0" u="none">
+                  <a:rPr lang="ca-ES" sz="8000" b="1" dirty="0">
                     <a:solidFill>
-                      <a:srgbClr val="F2F2F2"/>
+                      <a:schemeClr val="bg1"/>
                     </a:solidFill>
-                    <a:latin typeface="Helvetica Neue"/>
-                    <a:ea typeface="Helvetica Neue"/>
-                    <a:cs typeface="Helvetica Neue"/>
-                    <a:sym typeface="Helvetica Neue"/>
+                    <a:effectLst/>
+                    <a:latin typeface="Arial" panose="020B0604020202020204" pitchFamily="34" charset="0"/>
+                    <a:ea typeface="Times New Roman" panose="02020603050405020304" pitchFamily="18" charset="0"/>
                   </a:rPr>
-                  <a:t>[TÍTOL DEL TREBALL]</a:t>
+                  <a:t>Superant l’Humà en “</a:t>
                 </a:r>
-                <a:endParaRPr/>
+                <a:r>
+                  <a:rPr lang="ca-ES" sz="8000" b="1" dirty="0" err="1">
+                    <a:solidFill>
+                      <a:schemeClr val="bg1"/>
+                    </a:solidFill>
+                    <a:effectLst/>
+                    <a:latin typeface="Arial" panose="020B0604020202020204" pitchFamily="34" charset="0"/>
+                    <a:ea typeface="Times New Roman" panose="02020603050405020304" pitchFamily="18" charset="0"/>
+                  </a:rPr>
+                  <a:t>Flappy</a:t>
+                </a:r>
+                <a:r>
+                  <a:rPr lang="ca-ES" sz="8000" b="1" dirty="0">
+                    <a:solidFill>
+                      <a:schemeClr val="bg1"/>
+                    </a:solidFill>
+                    <a:effectLst/>
+                    <a:latin typeface="Arial" panose="020B0604020202020204" pitchFamily="34" charset="0"/>
+                    <a:ea typeface="Times New Roman" panose="02020603050405020304" pitchFamily="18" charset="0"/>
+                  </a:rPr>
+                  <a:t> Bird”</a:t>
+                </a:r>
+                <a:endParaRPr sz="6600" b="1" dirty="0">
+                  <a:solidFill>
+                    <a:schemeClr val="bg1"/>
+                  </a:solidFill>
+                </a:endParaRPr>
               </a:p>
               <a:p>
                 <a:pPr marL="284162" marR="0" lvl="0" indent="0" algn="ctr" rtl="0">
                   <a:lnSpc>
-                    <a:spcPct val="100000"/>
+                    <a:spcPct val="150000"/>
                   </a:lnSpc>
                   <a:spcBef>
                     <a:spcPts val="0"/>
@@ -13875,40 +13900,19 @@
                   <a:buNone/>
                 </a:pPr>
                 <a:r>
-                  <a:rPr lang="en-US" sz="4600" b="1" i="0" u="none">
+                  <a:rPr lang="ca-ES" sz="4000" b="1" dirty="0">
                     <a:solidFill>
-                      <a:srgbClr val="F2F2F2"/>
+                      <a:schemeClr val="bg1"/>
                     </a:solidFill>
-                    <a:latin typeface="Helvetica Neue"/>
-                    <a:ea typeface="Helvetica Neue"/>
-                    <a:cs typeface="Helvetica Neue"/>
-                    <a:sym typeface="Helvetica Neue"/>
+                    <a:effectLst/>
+                    <a:latin typeface="Arial" panose="020B0604020202020204" pitchFamily="34" charset="0"/>
+                    <a:ea typeface="Aptos" panose="020B0004020202020204" pitchFamily="34" charset="0"/>
                   </a:rPr>
-                  <a:t>[Subtítol del treball]</a:t>
+                  <a:t>Un Estudi sobre l’Aprenentatge Automàtic</a:t>
                 </a:r>
-                <a:endParaRPr/>
-              </a:p>
-              <a:p>
-                <a:pPr marL="284162" marR="0" lvl="0" indent="0" algn="ctr" rtl="0">
-                  <a:lnSpc>
-                    <a:spcPct val="100000"/>
-                  </a:lnSpc>
-                  <a:spcBef>
-                    <a:spcPts val="0"/>
-                  </a:spcBef>
-                  <a:spcAft>
-                    <a:spcPts val="0"/>
-                  </a:spcAft>
-                  <a:buClr>
-                    <a:schemeClr val="dk1"/>
-                  </a:buClr>
-                  <a:buSzPts val="2000"/>
-                  <a:buFont typeface="Helvetica Neue"/>
-                  <a:buNone/>
-                </a:pPr>
-                <a:endParaRPr sz="2000" b="1" i="0" u="none">
+                <a:endParaRPr sz="4400" b="1" i="0" u="none" dirty="0">
                   <a:solidFill>
-                    <a:srgbClr val="F2F2F2"/>
+                    <a:schemeClr val="bg1"/>
                   </a:solidFill>
                   <a:latin typeface="Helvetica Neue"/>
                   <a:ea typeface="Helvetica Neue"/>
@@ -13919,7 +13923,7 @@
               <a:p>
                 <a:pPr marL="284162" marR="0" lvl="0" indent="0" algn="ctr" rtl="0">
                   <a:lnSpc>
-                    <a:spcPct val="100000"/>
+                    <a:spcPct val="150000"/>
                   </a:lnSpc>
                   <a:spcBef>
                     <a:spcPts val="0"/>
@@ -13935,51 +13939,61 @@
                   <a:buNone/>
                 </a:pPr>
                 <a:r>
-                  <a:rPr lang="en-US" sz="3400" b="1" i="0" u="none">
+                  <a:rPr lang="ca-ES" sz="3400" dirty="0">
                     <a:solidFill>
                       <a:srgbClr val="F2F2F2"/>
                     </a:solidFill>
                     <a:latin typeface="Helvetica Neue"/>
-                    <a:ea typeface="Helvetica Neue"/>
-                    <a:cs typeface="Helvetica Neue"/>
                     <a:sym typeface="Helvetica Neue"/>
                   </a:rPr>
-                  <a:t>[Nom i cognoms de l’alumne/a]</a:t>
+                  <a:t>Marc </a:t>
                 </a:r>
-                <a:endParaRPr/>
+                <a:r>
+                  <a:rPr lang="ca-ES" sz="3400" dirty="0" err="1">
+                    <a:solidFill>
+                      <a:srgbClr val="F2F2F2"/>
+                    </a:solidFill>
+                    <a:latin typeface="Helvetica Neue"/>
+                    <a:sym typeface="Helvetica Neue"/>
+                  </a:rPr>
+                  <a:t>Perez</a:t>
+                </a:r>
+                <a:r>
+                  <a:rPr lang="ca-ES" sz="3400" dirty="0">
+                    <a:solidFill>
+                      <a:srgbClr val="F2F2F2"/>
+                    </a:solidFill>
+                    <a:latin typeface="Helvetica Neue"/>
+                    <a:sym typeface="Helvetica Neue"/>
+                  </a:rPr>
+                  <a:t>, Teo </a:t>
+                </a:r>
+                <a:r>
+                  <a:rPr lang="ca-ES" sz="3400" dirty="0" err="1">
+                    <a:solidFill>
+                      <a:srgbClr val="F2F2F2"/>
+                    </a:solidFill>
+                    <a:latin typeface="Helvetica Neue"/>
+                    <a:sym typeface="Helvetica Neue"/>
+                  </a:rPr>
+                  <a:t>Clerici</a:t>
+                </a:r>
+                <a:r>
+                  <a:rPr lang="ca-ES" sz="3400" dirty="0">
+                    <a:solidFill>
+                      <a:srgbClr val="F2F2F2"/>
+                    </a:solidFill>
+                    <a:latin typeface="Helvetica Neue"/>
+                    <a:sym typeface="Helvetica Neue"/>
+                  </a:rPr>
+                  <a:t> i Jan Ferrer</a:t>
+                </a:r>
+                <a:endParaRPr lang="ca-ES" dirty="0"/>
               </a:p>
               <a:p>
                 <a:pPr marL="284162" marR="0" lvl="0" indent="0" algn="ctr" rtl="0">
                   <a:lnSpc>
-                    <a:spcPct val="100000"/>
-                  </a:lnSpc>
-                  <a:spcBef>
-                    <a:spcPts val="0"/>
-                  </a:spcBef>
-                  <a:spcAft>
-                    <a:spcPts val="0"/>
-                  </a:spcAft>
-                  <a:buClr>
-                    <a:schemeClr val="dk1"/>
-                  </a:buClr>
-                  <a:buSzPts val="2000"/>
-                  <a:buFont typeface="Helvetica Neue"/>
-                  <a:buNone/>
-                </a:pPr>
-                <a:endParaRPr sz="2000" b="1" i="0" u="none">
-                  <a:solidFill>
-                    <a:srgbClr val="F2F2F2"/>
-                  </a:solidFill>
-                  <a:latin typeface="Helvetica Neue"/>
-                  <a:ea typeface="Helvetica Neue"/>
-                  <a:cs typeface="Helvetica Neue"/>
-                  <a:sym typeface="Helvetica Neue"/>
-                </a:endParaRPr>
-              </a:p>
-              <a:p>
-                <a:pPr marL="284162" marR="0" lvl="0" indent="0" algn="ctr" rtl="0">
-                  <a:lnSpc>
-                    <a:spcPct val="100000"/>
+                    <a:spcPct val="150000"/>
                   </a:lnSpc>
                   <a:spcBef>
                     <a:spcPts val="0"/>
@@ -13995,7 +14009,7 @@
                   <a:buNone/>
                 </a:pPr>
                 <a:r>
-                  <a:rPr lang="en-US" sz="3400" b="1" i="0" u="none">
+                  <a:rPr lang="es-ES" sz="3400" b="1" i="0" u="none" dirty="0" err="1">
                     <a:solidFill>
                       <a:srgbClr val="F2F2F2"/>
                     </a:solidFill>
@@ -14004,9 +14018,45 @@
                     <a:cs typeface="Helvetica Neue"/>
                     <a:sym typeface="Helvetica Neue"/>
                   </a:rPr>
-                  <a:t>Nom i població del centre</a:t>
+                  <a:t>Nom</a:t>
                 </a:r>
-                <a:endParaRPr/>
+                <a:r>
+                  <a:rPr lang="es-ES" sz="3400" b="1" i="0" u="none" dirty="0">
+                    <a:solidFill>
+                      <a:srgbClr val="F2F2F2"/>
+                    </a:solidFill>
+                    <a:latin typeface="Helvetica Neue"/>
+                    <a:ea typeface="Helvetica Neue"/>
+                    <a:cs typeface="Helvetica Neue"/>
+                    <a:sym typeface="Helvetica Neue"/>
+                  </a:rPr>
+                  <a:t> i </a:t>
+                </a:r>
+                <a:r>
+                  <a:rPr lang="es-ES" sz="3400" b="1" i="0" u="none" dirty="0" err="1">
+                    <a:solidFill>
+                      <a:srgbClr val="F2F2F2"/>
+                    </a:solidFill>
+                    <a:latin typeface="Helvetica Neue"/>
+                    <a:ea typeface="Helvetica Neue"/>
+                    <a:cs typeface="Helvetica Neue"/>
+                    <a:sym typeface="Helvetica Neue"/>
+                  </a:rPr>
+                  <a:t>població</a:t>
+                </a:r>
+                <a:r>
+                  <a:rPr lang="es-ES" sz="3400" b="1" i="0" u="none" dirty="0">
+                    <a:solidFill>
+                      <a:srgbClr val="F2F2F2"/>
+                    </a:solidFill>
+                    <a:latin typeface="Helvetica Neue"/>
+                    <a:ea typeface="Helvetica Neue"/>
+                    <a:cs typeface="Helvetica Neue"/>
+                    <a:sym typeface="Helvetica Neue"/>
+                  </a:rPr>
+                  <a:t> del centre</a:t>
+                </a:r>
+                <a:endParaRPr lang="es-ES" dirty="0"/>
               </a:p>
             </p:txBody>
           </p:sp>
@@ -14461,7 +14511,7 @@
         </p:nvSpPr>
         <p:spPr>
           <a:xfrm>
-            <a:off x="946150" y="7219950"/>
+            <a:off x="-20562128" y="6345307"/>
             <a:ext cx="13684250" cy="6340475"/>
           </a:xfrm>
           <a:prstGeom prst="rect">
@@ -15221,8 +15271,8 @@
         </p:nvSpPr>
         <p:spPr>
           <a:xfrm>
-            <a:off x="15406688" y="5540374"/>
-            <a:ext cx="14181137" cy="5053012"/>
+            <a:off x="15282516" y="5925145"/>
+            <a:ext cx="14181137" cy="8864281"/>
           </a:xfrm>
           <a:prstGeom prst="rect">
             <a:avLst/>
@@ -15244,6 +15294,163 @@
           </a:bodyPr>
           <a:lstStyle/>
           <a:p>
+            <a:pPr>
+              <a:buClr>
+                <a:schemeClr val="dk1"/>
+              </a:buClr>
+              <a:buSzPts val="4000"/>
+            </a:pPr>
+            <a:r>
+              <a:rPr lang="ca-ES" sz="4000" dirty="0">
+                <a:solidFill>
+                  <a:schemeClr val="dk1"/>
+                </a:solidFill>
+                <a:latin typeface="Helvetica Neue"/>
+              </a:rPr>
+              <a:t>ABSTRACT(canviar)</a:t>
+            </a:r>
+            <a:endParaRPr lang="es-ES" sz="4000" dirty="0">
+              <a:solidFill>
+                <a:schemeClr val="dk1"/>
+              </a:solidFill>
+              <a:latin typeface="Helvetica Neue"/>
+            </a:endParaRPr>
+          </a:p>
+          <a:p>
+            <a:pPr algn="just">
+              <a:buClr>
+                <a:schemeClr val="dk1"/>
+              </a:buClr>
+              <a:buSzPts val="4000"/>
+            </a:pPr>
+            <a:r>
+              <a:rPr lang="ca-ES" sz="3200" dirty="0">
+                <a:solidFill>
+                  <a:schemeClr val="dk1"/>
+                </a:solidFill>
+                <a:latin typeface="Helvetica Neue"/>
+              </a:rPr>
+              <a:t>En aquest treball explorem les possibilitats de la Intel·ligència Artificial (IA) per a jugar al joc “</a:t>
+            </a:r>
+            <a:r>
+              <a:rPr lang="ca-ES" sz="3200" dirty="0" err="1">
+                <a:solidFill>
+                  <a:schemeClr val="dk1"/>
+                </a:solidFill>
+                <a:latin typeface="Helvetica Neue"/>
+              </a:rPr>
+              <a:t>Flappy</a:t>
+            </a:r>
+            <a:r>
+              <a:rPr lang="ca-ES" sz="3200" dirty="0">
+                <a:solidFill>
+                  <a:schemeClr val="dk1"/>
+                </a:solidFill>
+                <a:latin typeface="Helvetica Neue"/>
+              </a:rPr>
+              <a:t> Bird” utilitzant algoritmes avançats d'aprenentatge adaptatiu. L'ús combinat de mutacions i altres factors permet l'obtenció d'un model neuronal més eficient i capaç de realitzar càlculs ràpids. El model neuronal desenvolupat en aquest treball és capaç d’aprendre i adaptar-se a les condicions del joc. En aquesta recerca es demostra com la corba de l’aprenentatge és logarítmica i depèn fortament dels diferents comportaments de la IA a partir de les variables de mutacions, inputs i població</a:t>
+            </a:r>
+            <a:r>
+              <a:rPr lang="ca-ES" sz="3200" b="1" dirty="0">
+                <a:solidFill>
+                  <a:schemeClr val="dk1"/>
+                </a:solidFill>
+                <a:latin typeface="Helvetica Neue"/>
+              </a:rPr>
+              <a:t>.</a:t>
+            </a:r>
+          </a:p>
+          <a:p>
+            <a:pPr>
+              <a:buClr>
+                <a:schemeClr val="dk1"/>
+              </a:buClr>
+              <a:buSzPts val="4000"/>
+            </a:pPr>
+            <a:r>
+              <a:rPr lang="ca-ES" sz="4000" dirty="0">
+                <a:solidFill>
+                  <a:schemeClr val="dk1"/>
+                </a:solidFill>
+                <a:latin typeface="Helvetica Neue"/>
+              </a:rPr>
+              <a:t>Introducció </a:t>
+            </a:r>
+          </a:p>
+          <a:p>
+            <a:pPr algn="just">
+              <a:buClr>
+                <a:schemeClr val="dk1"/>
+              </a:buClr>
+              <a:buSzPts val="4000"/>
+            </a:pPr>
+            <a:r>
+              <a:rPr lang="ca-ES" sz="3200" dirty="0">
+                <a:solidFill>
+                  <a:schemeClr val="dk1"/>
+                </a:solidFill>
+                <a:latin typeface="Helvetica Neue"/>
+              </a:rPr>
+              <a:t>En aquest treball es desenvolupa una IA específica, APFLY-IA, integrada en un laboratori digital creat amb </a:t>
+            </a:r>
+            <a:r>
+              <a:rPr lang="ca-ES" sz="3200" dirty="0" err="1">
+                <a:solidFill>
+                  <a:schemeClr val="dk1"/>
+                </a:solidFill>
+                <a:latin typeface="Helvetica Neue"/>
+              </a:rPr>
+              <a:t>Godot</a:t>
+            </a:r>
+            <a:r>
+              <a:rPr lang="ca-ES" sz="3200" dirty="0">
+                <a:solidFill>
+                  <a:schemeClr val="dk1"/>
+                </a:solidFill>
+                <a:latin typeface="Helvetica Neue"/>
+              </a:rPr>
+              <a:t> </a:t>
+            </a:r>
+            <a:r>
+              <a:rPr lang="ca-ES" sz="3200" dirty="0" err="1">
+                <a:solidFill>
+                  <a:schemeClr val="dk1"/>
+                </a:solidFill>
+                <a:latin typeface="Helvetica Neue"/>
+              </a:rPr>
+              <a:t>Engine</a:t>
+            </a:r>
+            <a:r>
+              <a:rPr lang="ca-ES" sz="3200" dirty="0">
+                <a:solidFill>
+                  <a:schemeClr val="dk1"/>
+                </a:solidFill>
+                <a:latin typeface="Helvetica Neue"/>
+              </a:rPr>
+              <a:t>, amb un sistema de telemetria per recopilar dades de com aquesta aprèn per analitzar-les i optimitzar el funcionament de la IA</a:t>
+            </a:r>
+            <a:endParaRPr lang="es-ES" sz="3200" dirty="0">
+              <a:solidFill>
+                <a:schemeClr val="dk1"/>
+              </a:solidFill>
+              <a:latin typeface="Helvetica Neue"/>
+            </a:endParaRPr>
+          </a:p>
+          <a:p>
+            <a:pPr algn="just">
+              <a:buClr>
+                <a:schemeClr val="dk1"/>
+              </a:buClr>
+              <a:buSzPts val="4000"/>
+            </a:pPr>
+            <a:endParaRPr lang="ca-ES" sz="3200" dirty="0">
+              <a:solidFill>
+                <a:schemeClr val="dk1"/>
+              </a:solidFill>
+              <a:latin typeface="Helvetica Neue"/>
+            </a:endParaRPr>
+          </a:p>
+          <a:p>
             <a:pPr marL="0" marR="0" lvl="0" indent="0" algn="l" rtl="0">
               <a:lnSpc>
                 <a:spcPct val="100000"/>
@@ -15256,7 +15463,7 @@
               </a:spcAft>
               <a:buNone/>
             </a:pPr>
-            <a:endParaRPr sz="3200" b="0" i="0" u="none">
+            <a:endParaRPr sz="3200" b="0" i="0" u="none" dirty="0">
               <a:solidFill>
                 <a:schemeClr val="dk1"/>
               </a:solidFill>
@@ -15276,7 +15483,7 @@
         </p:nvSpPr>
         <p:spPr>
           <a:xfrm>
-            <a:off x="689768" y="5546871"/>
+            <a:off x="842270" y="5557837"/>
             <a:ext cx="14181137" cy="10548937"/>
           </a:xfrm>
           <a:prstGeom prst="rect">
@@ -15299,26 +15506,45 @@
           </a:bodyPr>
           <a:lstStyle/>
           <a:p>
-            <a:pPr marL="0" marR="0" lvl="0" indent="0" algn="l" rtl="0">
-              <a:lnSpc>
-                <a:spcPct val="100000"/>
-              </a:lnSpc>
-              <a:spcBef>
-                <a:spcPts val="0"/>
-              </a:spcBef>
-              <a:spcAft>
-                <a:spcPts val="0"/>
-              </a:spcAft>
-              <a:buNone/>
+            <a:pPr algn="just">
+              <a:buClr>
+                <a:schemeClr val="dk1"/>
+              </a:buClr>
+              <a:buSzPts val="4000"/>
             </a:pPr>
-            <a:endParaRPr sz="3200" b="0" i="0" u="none">
+            <a:endParaRPr lang="ca-ES" sz="3200" b="1" dirty="0">
               <a:solidFill>
                 <a:schemeClr val="dk1"/>
               </a:solidFill>
               <a:latin typeface="Helvetica Neue"/>
-              <a:ea typeface="Helvetica Neue"/>
-              <a:cs typeface="Helvetica Neue"/>
-              <a:sym typeface="Helvetica Neue"/>
+            </a:endParaRPr>
+          </a:p>
+          <a:p>
+            <a:pPr algn="just">
+              <a:buClr>
+                <a:schemeClr val="dk1"/>
+              </a:buClr>
+              <a:buSzPts val="4000"/>
+            </a:pPr>
+            <a:endParaRPr lang="ca-ES" sz="3200" b="1" dirty="0">
+              <a:solidFill>
+                <a:schemeClr val="dk1"/>
+              </a:solidFill>
+              <a:latin typeface="Helvetica Neue"/>
+            </a:endParaRPr>
+          </a:p>
+          <a:p>
+            <a:pPr algn="just">
+              <a:buClr>
+                <a:schemeClr val="dk1"/>
+              </a:buClr>
+              <a:buSzPts val="4000"/>
+            </a:pPr>
+            <a:endParaRPr lang="ca-ES" sz="3200" b="1" dirty="0">
+              <a:solidFill>
+                <a:schemeClr val="dk1"/>
+              </a:solidFill>
+              <a:latin typeface="Helvetica Neue"/>
             </a:endParaRPr>
           </a:p>
         </p:txBody>
@@ -15331,8 +15557,8 @@
         </p:nvSpPr>
         <p:spPr>
           <a:xfrm>
-            <a:off x="15319375" y="11050587"/>
-            <a:ext cx="14181137" cy="5056187"/>
+            <a:off x="15247241" y="15003115"/>
+            <a:ext cx="14181137" cy="2885600"/>
           </a:xfrm>
           <a:prstGeom prst="rect">
             <a:avLst/>
@@ -15464,25 +15690,50 @@
           </a:bodyPr>
           <a:lstStyle/>
           <a:p>
-            <a:pPr marL="0" marR="0" lvl="0" indent="0" algn="l" rtl="0">
-              <a:lnSpc>
-                <a:spcPct val="100000"/>
-              </a:lnSpc>
-              <a:spcBef>
-                <a:spcPts val="0"/>
-              </a:spcBef>
-              <a:spcAft>
-                <a:spcPts val="0"/>
-              </a:spcAft>
-              <a:buNone/>
-            </a:pPr>
-            <a:endParaRPr sz="3200" b="0" i="0" u="none">
+            <a:r>
+              <a:rPr lang="ca-ES" sz="3200" dirty="0">
+                <a:solidFill>
+                  <a:schemeClr val="dk1"/>
+                </a:solidFill>
+                <a:latin typeface="Helvetica Neue"/>
+              </a:rPr>
+              <a:t>Mirant cap al futur, la recerca realitzada en aquest treball obre la porta a noves línies d'investigació que podrien ampliar aspectes en que no s’ha pogut aprofundir o donar-los suficient rellevància, i oferir una continuïtat i ampliació a la recerca fins ara feta. Aspectes com augmentar la complexitat de la IA per resoldre problemes complexos, millorar la recollida de dades i la adaptació en forma de mòdul de la IA per poder-la exportar a qualsevol joc serien objectius que plantejarien una continuació de la recerca mes extensa.</a:t>
+            </a:r>
+            <a:endParaRPr lang="es-ES" sz="3200" dirty="0">
               <a:solidFill>
                 <a:schemeClr val="dk1"/>
               </a:solidFill>
               <a:latin typeface="Helvetica Neue"/>
-              <a:ea typeface="Helvetica Neue"/>
-              <a:cs typeface="Helvetica Neue"/>
+            </a:endParaRPr>
+          </a:p>
+          <a:p>
+            <a:pPr marL="0" marR="0" lvl="0" indent="0" algn="l" rtl="0">
+              <a:lnSpc>
+                <a:spcPct val="100000"/>
+              </a:lnSpc>
+              <a:spcBef>
+                <a:spcPts val="0"/>
+              </a:spcBef>
+              <a:spcAft>
+                <a:spcPts val="0"/>
+              </a:spcAft>
+              <a:buNone/>
+            </a:pPr>
+            <a:r>
+              <a:rPr lang="ca-ES" sz="3200" dirty="0">
+                <a:solidFill>
+                  <a:schemeClr val="dk1"/>
+                </a:solidFill>
+                <a:latin typeface="Helvetica Neue"/>
+                <a:sym typeface="Helvetica Neue"/>
+              </a:rPr>
+              <a:t>i</a:t>
+            </a:r>
+            <a:endParaRPr sz="3200" dirty="0">
+              <a:solidFill>
+                <a:schemeClr val="dk1"/>
+              </a:solidFill>
+              <a:latin typeface="Helvetica Neue"/>
               <a:sym typeface="Helvetica Neue"/>
             </a:endParaRPr>
           </a:p>
@@ -15574,6 +15825,56 @@
           </a:bodyPr>
           <a:lstStyle/>
           <a:p>
+            <a:pPr algn="just">
+              <a:lnSpc>
+                <a:spcPct val="115000"/>
+              </a:lnSpc>
+              <a:spcAft>
+                <a:spcPts val="800"/>
+              </a:spcAft>
+            </a:pPr>
+            <a:r>
+              <a:rPr lang="ca-ES" sz="3200" dirty="0">
+                <a:solidFill>
+                  <a:schemeClr val="dk1"/>
+                </a:solidFill>
+                <a:latin typeface="Helvetica Neue"/>
+              </a:rPr>
+              <a:t>Les diferents combinacions d’inputs, mutacions i poblacions generen diferents comportaments en l’evolució i l’aprenentatge de la xarxa neuronal. A partir de l’estudi realitzat, a continuació s’explica breument com es comporta la xarxa neuronal depenent de la variació dels paràmetres introduïts.</a:t>
+            </a:r>
+            <a:endParaRPr lang="es-ES" sz="3200" dirty="0">
+              <a:solidFill>
+                <a:schemeClr val="dk1"/>
+              </a:solidFill>
+              <a:latin typeface="Helvetica Neue"/>
+            </a:endParaRPr>
+          </a:p>
+          <a:p>
+            <a:pPr algn="just">
+              <a:lnSpc>
+                <a:spcPct val="115000"/>
+              </a:lnSpc>
+              <a:spcAft>
+                <a:spcPts val="800"/>
+              </a:spcAft>
+            </a:pPr>
+            <a:r>
+              <a:rPr lang="ca-ES" sz="3200" dirty="0">
+                <a:solidFill>
+                  <a:schemeClr val="dk1"/>
+                </a:solidFill>
+                <a:latin typeface="Helvetica Neue"/>
+              </a:rPr>
+              <a:t>Quan la xarxa neuronal té inputs limitats, com PYO o PYF, el seu aprenentatge és ineficient per falta d’informació clau. En canvi, si disposa de la relació entre la posició Y de l’ocell i l’obstacle (PYO-PYF combinats), l’aprenentatge millora notablement gràcies a una menor complexitat. Tanmateix, l’excés d’informació, amb inputs addicionals com PXF o VYO, alenteix el procés, ja que la xarxa ha de descartar dades irrellevants. Les mutacions no estructurals (MNE) són generalment les més eficients, mentre que la mida de la població influeix directament en la velocitat d’aprenentatge: com més gran és la població, més ràpid evoluciona.</a:t>
+            </a:r>
+            <a:endParaRPr lang="es-ES" sz="3200" dirty="0">
+              <a:solidFill>
+                <a:schemeClr val="dk1"/>
+              </a:solidFill>
+              <a:latin typeface="Helvetica Neue"/>
+            </a:endParaRPr>
+          </a:p>
+          <a:p>
             <a:pPr marL="0" marR="0" lvl="0" indent="0" algn="l" rtl="0">
               <a:lnSpc>
                 <a:spcPct val="100000"/>
@@ -15586,7 +15887,7 @@
               </a:spcAft>
               <a:buNone/>
             </a:pPr>
-            <a:endParaRPr sz="3200" b="0" i="0" u="none">
+            <a:endParaRPr sz="3200" b="0" i="0" u="none" dirty="0">
               <a:solidFill>
                 <a:schemeClr val="dk1"/>
               </a:solidFill>
@@ -16076,7 +16377,7 @@
                   <a:buNone/>
                 </a:pPr>
                 <a:r>
-                  <a:rPr lang="en-US" sz="6000" b="1" i="0" u="none">
+                  <a:rPr lang="en-US" sz="6000" b="1" i="0" u="none" dirty="0">
                     <a:solidFill>
                       <a:srgbClr val="F2F2F2"/>
                     </a:solidFill>
@@ -16087,7 +16388,7 @@
                   </a:rPr>
                   <a:t>[TÍTOL DEL TREBALL]</a:t>
                 </a:r>
-                <a:endParaRPr/>
+                <a:endParaRPr dirty="0"/>
               </a:p>
               <a:p>
                 <a:pPr marL="284162" marR="0" lvl="0" indent="0" algn="ctr" rtl="0">
@@ -16108,7 +16409,7 @@
                   <a:buNone/>
                 </a:pPr>
                 <a:r>
-                  <a:rPr lang="en-US" sz="4600" b="1" i="0" u="none">
+                  <a:rPr lang="en-US" sz="4600" b="1" i="0" u="none" dirty="0">
                     <a:solidFill>
                       <a:srgbClr val="F2F2F2"/>
                     </a:solidFill>
@@ -16117,9 +16418,57 @@
                     <a:cs typeface="Helvetica Neue"/>
                     <a:sym typeface="Helvetica Neue"/>
                   </a:rPr>
-                  <a:t>[Subtítol del treball]</a:t>
+                  <a:t>[</a:t>
                 </a:r>
-                <a:endParaRPr/>
+                <a:r>
+                  <a:rPr lang="en-US" sz="4600" b="1" i="0" u="none" dirty="0" err="1">
+                    <a:solidFill>
+                      <a:srgbClr val="F2F2F2"/>
+                    </a:solidFill>
+                    <a:latin typeface="Helvetica Neue"/>
+                    <a:ea typeface="Helvetica Neue"/>
+                    <a:cs typeface="Helvetica Neue"/>
+                    <a:sym typeface="Helvetica Neue"/>
+                  </a:rPr>
+                  <a:t>Subtítol</a:t>
+                </a:r>
+                <a:r>
+                  <a:rPr lang="en-US" sz="4600" b="1" i="0" u="none" dirty="0">
+                    <a:solidFill>
+                      <a:srgbClr val="F2F2F2"/>
+                    </a:solidFill>
+                    <a:latin typeface="Helvetica Neue"/>
+                    <a:ea typeface="Helvetica Neue"/>
+                    <a:cs typeface="Helvetica Neue"/>
+                    <a:sym typeface="Helvetica Neue"/>
+                  </a:rPr>
+                  <a:t> del </a:t>
+                </a:r>
+                <a:r>
+                  <a:rPr lang="en-US" sz="4600" b="1" i="0" u="none" dirty="0" err="1">
+                    <a:solidFill>
+                      <a:srgbClr val="F2F2F2"/>
+                    </a:solidFill>
+                    <a:latin typeface="Helvetica Neue"/>
+                    <a:ea typeface="Helvetica Neue"/>
+                    <a:cs typeface="Helvetica Neue"/>
+                    <a:sym typeface="Helvetica Neue"/>
+                  </a:rPr>
+                  <a:t>treball</a:t>
+                </a:r>
+                <a:r>
+                  <a:rPr lang="en-US" sz="4600" b="1" i="0" u="none" dirty="0">
+                    <a:solidFill>
+                      <a:srgbClr val="F2F2F2"/>
+                    </a:solidFill>
+                    <a:latin typeface="Helvetica Neue"/>
+                    <a:ea typeface="Helvetica Neue"/>
+                    <a:cs typeface="Helvetica Neue"/>
+                    <a:sym typeface="Helvetica Neue"/>
+                  </a:rPr>
+                  <a:t>]</a:t>
+                </a:r>
+                <a:endParaRPr dirty="0"/>
               </a:p>
               <a:p>
                 <a:pPr marL="284162" marR="0" lvl="0" indent="0" algn="ctr" rtl="0">
@@ -16139,7 +16488,7 @@
                   <a:buFont typeface="Helvetica Neue"/>
                   <a:buNone/>
                 </a:pPr>
-                <a:endParaRPr sz="2000" b="1" i="0" u="none">
+                <a:endParaRPr sz="2000" b="1" i="0" u="none" dirty="0">
                   <a:solidFill>
                     <a:srgbClr val="F2F2F2"/>
                   </a:solidFill>
@@ -16168,7 +16517,7 @@
                   <a:buNone/>
                 </a:pPr>
                 <a:r>
-                  <a:rPr lang="en-US" sz="3400" b="1" i="0" u="none">
+                  <a:rPr lang="en-US" sz="3400" b="1" i="0" u="none" dirty="0">
                     <a:solidFill>
                       <a:srgbClr val="F2F2F2"/>
                     </a:solidFill>
@@ -16177,9 +16526,81 @@
                     <a:cs typeface="Helvetica Neue"/>
                     <a:sym typeface="Helvetica Neue"/>
                   </a:rPr>
-                  <a:t>[Nom i cognoms de l’alumne/a]</a:t>
+                  <a:t>[Nom </a:t>
                 </a:r>
-                <a:endParaRPr/>
+                <a:r>
+                  <a:rPr lang="en-US" sz="3400" b="1" i="0" u="none" dirty="0" err="1">
+                    <a:solidFill>
+                      <a:srgbClr val="F2F2F2"/>
+                    </a:solidFill>
+                    <a:latin typeface="Helvetica Neue"/>
+                    <a:ea typeface="Helvetica Neue"/>
+                    <a:cs typeface="Helvetica Neue"/>
+                    <a:sym typeface="Helvetica Neue"/>
+                  </a:rPr>
+                  <a:t>i</a:t>
+                </a:r>
+                <a:r>
+                  <a:rPr lang="en-US" sz="3400" b="1" i="0" u="none" dirty="0">
+                    <a:solidFill>
+                      <a:srgbClr val="F2F2F2"/>
+                    </a:solidFill>
+                    <a:latin typeface="Helvetica Neue"/>
+                    <a:ea typeface="Helvetica Neue"/>
+                    <a:cs typeface="Helvetica Neue"/>
+                    <a:sym typeface="Helvetica Neue"/>
+                  </a:rPr>
+                  <a:t> </a:t>
+                </a:r>
+                <a:r>
+                  <a:rPr lang="en-US" sz="3400" b="1" i="0" u="none" dirty="0" err="1">
+                    <a:solidFill>
+                      <a:srgbClr val="F2F2F2"/>
+                    </a:solidFill>
+                    <a:latin typeface="Helvetica Neue"/>
+                    <a:ea typeface="Helvetica Neue"/>
+                    <a:cs typeface="Helvetica Neue"/>
+                    <a:sym typeface="Helvetica Neue"/>
+                  </a:rPr>
+                  <a:t>cognoms</a:t>
+                </a:r>
+                <a:r>
+                  <a:rPr lang="en-US" sz="3400" b="1" i="0" u="none" dirty="0">
+                    <a:solidFill>
+                      <a:srgbClr val="F2F2F2"/>
+                    </a:solidFill>
+                    <a:latin typeface="Helvetica Neue"/>
+                    <a:ea typeface="Helvetica Neue"/>
+                    <a:cs typeface="Helvetica Neue"/>
+                    <a:sym typeface="Helvetica Neue"/>
+                  </a:rPr>
+                  <a:t> de </a:t>
+                </a:r>
+                <a:r>
+                  <a:rPr lang="en-US" sz="3400" b="1" i="0" u="none" dirty="0" err="1">
+                    <a:solidFill>
+                      <a:srgbClr val="F2F2F2"/>
+                    </a:solidFill>
+                    <a:latin typeface="Helvetica Neue"/>
+                    <a:ea typeface="Helvetica Neue"/>
+                    <a:cs typeface="Helvetica Neue"/>
+                    <a:sym typeface="Helvetica Neue"/>
+                  </a:rPr>
+                  <a:t>l’alumne</a:t>
+                </a:r>
+                <a:r>
+                  <a:rPr lang="en-US" sz="3400" b="1" i="0" u="none" dirty="0">
+                    <a:solidFill>
+                      <a:srgbClr val="F2F2F2"/>
+                    </a:solidFill>
+                    <a:latin typeface="Helvetica Neue"/>
+                    <a:ea typeface="Helvetica Neue"/>
+                    <a:cs typeface="Helvetica Neue"/>
+                    <a:sym typeface="Helvetica Neue"/>
+                  </a:rPr>
+                  <a:t>/a]</a:t>
+                </a:r>
+                <a:endParaRPr dirty="0"/>
               </a:p>
               <a:p>
                 <a:pPr marL="284162" marR="0" lvl="0" indent="0" algn="ctr" rtl="0">
@@ -16199,7 +16620,7 @@
                   <a:buFont typeface="Helvetica Neue"/>
                   <a:buNone/>
                 </a:pPr>
-                <a:endParaRPr sz="2000" b="1" i="0" u="none">
+                <a:endParaRPr sz="2000" b="1" i="0" u="none" dirty="0">
                   <a:solidFill>
                     <a:srgbClr val="F2F2F2"/>
                   </a:solidFill>
@@ -16228,7 +16649,7 @@
                   <a:buNone/>
                 </a:pPr>
                 <a:r>
-                  <a:rPr lang="en-US" sz="3400" b="1" i="0" u="none">
+                  <a:rPr lang="en-US" sz="3400" b="1" i="0" u="none" dirty="0">
                     <a:solidFill>
                       <a:srgbClr val="F2F2F2"/>
                     </a:solidFill>
@@ -16237,9 +16658,69 @@
                     <a:cs typeface="Helvetica Neue"/>
                     <a:sym typeface="Helvetica Neue"/>
                   </a:rPr>
-                  <a:t>Nom i població del centre</a:t>
+                  <a:t>Nom </a:t>
                 </a:r>
-                <a:endParaRPr/>
+                <a:r>
+                  <a:rPr lang="en-US" sz="3400" b="1" i="0" u="none" dirty="0" err="1">
+                    <a:solidFill>
+                      <a:srgbClr val="F2F2F2"/>
+                    </a:solidFill>
+                    <a:latin typeface="Helvetica Neue"/>
+                    <a:ea typeface="Helvetica Neue"/>
+                    <a:cs typeface="Helvetica Neue"/>
+                    <a:sym typeface="Helvetica Neue"/>
+                  </a:rPr>
+                  <a:t>i</a:t>
+                </a:r>
+                <a:r>
+                  <a:rPr lang="en-US" sz="3400" b="1" i="0" u="none" dirty="0">
+                    <a:solidFill>
+                      <a:srgbClr val="F2F2F2"/>
+                    </a:solidFill>
+                    <a:latin typeface="Helvetica Neue"/>
+                    <a:ea typeface="Helvetica Neue"/>
+                    <a:cs typeface="Helvetica Neue"/>
+                    <a:sym typeface="Helvetica Neue"/>
+                  </a:rPr>
+                  <a:t> </a:t>
+                </a:r>
+                <a:r>
+                  <a:rPr lang="en-US" sz="3400" b="1" i="0" u="none" dirty="0" err="1">
+                    <a:solidFill>
+                      <a:srgbClr val="F2F2F2"/>
+                    </a:solidFill>
+                    <a:latin typeface="Helvetica Neue"/>
+                    <a:ea typeface="Helvetica Neue"/>
+                    <a:cs typeface="Helvetica Neue"/>
+                    <a:sym typeface="Helvetica Neue"/>
+                  </a:rPr>
+                  <a:t>població</a:t>
+                </a:r>
+                <a:r>
+                  <a:rPr lang="en-US" sz="3400" b="1" i="0" u="none" dirty="0">
+                    <a:solidFill>
+                      <a:srgbClr val="F2F2F2"/>
+                    </a:solidFill>
+                    <a:latin typeface="Helvetica Neue"/>
+                    <a:ea typeface="Helvetica Neue"/>
+                    <a:cs typeface="Helvetica Neue"/>
+                    <a:sym typeface="Helvetica Neue"/>
+                  </a:rPr>
+                  <a:t> del </a:t>
+                </a:r>
+                <a:r>
+                  <a:rPr lang="en-US" sz="3400" b="1" i="0" u="none" dirty="0" err="1">
+                    <a:solidFill>
+                      <a:srgbClr val="F2F2F2"/>
+                    </a:solidFill>
+                    <a:latin typeface="Helvetica Neue"/>
+                    <a:ea typeface="Helvetica Neue"/>
+                    <a:cs typeface="Helvetica Neue"/>
+                    <a:sym typeface="Helvetica Neue"/>
+                  </a:rPr>
+                  <a:t>centre</a:t>
+                </a:r>
+                <a:endParaRPr dirty="0"/>
               </a:p>
             </p:txBody>
           </p:sp>
@@ -18551,6 +19032,15 @@
 </file>
 
 <file path=customXml/item2.xml><?xml version="1.0" encoding="utf-8"?>
+<?mso-contentType ?>
+<FormTemplates xmlns="http://schemas.microsoft.com/sharepoint/v3/contenttype/forms">
+  <Display>DocumentLibraryForm</Display>
+  <Edit>DocumentLibraryForm</Edit>
+  <New>DocumentLibraryForm</New>
+</FormTemplates>
+</file>
+
+<file path=customXml/item3.xml><?xml version="1.0" encoding="utf-8"?>
 <ct:contentTypeSchema xmlns:ct="http://schemas.microsoft.com/office/2006/metadata/contentType" xmlns:ma="http://schemas.microsoft.com/office/2006/metadata/properties/metaAttributes" ct:_="" ma:_="" ma:contentTypeName="Document" ma:contentTypeID="0x010100A8B3E2FAD0CC87409CBAEC3E29F4FF19" ma:contentTypeVersion="2" ma:contentTypeDescription="Crea un document nou" ma:contentTypeScope="" ma:versionID="948e3e76edda3fbce65e664830aa899d">
   <xsd:schema xmlns:xsd="http://www.w3.org/2001/XMLSchema" xmlns:xs="http://www.w3.org/2001/XMLSchema" xmlns:p="http://schemas.microsoft.com/office/2006/metadata/properties" xmlns:ns2="e551ada3-dc07-4edc-a1ab-4b06fc86669f" targetNamespace="http://schemas.microsoft.com/office/2006/metadata/properties" ma:root="true" ma:fieldsID="510b4b49661bb8cbc7006eaa45553a92" ns2:_="">
     <xsd:import namespace="e551ada3-dc07-4edc-a1ab-4b06fc86669f"/>
@@ -18682,15 +19172,6 @@
 </ct:contentTypeSchema>
 </file>
 
-<file path=customXml/item3.xml><?xml version="1.0" encoding="utf-8"?>
-<?mso-contentType ?>
-<FormTemplates xmlns="http://schemas.microsoft.com/sharepoint/v3/contenttype/forms">
-  <Display>DocumentLibraryForm</Display>
-  <Edit>DocumentLibraryForm</Edit>
-  <New>DocumentLibraryForm</New>
-</FormTemplates>
-</file>
-
 <file path=customXml/itemProps1.xml><?xml version="1.0" encoding="utf-8"?>
 <ds:datastoreItem xmlns:ds="http://schemas.openxmlformats.org/officeDocument/2006/customXml" ds:itemID="{7F6B4923-89E4-41EC-A214-2CB2F0E96840}">
   <ds:schemaRefs>
@@ -18708,6 +19189,14 @@
 </file>
 
 <file path=customXml/itemProps2.xml><?xml version="1.0" encoding="utf-8"?>
+<ds:datastoreItem xmlns:ds="http://schemas.openxmlformats.org/officeDocument/2006/customXml" ds:itemID="{1DB2D889-6609-4D39-A17A-9C5435A96D27}">
+  <ds:schemaRefs>
+    <ds:schemaRef ds:uri="http://schemas.microsoft.com/sharepoint/v3/contenttype/forms"/>
+  </ds:schemaRefs>
+</ds:datastoreItem>
+</file>
+
+<file path=customXml/itemProps3.xml><?xml version="1.0" encoding="utf-8"?>
 <ds:datastoreItem xmlns:ds="http://schemas.openxmlformats.org/officeDocument/2006/customXml" ds:itemID="{B34816C7-7AF8-4B5D-B333-BF06B80648B8}">
   <ds:schemaRefs>
     <ds:schemaRef ds:uri="http://schemas.microsoft.com/office/2006/metadata/contentType"/>
@@ -18723,12 +19212,4 @@
     <ds:schemaRef ds:uri="http://schemas.microsoft.com/internal/obd"/>
   </ds:schemaRefs>
 </ds:datastoreItem>
-</file>
-
-<file path=customXml/itemProps3.xml><?xml version="1.0" encoding="utf-8"?>
-<ds:datastoreItem xmlns:ds="http://schemas.openxmlformats.org/officeDocument/2006/customXml" ds:itemID="{1DB2D889-6609-4D39-A17A-9C5435A96D27}">
-  <ds:schemaRefs>
-    <ds:schemaRef ds:uri="http://schemas.microsoft.com/sharepoint/v3/contenttype/forms"/>
-  </ds:schemaRefs>
-</ds:datastoreItem>
 </file>
--- a/TR_ESCRIT/Plantilla de pòster.pptx
+++ b/TR_ESCRIT/Plantilla de pòster.pptx
@@ -13946,27 +13946,7 @@
                     <a:latin typeface="Helvetica Neue"/>
                     <a:sym typeface="Helvetica Neue"/>
                   </a:rPr>
-                  <a:t>Marc </a:t>
-                </a:r>
-                <a:r>
-                  <a:rPr lang="ca-ES" sz="3400" dirty="0" err="1">
-                    <a:solidFill>
-                      <a:srgbClr val="F2F2F2"/>
-                    </a:solidFill>
-                    <a:latin typeface="Helvetica Neue"/>
-                    <a:sym typeface="Helvetica Neue"/>
-                  </a:rPr>
-                  <a:t>Perez</a:t>
-                </a:r>
-                <a:r>
-                  <a:rPr lang="ca-ES" sz="3400" dirty="0">
-                    <a:solidFill>
-                      <a:srgbClr val="F2F2F2"/>
-                    </a:solidFill>
-                    <a:latin typeface="Helvetica Neue"/>
-                    <a:sym typeface="Helvetica Neue"/>
-                  </a:rPr>
-                  <a:t>, Teo </a:t>
+                  <a:t>Marc Pérez Fusco, Teo </a:t>
                 </a:r>
                 <a:r>
                   <a:rPr lang="ca-ES" sz="3400" dirty="0" err="1">
@@ -13986,7 +13966,17 @@
                     <a:latin typeface="Helvetica Neue"/>
                     <a:sym typeface="Helvetica Neue"/>
                   </a:rPr>
-                  <a:t> i Jan Ferrer</a:t>
+                  <a:t> Jurado i Jan Ferrer </a:t>
+                </a:r>
+                <a:r>
+                  <a:rPr lang="ca-ES" sz="3400" dirty="0" err="1">
+                    <a:solidFill>
+                      <a:srgbClr val="F2F2F2"/>
+                    </a:solidFill>
+                    <a:latin typeface="Helvetica Neue"/>
+                    <a:sym typeface="Helvetica Neue"/>
+                  </a:rPr>
+                  <a:t>Paramio</a:t>
                 </a:r>
                 <a:endParaRPr lang="ca-ES" dirty="0"/>
               </a:p>
@@ -14018,7 +14008,7 @@
                     <a:cs typeface="Helvetica Neue"/>
                     <a:sym typeface="Helvetica Neue"/>
                   </a:rPr>
-                  <a:t>Nom</a:t>
+                  <a:t>Institució</a:t>
                 </a:r>
                 <a:r>
                   <a:rPr lang="es-ES" sz="3400" b="1" i="0" u="none" dirty="0">
@@ -14030,31 +14020,7 @@
                     <a:cs typeface="Helvetica Neue"/>
                     <a:sym typeface="Helvetica Neue"/>
                   </a:rPr>
-                  <a:t> i </a:t>
-                </a:r>
-                <a:r>
-                  <a:rPr lang="es-ES" sz="3400" b="1" i="0" u="none" dirty="0" err="1">
-                    <a:solidFill>
-                      <a:srgbClr val="F2F2F2"/>
-                    </a:solidFill>
-                    <a:latin typeface="Helvetica Neue"/>
-                    <a:ea typeface="Helvetica Neue"/>
-                    <a:cs typeface="Helvetica Neue"/>
-                    <a:sym typeface="Helvetica Neue"/>
-                  </a:rPr>
-                  <a:t>població</a:t>
-                </a:r>
-                <a:r>
-                  <a:rPr lang="es-ES" sz="3400" b="1" i="0" u="none" dirty="0">
-                    <a:solidFill>
-                      <a:srgbClr val="F2F2F2"/>
-                    </a:solidFill>
-                    <a:latin typeface="Helvetica Neue"/>
-                    <a:ea typeface="Helvetica Neue"/>
-                    <a:cs typeface="Helvetica Neue"/>
-                    <a:sym typeface="Helvetica Neue"/>
-                  </a:rPr>
-                  <a:t> del centre</a:t>
+                  <a:t> Cultural del CIC, Barcelona</a:t>
                 </a:r>
                 <a:endParaRPr lang="es-ES" dirty="0"/>
               </a:p>
@@ -14511,7 +14477,7 @@
         </p:nvSpPr>
         <p:spPr>
           <a:xfrm>
-            <a:off x="-20562128" y="6345307"/>
+            <a:off x="-15322550" y="8415172"/>
             <a:ext cx="13684250" cy="6340475"/>
           </a:xfrm>
           <a:prstGeom prst="rect">
@@ -15271,8 +15237,8 @@
         </p:nvSpPr>
         <p:spPr>
           <a:xfrm>
-            <a:off x="15282516" y="5925145"/>
-            <a:ext cx="14181137" cy="8864281"/>
+            <a:off x="1187465" y="5943851"/>
+            <a:ext cx="13328635" cy="8864281"/>
           </a:xfrm>
           <a:prstGeom prst="rect">
             <a:avLst/>
@@ -15483,8 +15449,8 @@
         </p:nvSpPr>
         <p:spPr>
           <a:xfrm>
-            <a:off x="842270" y="5557837"/>
-            <a:ext cx="14181137" cy="10548937"/>
+            <a:off x="16756046" y="25414827"/>
+            <a:ext cx="11274659" cy="10548937"/>
           </a:xfrm>
           <a:prstGeom prst="rect">
             <a:avLst/>
@@ -15506,46 +15472,41 @@
           </a:bodyPr>
           <a:lstStyle/>
           <a:p>
-            <a:pPr algn="just">
-              <a:buClr>
-                <a:schemeClr val="dk1"/>
-              </a:buClr>
-              <a:buSzPts val="4000"/>
+            <a:pPr>
+              <a:lnSpc>
+                <a:spcPct val="115000"/>
+              </a:lnSpc>
+              <a:spcAft>
+                <a:spcPts val="800"/>
+              </a:spcAft>
             </a:pPr>
-            <a:endParaRPr lang="ca-ES" sz="3200" b="1" dirty="0">
-              <a:solidFill>
-                <a:schemeClr val="dk1"/>
-              </a:solidFill>
-              <a:latin typeface="Helvetica Neue"/>
-            </a:endParaRPr>
-          </a:p>
-          <a:p>
-            <a:pPr algn="just">
-              <a:buClr>
-                <a:schemeClr val="dk1"/>
-              </a:buClr>
-              <a:buSzPts val="4000"/>
-            </a:pPr>
-            <a:endParaRPr lang="ca-ES" sz="3200" b="1" dirty="0">
-              <a:solidFill>
-                <a:schemeClr val="dk1"/>
-              </a:solidFill>
-              <a:latin typeface="Helvetica Neue"/>
-            </a:endParaRPr>
-          </a:p>
-          <a:p>
-            <a:pPr algn="just">
-              <a:buClr>
-                <a:schemeClr val="dk1"/>
-              </a:buClr>
-              <a:buSzPts val="4000"/>
-            </a:pPr>
-            <a:endParaRPr lang="ca-ES" sz="3200" b="1" dirty="0">
-              <a:solidFill>
-                <a:schemeClr val="dk1"/>
-              </a:solidFill>
-              <a:latin typeface="Helvetica Neue"/>
-            </a:endParaRPr>
+            <a:r>
+              <a:rPr lang="ca-ES" sz="3200" kern="100" dirty="0">
+                <a:effectLst/>
+                <a:latin typeface="Times New Roman" panose="02020603050405020304" pitchFamily="18" charset="0"/>
+                <a:ea typeface="Aptos" panose="020B0004020202020204" pitchFamily="34" charset="0"/>
+                <a:cs typeface="Arial" panose="020B0604020202020204" pitchFamily="34" charset="0"/>
+              </a:rPr>
+              <a:t>Som conscients que les possibilitats de noves anàlisis i noves conclusions poden entendre’s més enllà d’aquest treball, i per això deixem a disposició de tothom per seguir investigant, el laboratori digital</a:t>
+            </a:r>
+            <a:r>
+              <a:rPr lang="ca-ES" sz="3200" kern="0" baseline="30000" dirty="0">
+                <a:effectLst/>
+                <a:latin typeface="Times New Roman" panose="02020603050405020304" pitchFamily="18" charset="0"/>
+                <a:ea typeface="Aptos" panose="020B0004020202020204" pitchFamily="34" charset="0"/>
+                <a:cs typeface="Times New Roman" panose="02020603050405020304" pitchFamily="18" charset="0"/>
+              </a:rPr>
+              <a:t>5</a:t>
+            </a:r>
+            <a:r>
+              <a:rPr lang="ca-ES" sz="3200" kern="100" dirty="0">
+                <a:effectLst/>
+                <a:latin typeface="Times New Roman" panose="02020603050405020304" pitchFamily="18" charset="0"/>
+                <a:ea typeface="Aptos" panose="020B0004020202020204" pitchFamily="34" charset="0"/>
+                <a:cs typeface="Arial" panose="020B0604020202020204" pitchFamily="34" charset="0"/>
+              </a:rPr>
+              <a:t> que hem dut a terme en el marc d’aquest treball de recerca.</a:t>
+            </a:r>
           </a:p>
         </p:txBody>
       </p:sp>
@@ -15557,8 +15518,8 @@
         </p:nvSpPr>
         <p:spPr>
           <a:xfrm>
-            <a:off x="15247241" y="15003115"/>
-            <a:ext cx="14181137" cy="2885600"/>
+            <a:off x="15093156" y="6302894"/>
+            <a:ext cx="10148888" cy="10865008"/>
           </a:xfrm>
           <a:prstGeom prst="rect">
             <a:avLst/>
@@ -15592,14 +15553,272 @@
               </a:spcAft>
               <a:buNone/>
             </a:pPr>
-            <a:endParaRPr sz="3200" b="0" i="0" u="none">
+            <a:r>
+              <a:rPr lang="es-ES" sz="3200" b="0" i="0" u="none" dirty="0">
+                <a:solidFill>
+                  <a:schemeClr val="dk1"/>
+                </a:solidFill>
+                <a:latin typeface="Helvetica Neue"/>
+                <a:ea typeface="Helvetica Neue"/>
+                <a:cs typeface="Helvetica Neue"/>
+                <a:sym typeface="Helvetica Neue"/>
+              </a:rPr>
+              <a:t>Metodología</a:t>
+            </a:r>
+          </a:p>
+          <a:p>
+            <a:pPr marL="0" marR="0" lvl="0" indent="0" algn="l" rtl="0">
+              <a:lnSpc>
+                <a:spcPct val="100000"/>
+              </a:lnSpc>
+              <a:spcBef>
+                <a:spcPts val="0"/>
+              </a:spcBef>
+              <a:spcAft>
+                <a:spcPts val="0"/>
+              </a:spcAft>
+              <a:buNone/>
+            </a:pPr>
+            <a:r>
+              <a:rPr lang="ca-ES" sz="3200" dirty="0">
+                <a:effectLst/>
+                <a:latin typeface="Times New Roman" panose="02020603050405020304" pitchFamily="18" charset="0"/>
+                <a:ea typeface="Aptos" panose="020B0004020202020204" pitchFamily="34" charset="0"/>
+              </a:rPr>
+              <a:t>Per entrenar la xarxa neuronal utilitzem una versió d’un algorisme genètic, inspirat en la teoria Darwiniana, anomenat NEAT (</a:t>
+            </a:r>
+            <a:r>
+              <a:rPr lang="ca-ES" sz="3200" i="1" dirty="0" err="1">
+                <a:effectLst/>
+                <a:latin typeface="Times New Roman" panose="02020603050405020304" pitchFamily="18" charset="0"/>
+                <a:ea typeface="Aptos" panose="020B0004020202020204" pitchFamily="34" charset="0"/>
+              </a:rPr>
+              <a:t>Neuro</a:t>
+            </a:r>
+            <a:r>
+              <a:rPr lang="ca-ES" sz="3200" i="1" dirty="0">
+                <a:effectLst/>
+                <a:latin typeface="Times New Roman" panose="02020603050405020304" pitchFamily="18" charset="0"/>
+                <a:ea typeface="Aptos" panose="020B0004020202020204" pitchFamily="34" charset="0"/>
+              </a:rPr>
+              <a:t> </a:t>
+            </a:r>
+            <a:r>
+              <a:rPr lang="ca-ES" sz="3200" i="1" dirty="0" err="1">
+                <a:effectLst/>
+                <a:latin typeface="Times New Roman" panose="02020603050405020304" pitchFamily="18" charset="0"/>
+                <a:ea typeface="Aptos" panose="020B0004020202020204" pitchFamily="34" charset="0"/>
+              </a:rPr>
+              <a:t>Evolution</a:t>
+            </a:r>
+            <a:r>
+              <a:rPr lang="ca-ES" sz="3200" i="1" dirty="0">
+                <a:effectLst/>
+                <a:latin typeface="Times New Roman" panose="02020603050405020304" pitchFamily="18" charset="0"/>
+                <a:ea typeface="Aptos" panose="020B0004020202020204" pitchFamily="34" charset="0"/>
+              </a:rPr>
+              <a:t> of </a:t>
+            </a:r>
+            <a:r>
+              <a:rPr lang="ca-ES" sz="3200" i="1" dirty="0" err="1">
+                <a:effectLst/>
+                <a:latin typeface="Times New Roman" panose="02020603050405020304" pitchFamily="18" charset="0"/>
+                <a:ea typeface="Aptos" panose="020B0004020202020204" pitchFamily="34" charset="0"/>
+              </a:rPr>
+              <a:t>Augmenting</a:t>
+            </a:r>
+            <a:r>
+              <a:rPr lang="ca-ES" sz="3200" i="1" dirty="0">
+                <a:effectLst/>
+                <a:latin typeface="Times New Roman" panose="02020603050405020304" pitchFamily="18" charset="0"/>
+                <a:ea typeface="Aptos" panose="020B0004020202020204" pitchFamily="34" charset="0"/>
+              </a:rPr>
+              <a:t> Topologies</a:t>
+            </a:r>
+            <a:r>
+              <a:rPr lang="ca-ES" sz="3200" dirty="0">
+                <a:effectLst/>
+                <a:latin typeface="Times New Roman" panose="02020603050405020304" pitchFamily="18" charset="0"/>
+                <a:ea typeface="Aptos" panose="020B0004020202020204" pitchFamily="34" charset="0"/>
+              </a:rPr>
+              <a:t>).</a:t>
+            </a:r>
+            <a:r>
+              <a:rPr lang="ca-ES" sz="3200" dirty="0">
+                <a:solidFill>
+                  <a:schemeClr val="dk1"/>
+                </a:solidFill>
+                <a:effectLst/>
+                <a:latin typeface="Helvetica Neue"/>
+                <a:ea typeface="Aptos" panose="020B0004020202020204" pitchFamily="34" charset="0"/>
+                <a:sym typeface="Helvetica Neue"/>
+              </a:rPr>
+              <a:t> A partir d’una xarxa neuronal base </a:t>
+            </a:r>
+            <a:r>
+              <a:rPr lang="ca-ES" sz="3200" dirty="0">
+                <a:solidFill>
+                  <a:schemeClr val="dk1"/>
+                </a:solidFill>
+                <a:latin typeface="Helvetica Neue"/>
+                <a:ea typeface="Aptos" panose="020B0004020202020204" pitchFamily="34" charset="0"/>
+                <a:sym typeface="Helvetica Neue"/>
+              </a:rPr>
+              <a:t>evoluciona fent petits canvis en la xarxa i buscant la que funciona millor com passa a la natura.</a:t>
+            </a:r>
+          </a:p>
+          <a:p>
+            <a:pPr marL="0" marR="0" lvl="0" indent="0" algn="l" rtl="0">
+              <a:lnSpc>
+                <a:spcPct val="100000"/>
+              </a:lnSpc>
+              <a:spcBef>
+                <a:spcPts val="0"/>
+              </a:spcBef>
+              <a:spcAft>
+                <a:spcPts val="0"/>
+              </a:spcAft>
+              <a:buNone/>
+            </a:pPr>
+            <a:endParaRPr lang="ca-ES" sz="3200" dirty="0">
               <a:solidFill>
                 <a:schemeClr val="dk1"/>
               </a:solidFill>
               <a:latin typeface="Helvetica Neue"/>
-              <a:ea typeface="Helvetica Neue"/>
-              <a:cs typeface="Helvetica Neue"/>
+              <a:ea typeface="Aptos" panose="020B0004020202020204" pitchFamily="34" charset="0"/>
               <a:sym typeface="Helvetica Neue"/>
+            </a:endParaRPr>
+          </a:p>
+          <a:p>
+            <a:pPr marL="0" marR="0" lvl="0" indent="0" algn="l" rtl="0">
+              <a:lnSpc>
+                <a:spcPct val="100000"/>
+              </a:lnSpc>
+              <a:spcBef>
+                <a:spcPts val="0"/>
+              </a:spcBef>
+              <a:spcAft>
+                <a:spcPts val="0"/>
+              </a:spcAft>
+              <a:buNone/>
+            </a:pPr>
+            <a:r>
+              <a:rPr lang="ca-ES" sz="3200" dirty="0">
+                <a:solidFill>
+                  <a:schemeClr val="dk1"/>
+                </a:solidFill>
+                <a:latin typeface="Helvetica Neue"/>
+                <a:ea typeface="Aptos" panose="020B0004020202020204" pitchFamily="34" charset="0"/>
+                <a:sym typeface="Helvetica Neue"/>
+              </a:rPr>
+              <a:t>Per </a:t>
+            </a:r>
+            <a:r>
+              <a:rPr lang="ca-ES" sz="3200" dirty="0" err="1">
+                <a:solidFill>
+                  <a:schemeClr val="dk1"/>
+                </a:solidFill>
+                <a:latin typeface="Helvetica Neue"/>
+                <a:ea typeface="Aptos" panose="020B0004020202020204" pitchFamily="34" charset="0"/>
+                <a:sym typeface="Helvetica Neue"/>
+              </a:rPr>
+              <a:t>evaluar</a:t>
+            </a:r>
+            <a:r>
+              <a:rPr lang="ca-ES" sz="3200" dirty="0">
+                <a:solidFill>
+                  <a:schemeClr val="dk1"/>
+                </a:solidFill>
+                <a:latin typeface="Helvetica Neue"/>
+                <a:ea typeface="Aptos" panose="020B0004020202020204" pitchFamily="34" charset="0"/>
+                <a:sym typeface="Helvetica Neue"/>
+              </a:rPr>
+              <a:t> com de bé funciona la IA utilitzem un sistema de puntuació anomenat fitness que dona una puntuació a cada xarxa neuronal segons uns criteris establerts. </a:t>
+            </a:r>
+            <a:r>
+              <a:rPr lang="ca-ES" sz="3200" dirty="0" err="1">
+                <a:solidFill>
+                  <a:schemeClr val="dk1"/>
+                </a:solidFill>
+                <a:latin typeface="Helvetica Neue"/>
+                <a:ea typeface="Aptos" panose="020B0004020202020204" pitchFamily="34" charset="0"/>
+                <a:sym typeface="Helvetica Neue"/>
+              </a:rPr>
+              <a:t>S’utlitza</a:t>
+            </a:r>
+            <a:r>
+              <a:rPr lang="ca-ES" sz="3200" dirty="0">
+                <a:solidFill>
+                  <a:schemeClr val="dk1"/>
+                </a:solidFill>
+                <a:latin typeface="Helvetica Neue"/>
+                <a:ea typeface="Aptos" panose="020B0004020202020204" pitchFamily="34" charset="0"/>
+                <a:sym typeface="Helvetica Neue"/>
+              </a:rPr>
+              <a:t> per saber quina de les xarxes neuronals </a:t>
+            </a:r>
+            <a:r>
+              <a:rPr lang="ca-ES" sz="3200" dirty="0" err="1">
+                <a:solidFill>
+                  <a:schemeClr val="dk1"/>
+                </a:solidFill>
+                <a:latin typeface="Helvetica Neue"/>
+                <a:ea typeface="Aptos" panose="020B0004020202020204" pitchFamily="34" charset="0"/>
+                <a:sym typeface="Helvetica Neue"/>
+              </a:rPr>
+              <a:t>s’aprpa</a:t>
+            </a:r>
+            <a:r>
+              <a:rPr lang="ca-ES" sz="3200" dirty="0">
+                <a:solidFill>
+                  <a:schemeClr val="dk1"/>
+                </a:solidFill>
+                <a:latin typeface="Helvetica Neue"/>
+                <a:ea typeface="Aptos" panose="020B0004020202020204" pitchFamily="34" charset="0"/>
+                <a:sym typeface="Helvetica Neue"/>
+              </a:rPr>
+              <a:t> més a una IA que ha aprés a realitzar la tasca. La xarxa neuronal que aconsegueix arribar a una puntuació de 160.000 punts aproximadament (150 </a:t>
+            </a:r>
+            <a:r>
+              <a:rPr lang="ca-ES" sz="3200" dirty="0" err="1">
+                <a:solidFill>
+                  <a:schemeClr val="dk1"/>
+                </a:solidFill>
+                <a:latin typeface="Helvetica Neue"/>
+                <a:ea typeface="Aptos" panose="020B0004020202020204" pitchFamily="34" charset="0"/>
+                <a:sym typeface="Helvetica Neue"/>
+              </a:rPr>
+              <a:t>tuberies</a:t>
+            </a:r>
+            <a:r>
+              <a:rPr lang="ca-ES" sz="3200" dirty="0">
+                <a:solidFill>
+                  <a:schemeClr val="dk1"/>
+                </a:solidFill>
+                <a:latin typeface="Helvetica Neue"/>
+                <a:ea typeface="Aptos" panose="020B0004020202020204" pitchFamily="34" charset="0"/>
+                <a:sym typeface="Helvetica Neue"/>
+              </a:rPr>
+              <a:t>) la considerem que la IA ha aprés.</a:t>
+            </a:r>
+          </a:p>
+          <a:p>
+            <a:pPr marL="0" marR="0" lvl="0" indent="0" algn="l" rtl="0">
+              <a:lnSpc>
+                <a:spcPct val="100000"/>
+              </a:lnSpc>
+              <a:spcBef>
+                <a:spcPts val="0"/>
+              </a:spcBef>
+              <a:spcAft>
+                <a:spcPts val="0"/>
+              </a:spcAft>
+              <a:buNone/>
+            </a:pPr>
+            <a:endParaRPr lang="ca-ES" sz="3200" dirty="0">
+              <a:effectLst/>
+              <a:latin typeface="Times New Roman" panose="02020603050405020304" pitchFamily="18" charset="0"/>
+              <a:ea typeface="Aptos" panose="020B0004020202020204" pitchFamily="34" charset="0"/>
             </a:endParaRPr>
           </a:p>
         </p:txBody>
@@ -15612,8 +15831,8 @@
         </p:nvSpPr>
         <p:spPr>
           <a:xfrm>
-            <a:off x="682625" y="16563975"/>
-            <a:ext cx="28830588" cy="10547350"/>
+            <a:off x="1187465" y="14824151"/>
+            <a:ext cx="13328634" cy="4215771"/>
           </a:xfrm>
           <a:prstGeom prst="rect">
             <a:avLst/>
@@ -15647,7 +15866,298 @@
               </a:spcAft>
               <a:buNone/>
             </a:pPr>
-            <a:endParaRPr sz="3200" b="0" i="0" u="none">
+            <a:r>
+              <a:rPr lang="es-ES" sz="3200" b="0" i="0" u="none" dirty="0" err="1">
+                <a:solidFill>
+                  <a:schemeClr val="dk1"/>
+                </a:solidFill>
+                <a:latin typeface="Helvetica Neue"/>
+                <a:ea typeface="Helvetica Neue"/>
+                <a:cs typeface="Helvetica Neue"/>
+                <a:sym typeface="Helvetica Neue"/>
+              </a:rPr>
+              <a:t>L’estudi</a:t>
+            </a:r>
+            <a:r>
+              <a:rPr lang="es-ES" sz="3200" b="0" i="0" u="none" dirty="0">
+                <a:solidFill>
+                  <a:schemeClr val="dk1"/>
+                </a:solidFill>
+                <a:latin typeface="Helvetica Neue"/>
+                <a:ea typeface="Helvetica Neue"/>
+                <a:cs typeface="Helvetica Neue"/>
+                <a:sym typeface="Helvetica Neue"/>
+              </a:rPr>
+              <a:t> </a:t>
+            </a:r>
+            <a:r>
+              <a:rPr lang="es-ES" sz="3200" b="0" i="0" u="none" dirty="0" err="1">
+                <a:solidFill>
+                  <a:schemeClr val="dk1"/>
+                </a:solidFill>
+                <a:latin typeface="Helvetica Neue"/>
+                <a:ea typeface="Helvetica Neue"/>
+                <a:cs typeface="Helvetica Neue"/>
+                <a:sym typeface="Helvetica Neue"/>
+              </a:rPr>
+              <a:t>realitzat</a:t>
+            </a:r>
+            <a:r>
+              <a:rPr lang="es-ES" sz="3200" b="0" i="0" u="none" dirty="0">
+                <a:solidFill>
+                  <a:schemeClr val="dk1"/>
+                </a:solidFill>
+                <a:latin typeface="Helvetica Neue"/>
+                <a:ea typeface="Helvetica Neue"/>
+                <a:cs typeface="Helvetica Neue"/>
+                <a:sym typeface="Helvetica Neue"/>
+              </a:rPr>
+              <a:t> </a:t>
+            </a:r>
+            <a:r>
+              <a:rPr lang="es-ES" sz="3200" b="0" i="0" u="none" dirty="0" err="1">
+                <a:solidFill>
+                  <a:schemeClr val="dk1"/>
+                </a:solidFill>
+                <a:latin typeface="Helvetica Neue"/>
+                <a:ea typeface="Helvetica Neue"/>
+                <a:cs typeface="Helvetica Neue"/>
+                <a:sym typeface="Helvetica Neue"/>
+              </a:rPr>
+              <a:t>demostra</a:t>
+            </a:r>
+            <a:r>
+              <a:rPr lang="es-ES" sz="3200" b="0" i="0" u="none" dirty="0">
+                <a:solidFill>
+                  <a:schemeClr val="dk1"/>
+                </a:solidFill>
+                <a:latin typeface="Helvetica Neue"/>
+                <a:ea typeface="Helvetica Neue"/>
+                <a:cs typeface="Helvetica Neue"/>
+                <a:sym typeface="Helvetica Neue"/>
+              </a:rPr>
+              <a:t> que la </a:t>
+            </a:r>
+            <a:r>
+              <a:rPr lang="es-ES" sz="3200" b="0" i="0" u="none" dirty="0" err="1">
+                <a:solidFill>
+                  <a:schemeClr val="dk1"/>
+                </a:solidFill>
+                <a:latin typeface="Helvetica Neue"/>
+                <a:ea typeface="Helvetica Neue"/>
+                <a:cs typeface="Helvetica Neue"/>
+                <a:sym typeface="Helvetica Neue"/>
+              </a:rPr>
+              <a:t>millora</a:t>
+            </a:r>
+            <a:r>
+              <a:rPr lang="es-ES" sz="3200" b="0" i="0" u="none" dirty="0">
+                <a:solidFill>
+                  <a:schemeClr val="dk1"/>
+                </a:solidFill>
+                <a:latin typeface="Helvetica Neue"/>
+                <a:ea typeface="Helvetica Neue"/>
+                <a:cs typeface="Helvetica Neue"/>
+                <a:sym typeface="Helvetica Neue"/>
+              </a:rPr>
+              <a:t> de la IA </a:t>
+            </a:r>
+            <a:r>
+              <a:rPr lang="es-ES" sz="3200" b="0" i="0" u="none" dirty="0" err="1">
+                <a:solidFill>
+                  <a:schemeClr val="dk1"/>
+                </a:solidFill>
+                <a:latin typeface="Helvetica Neue"/>
+                <a:ea typeface="Helvetica Neue"/>
+                <a:cs typeface="Helvetica Neue"/>
+                <a:sym typeface="Helvetica Neue"/>
+              </a:rPr>
+              <a:t>fent</a:t>
+            </a:r>
+            <a:r>
+              <a:rPr lang="es-ES" sz="3200" b="0" i="0" u="none" dirty="0">
+                <a:solidFill>
+                  <a:schemeClr val="dk1"/>
+                </a:solidFill>
+                <a:latin typeface="Helvetica Neue"/>
+                <a:ea typeface="Helvetica Neue"/>
+                <a:cs typeface="Helvetica Neue"/>
+                <a:sym typeface="Helvetica Neue"/>
+              </a:rPr>
+              <a:t> la tasca </a:t>
+            </a:r>
+            <a:r>
+              <a:rPr lang="es-ES" sz="3200" b="0" i="0" u="none" dirty="0" err="1">
+                <a:solidFill>
+                  <a:schemeClr val="dk1"/>
+                </a:solidFill>
+                <a:latin typeface="Helvetica Neue"/>
+                <a:ea typeface="Helvetica Neue"/>
+                <a:cs typeface="Helvetica Neue"/>
+                <a:sym typeface="Helvetica Neue"/>
+              </a:rPr>
+              <a:t>encomanada</a:t>
+            </a:r>
+            <a:r>
+              <a:rPr lang="es-ES" sz="3200" b="0" i="0" u="none" dirty="0">
+                <a:solidFill>
+                  <a:schemeClr val="dk1"/>
+                </a:solidFill>
+                <a:latin typeface="Helvetica Neue"/>
+                <a:ea typeface="Helvetica Neue"/>
+                <a:cs typeface="Helvetica Neue"/>
+                <a:sym typeface="Helvetica Neue"/>
+              </a:rPr>
+              <a:t> posada en un </a:t>
+            </a:r>
+            <a:r>
+              <a:rPr lang="es-ES" sz="3200" b="0" i="0" u="none" dirty="0" err="1">
+                <a:solidFill>
+                  <a:schemeClr val="dk1"/>
+                </a:solidFill>
+                <a:latin typeface="Helvetica Neue"/>
+                <a:ea typeface="Helvetica Neue"/>
+                <a:cs typeface="Helvetica Neue"/>
+                <a:sym typeface="Helvetica Neue"/>
+              </a:rPr>
+              <a:t>gràfic</a:t>
+            </a:r>
+            <a:r>
+              <a:rPr lang="es-ES" sz="3200" b="0" i="0" u="none" dirty="0">
+                <a:solidFill>
+                  <a:schemeClr val="dk1"/>
+                </a:solidFill>
+                <a:latin typeface="Helvetica Neue"/>
+                <a:ea typeface="Helvetica Neue"/>
+                <a:cs typeface="Helvetica Neue"/>
+                <a:sym typeface="Helvetica Neue"/>
+              </a:rPr>
+              <a:t> té una forma </a:t>
+            </a:r>
+            <a:r>
+              <a:rPr lang="es-ES" sz="3200" b="0" i="0" u="none" dirty="0" err="1">
+                <a:solidFill>
+                  <a:schemeClr val="dk1"/>
+                </a:solidFill>
+                <a:latin typeface="Helvetica Neue"/>
+                <a:ea typeface="Helvetica Neue"/>
+                <a:cs typeface="Helvetica Neue"/>
+                <a:sym typeface="Helvetica Neue"/>
+              </a:rPr>
+              <a:t>semblant</a:t>
+            </a:r>
+            <a:r>
+              <a:rPr lang="es-ES" sz="3200" b="0" i="0" u="none" dirty="0">
+                <a:solidFill>
+                  <a:schemeClr val="dk1"/>
+                </a:solidFill>
+                <a:latin typeface="Helvetica Neue"/>
+                <a:ea typeface="Helvetica Neue"/>
+                <a:cs typeface="Helvetica Neue"/>
+                <a:sym typeface="Helvetica Neue"/>
+              </a:rPr>
+              <a:t> a la </a:t>
+            </a:r>
+            <a:r>
+              <a:rPr lang="es-ES" sz="3200" b="0" i="0" u="none" dirty="0" err="1">
+                <a:solidFill>
+                  <a:schemeClr val="dk1"/>
+                </a:solidFill>
+                <a:latin typeface="Helvetica Neue"/>
+                <a:ea typeface="Helvetica Neue"/>
+                <a:cs typeface="Helvetica Neue"/>
+                <a:sym typeface="Helvetica Neue"/>
+              </a:rPr>
+              <a:t>d’una</a:t>
+            </a:r>
+            <a:r>
+              <a:rPr lang="es-ES" sz="3200" b="0" i="0" u="none" dirty="0">
+                <a:solidFill>
+                  <a:schemeClr val="dk1"/>
+                </a:solidFill>
+                <a:latin typeface="Helvetica Neue"/>
+                <a:ea typeface="Helvetica Neue"/>
+                <a:cs typeface="Helvetica Neue"/>
+                <a:sym typeface="Helvetica Neue"/>
+              </a:rPr>
+              <a:t> </a:t>
+            </a:r>
+            <a:r>
+              <a:rPr lang="es-ES" sz="3200" b="0" i="0" u="none" dirty="0" err="1">
+                <a:solidFill>
+                  <a:schemeClr val="dk1"/>
+                </a:solidFill>
+                <a:latin typeface="Helvetica Neue"/>
+                <a:ea typeface="Helvetica Neue"/>
+                <a:cs typeface="Helvetica Neue"/>
+                <a:sym typeface="Helvetica Neue"/>
+              </a:rPr>
+              <a:t>funció</a:t>
+            </a:r>
+            <a:r>
+              <a:rPr lang="es-ES" sz="3200" b="0" i="0" u="none" dirty="0">
+                <a:solidFill>
+                  <a:schemeClr val="dk1"/>
+                </a:solidFill>
+                <a:latin typeface="Helvetica Neue"/>
+                <a:ea typeface="Helvetica Neue"/>
+                <a:cs typeface="Helvetica Neue"/>
+                <a:sym typeface="Helvetica Neue"/>
+              </a:rPr>
+              <a:t> logarítmica. </a:t>
+            </a:r>
+            <a:r>
+              <a:rPr lang="es-ES" sz="3200" b="0" i="0" u="none" dirty="0" err="1">
+                <a:solidFill>
+                  <a:schemeClr val="dk1"/>
+                </a:solidFill>
+                <a:latin typeface="Helvetica Neue"/>
+                <a:ea typeface="Helvetica Neue"/>
+                <a:cs typeface="Helvetica Neue"/>
+                <a:sym typeface="Helvetica Neue"/>
+              </a:rPr>
+              <a:t>Aixó</a:t>
+            </a:r>
+            <a:r>
+              <a:rPr lang="es-ES" sz="3200" b="0" i="0" u="none" dirty="0">
+                <a:solidFill>
+                  <a:schemeClr val="dk1"/>
+                </a:solidFill>
+                <a:latin typeface="Helvetica Neue"/>
+                <a:ea typeface="Helvetica Neue"/>
+                <a:cs typeface="Helvetica Neue"/>
+                <a:sym typeface="Helvetica Neue"/>
+              </a:rPr>
+              <a:t> </a:t>
+            </a:r>
+            <a:r>
+              <a:rPr lang="ca-ES" sz="3200" dirty="0">
+                <a:effectLst/>
+                <a:latin typeface="Times New Roman" panose="02020603050405020304" pitchFamily="18" charset="0"/>
+                <a:ea typeface="Aptos" panose="020B0004020202020204" pitchFamily="34" charset="0"/>
+                <a:cs typeface="Arial" panose="020B0604020202020204" pitchFamily="34" charset="0"/>
+              </a:rPr>
+              <a:t>permet predir els ràpids guanys inicials de </a:t>
+            </a:r>
+            <a:r>
+              <a:rPr lang="ca-ES" sz="3200" i="1" dirty="0">
+                <a:effectLst/>
+                <a:latin typeface="Times New Roman" panose="02020603050405020304" pitchFamily="18" charset="0"/>
+                <a:ea typeface="Aptos" panose="020B0004020202020204" pitchFamily="34" charset="0"/>
+                <a:cs typeface="Arial" panose="020B0604020202020204" pitchFamily="34" charset="0"/>
+              </a:rPr>
+              <a:t>fitness</a:t>
+            </a:r>
+            <a:r>
+              <a:rPr lang="ca-ES" sz="3200" dirty="0">
+                <a:effectLst/>
+                <a:latin typeface="Times New Roman" panose="02020603050405020304" pitchFamily="18" charset="0"/>
+                <a:ea typeface="Aptos" panose="020B0004020202020204" pitchFamily="34" charset="0"/>
+                <a:cs typeface="Arial" panose="020B0604020202020204" pitchFamily="34" charset="0"/>
+              </a:rPr>
+              <a:t> seguits d'un altiplà, de manera que es pot determinar quin és el millor moment per aturar l’aprenentatge o afegir nous reptes a l’aprenentatge per obtenir uns millors resultats.</a:t>
+            </a:r>
+            <a:endParaRPr sz="3200" b="0" i="0" u="none" dirty="0">
               <a:solidFill>
                 <a:schemeClr val="dk1"/>
               </a:solidFill>
@@ -15741,69 +16251,14 @@
       </p:sp>
       <p:sp>
         <p:nvSpPr>
-          <p:cNvPr id="110" name="Google Shape;110;p13"/>
-          <p:cNvSpPr txBox="1"/>
-          <p:nvPr/>
-        </p:nvSpPr>
-        <p:spPr>
-          <a:xfrm>
-            <a:off x="677862" y="27620913"/>
-            <a:ext cx="14204950" cy="9837737"/>
-          </a:xfrm>
-          <a:prstGeom prst="rect">
-            <a:avLst/>
-          </a:prstGeom>
-          <a:noFill/>
-          <a:ln w="25400" cap="flat" cmpd="sng">
-            <a:solidFill>
-              <a:srgbClr val="A6A6A6"/>
-            </a:solidFill>
-            <a:prstDash val="solid"/>
-            <a:miter lim="800000"/>
-            <a:headEnd type="none" w="sm" len="sm"/>
-            <a:tailEnd type="none" w="sm" len="sm"/>
-          </a:ln>
-        </p:spPr>
-        <p:txBody>
-          <a:bodyPr spcFirstLastPara="1" wrap="square" lIns="91425" tIns="45700" rIns="91425" bIns="45700" anchor="ctr" anchorCtr="0">
-            <a:noAutofit/>
-          </a:bodyPr>
-          <a:lstStyle/>
-          <a:p>
-            <a:pPr marL="0" marR="0" lvl="0" indent="0" algn="l" rtl="0">
-              <a:lnSpc>
-                <a:spcPct val="100000"/>
-              </a:lnSpc>
-              <a:spcBef>
-                <a:spcPts val="0"/>
-              </a:spcBef>
-              <a:spcAft>
-                <a:spcPts val="0"/>
-              </a:spcAft>
-              <a:buNone/>
-            </a:pPr>
-            <a:endParaRPr sz="3200" b="0" i="0" u="none">
-              <a:solidFill>
-                <a:schemeClr val="dk1"/>
-              </a:solidFill>
-              <a:latin typeface="Helvetica Neue"/>
-              <a:ea typeface="Helvetica Neue"/>
-              <a:cs typeface="Helvetica Neue"/>
-              <a:sym typeface="Helvetica Neue"/>
-            </a:endParaRPr>
-          </a:p>
-        </p:txBody>
-      </p:sp>
-      <p:sp>
-        <p:nvSpPr>
           <p:cNvPr id="111" name="Google Shape;111;p13"/>
           <p:cNvSpPr txBox="1"/>
           <p:nvPr/>
         </p:nvSpPr>
         <p:spPr>
           <a:xfrm>
-            <a:off x="15365413" y="27620913"/>
-            <a:ext cx="14147800" cy="9832975"/>
+            <a:off x="1571173" y="22753306"/>
+            <a:ext cx="14147800" cy="13820291"/>
           </a:xfrm>
           <a:prstGeom prst="rect">
             <a:avLst/>
@@ -15840,12 +16295,143 @@
                 </a:solidFill>
                 <a:latin typeface="Helvetica Neue"/>
               </a:rPr>
-              <a:t>Les diferents combinacions d’inputs, mutacions i poblacions generen diferents comportaments en l’evolució i l’aprenentatge de la xarxa neuronal. A partir de l’estudi realitzat, a continuació s’explica breument com es comporta la xarxa neuronal depenent de la variació dels paràmetres introduïts.</a:t>
+              <a:t>Les diferents combinacions d’inputs, mutacions i poblacions generen diferents comportaments en l’evolució i l’aprenentatge de la xarxa neuronal. A partir de l’estudi realitzat</a:t>
+            </a:r>
+            <a:r>
+              <a:rPr lang="ca-ES" sz="3200" dirty="0">
+                <a:solidFill>
+                  <a:schemeClr val="dk1"/>
+                </a:solidFill>
+                <a:highlight>
+                  <a:srgbClr val="00FF00"/>
+                </a:highlight>
+                <a:latin typeface="Helvetica Neue"/>
+              </a:rPr>
+              <a:t>, podem concloure que la xarxa neuronal que aprèn més ràpid es aquella que té només la informació necessària per realitzar la tasca.</a:t>
+            </a:r>
+          </a:p>
+          <a:p>
+            <a:pPr algn="just">
+              <a:lnSpc>
+                <a:spcPct val="115000"/>
+              </a:lnSpc>
+              <a:spcAft>
+                <a:spcPts val="800"/>
+              </a:spcAft>
+            </a:pPr>
+            <a:r>
+              <a:rPr lang="ca-ES" sz="3200" dirty="0">
+                <a:solidFill>
+                  <a:schemeClr val="dk1"/>
+                </a:solidFill>
+                <a:highlight>
+                  <a:srgbClr val="00FF00"/>
+                </a:highlight>
+                <a:latin typeface="Helvetica Neue"/>
+              </a:rPr>
+              <a:t>Per exemple, en el cas del </a:t>
+            </a:r>
+            <a:r>
+              <a:rPr lang="ca-ES" sz="3200" dirty="0" err="1">
+                <a:solidFill>
+                  <a:schemeClr val="dk1"/>
+                </a:solidFill>
+                <a:highlight>
+                  <a:srgbClr val="00FF00"/>
+                </a:highlight>
+                <a:latin typeface="Helvetica Neue"/>
+              </a:rPr>
+              <a:t>flappy</a:t>
+            </a:r>
+            <a:r>
+              <a:rPr lang="ca-ES" sz="3200" dirty="0">
+                <a:solidFill>
+                  <a:schemeClr val="dk1"/>
+                </a:solidFill>
+                <a:highlight>
+                  <a:srgbClr val="00FF00"/>
+                </a:highlight>
+                <a:latin typeface="Helvetica Neue"/>
+              </a:rPr>
+              <a:t> </a:t>
+            </a:r>
+            <a:r>
+              <a:rPr lang="ca-ES" sz="3200" dirty="0" err="1">
+                <a:solidFill>
+                  <a:schemeClr val="dk1"/>
+                </a:solidFill>
+                <a:highlight>
+                  <a:srgbClr val="00FF00"/>
+                </a:highlight>
+                <a:latin typeface="Helvetica Neue"/>
+              </a:rPr>
+              <a:t>bird</a:t>
+            </a:r>
+            <a:r>
+              <a:rPr lang="ca-ES" sz="3200" dirty="0">
+                <a:solidFill>
+                  <a:schemeClr val="dk1"/>
+                </a:solidFill>
+                <a:highlight>
+                  <a:srgbClr val="00FF00"/>
+                </a:highlight>
+                <a:latin typeface="Helvetica Neue"/>
+              </a:rPr>
+              <a:t> la xarxa neuronal només necessita la relació entre la posició y del forat de l’obstacle i la posició y de l’ocell. En el </a:t>
+            </a:r>
+            <a:r>
+              <a:rPr lang="ca-ES" sz="3200" dirty="0" err="1">
+                <a:solidFill>
+                  <a:schemeClr val="dk1"/>
+                </a:solidFill>
+                <a:highlight>
+                  <a:srgbClr val="00FF00"/>
+                </a:highlight>
+                <a:latin typeface="Helvetica Neue"/>
+              </a:rPr>
+              <a:t>seguent</a:t>
+            </a:r>
+            <a:r>
+              <a:rPr lang="ca-ES" sz="3200" dirty="0">
+                <a:solidFill>
+                  <a:schemeClr val="dk1"/>
+                </a:solidFill>
+                <a:highlight>
+                  <a:srgbClr val="00FF00"/>
+                </a:highlight>
+                <a:latin typeface="Helvetica Neue"/>
+              </a:rPr>
+              <a:t> gràfic (fitness-generació) és mostra com millora la IA amb aquestes dades donades per separat i aquestes dades donades com a una dividint la posició y de l’ocell i la posició y del forat de l’obstacle.</a:t>
+            </a:r>
+          </a:p>
+          <a:p>
+            <a:pPr algn="just">
+              <a:lnSpc>
+                <a:spcPct val="115000"/>
+              </a:lnSpc>
+              <a:spcAft>
+                <a:spcPts val="800"/>
+              </a:spcAft>
+            </a:pPr>
+            <a:r>
+              <a:rPr lang="ca-ES" sz="3200" dirty="0">
+                <a:solidFill>
+                  <a:schemeClr val="dk1"/>
+                </a:solidFill>
+                <a:highlight>
+                  <a:srgbClr val="FF0000"/>
+                </a:highlight>
+                <a:latin typeface="Helvetica Neue"/>
+              </a:rPr>
+              <a:t>a continuació s’explica breument com es comporta la xarxa neuronal depenent de la variació dels paràmetres introduïts.</a:t>
             </a:r>
             <a:endParaRPr lang="es-ES" sz="3200" dirty="0">
               <a:solidFill>
                 <a:schemeClr val="dk1"/>
               </a:solidFill>
+              <a:highlight>
+                <a:srgbClr val="FF0000"/>
+              </a:highlight>
               <a:latin typeface="Helvetica Neue"/>
             </a:endParaRPr>
           </a:p>
@@ -15863,6 +16449,9 @@
                 <a:solidFill>
                   <a:schemeClr val="dk1"/>
                 </a:solidFill>
+                <a:highlight>
+                  <a:srgbClr val="FF0000"/>
+                </a:highlight>
                 <a:latin typeface="Helvetica Neue"/>
               </a:rPr>
               <a:t>Quan la xarxa neuronal té inputs limitats, com PYO o PYF, el seu aprenentatge és ineficient per falta d’informació clau. En canvi, si disposa de la relació entre la posició Y de l’ocell i l’obstacle (PYO-PYF combinats), l’aprenentatge millora notablement gràcies a una menor complexitat. Tanmateix, l’excés d’informació, amb inputs addicionals com PXF o VYO, alenteix el procés, ja que la xarxa ha de descartar dades irrellevants. Les mutacions no estructurals (MNE) són generalment les més eficients, mentre que la mida de la població influeix directament en la velocitat d’aprenentatge: com més gran és la població, més ràpid evoluciona.</a:t>
@@ -15871,6 +16460,9 @@
               <a:solidFill>
                 <a:schemeClr val="dk1"/>
               </a:solidFill>
+              <a:highlight>
+                <a:srgbClr val="FF0000"/>
+              </a:highlight>
               <a:latin typeface="Helvetica Neue"/>
             </a:endParaRPr>
           </a:p>
@@ -15927,6 +16519,53 @@
           <a:prstGeom prst="rect">
             <a:avLst/>
           </a:prstGeom>
+        </p:spPr>
+      </p:pic>
+      <p:pic>
+        <p:nvPicPr>
+          <p:cNvPr id="1026" name="Picture 2" descr="Evolution Png">
+            <a:extLst>
+              <a:ext uri="{FF2B5EF4-FFF2-40B4-BE49-F238E27FC236}">
+                <a16:creationId xmlns:a16="http://schemas.microsoft.com/office/drawing/2014/main" id="{D84FDA09-60D7-F526-3400-6B9E34D46D0F}"/>
+              </a:ext>
+            </a:extLst>
+          </p:cNvPr>
+          <p:cNvPicPr>
+            <a:picLocks noChangeAspect="1" noChangeArrowheads="1"/>
+          </p:cNvPicPr>
+          <p:nvPr/>
+        </p:nvPicPr>
+        <p:blipFill>
+          <a:blip r:embed="rId4">
+            <a:extLst>
+              <a:ext uri="{28A0092B-C50C-407E-A947-70E740481C1C}">
+                <a14:useLocalDpi xmlns:a14="http://schemas.microsoft.com/office/drawing/2010/main" val="0"/>
+              </a:ext>
+            </a:extLst>
+          </a:blip>
+          <a:srcRect/>
+          <a:stretch>
+            <a:fillRect/>
+          </a:stretch>
+        </p:blipFill>
+        <p:spPr bwMode="auto">
+          <a:xfrm>
+            <a:off x="17478476" y="16769132"/>
+            <a:ext cx="7115074" cy="2438814"/>
+          </a:xfrm>
+          <a:prstGeom prst="rect">
+            <a:avLst/>
+          </a:prstGeom>
+          <a:noFill/>
+          <a:extLst>
+            <a:ext uri="{909E8E84-426E-40DD-AFC4-6F175D3DCCD1}">
+              <a14:hiddenFill xmlns:a14="http://schemas.microsoft.com/office/drawing/2010/main">
+                <a:solidFill>
+                  <a:srgbClr val="FFFFFF"/>
+                </a:solidFill>
+              </a14:hiddenFill>
+            </a:ext>
+          </a:extLst>
         </p:spPr>
       </p:pic>
     </p:spTree>
@@ -19026,21 +19665,6 @@
 </file>
 
 <file path=customXml/item1.xml><?xml version="1.0" encoding="utf-8"?>
-<p:properties xmlns:p="http://schemas.microsoft.com/office/2006/metadata/properties" xmlns:xsi="http://www.w3.org/2001/XMLSchema-instance" xmlns:pc="http://schemas.microsoft.com/office/infopath/2007/PartnerControls">
-  <documentManagement/>
-</p:properties>
-</file>
-
-<file path=customXml/item2.xml><?xml version="1.0" encoding="utf-8"?>
-<?mso-contentType ?>
-<FormTemplates xmlns="http://schemas.microsoft.com/sharepoint/v3/contenttype/forms">
-  <Display>DocumentLibraryForm</Display>
-  <Edit>DocumentLibraryForm</Edit>
-  <New>DocumentLibraryForm</New>
-</FormTemplates>
-</file>
-
-<file path=customXml/item3.xml><?xml version="1.0" encoding="utf-8"?>
 <ct:contentTypeSchema xmlns:ct="http://schemas.microsoft.com/office/2006/metadata/contentType" xmlns:ma="http://schemas.microsoft.com/office/2006/metadata/properties/metaAttributes" ct:_="" ma:_="" ma:contentTypeName="Document" ma:contentTypeID="0x010100A8B3E2FAD0CC87409CBAEC3E29F4FF19" ma:contentTypeVersion="2" ma:contentTypeDescription="Crea un document nou" ma:contentTypeScope="" ma:versionID="948e3e76edda3fbce65e664830aa899d">
   <xsd:schema xmlns:xsd="http://www.w3.org/2001/XMLSchema" xmlns:xs="http://www.w3.org/2001/XMLSchema" xmlns:p="http://schemas.microsoft.com/office/2006/metadata/properties" xmlns:ns2="e551ada3-dc07-4edc-a1ab-4b06fc86669f" targetNamespace="http://schemas.microsoft.com/office/2006/metadata/properties" ma:root="true" ma:fieldsID="510b4b49661bb8cbc7006eaa45553a92" ns2:_="">
     <xsd:import namespace="e551ada3-dc07-4edc-a1ab-4b06fc86669f"/>
@@ -19172,31 +19796,22 @@
 </ct:contentTypeSchema>
 </file>
 
-<file path=customXml/itemProps1.xml><?xml version="1.0" encoding="utf-8"?>
-<ds:datastoreItem xmlns:ds="http://schemas.openxmlformats.org/officeDocument/2006/customXml" ds:itemID="{7F6B4923-89E4-41EC-A214-2CB2F0E96840}">
-  <ds:schemaRefs>
-    <ds:schemaRef ds:uri="http://schemas.microsoft.com/office/2006/documentManagement/types"/>
-    <ds:schemaRef ds:uri="http://schemas.microsoft.com/office/2006/metadata/properties"/>
-    <ds:schemaRef ds:uri="http://purl.org/dc/elements/1.1/"/>
-    <ds:schemaRef ds:uri="http://purl.org/dc/terms/"/>
-    <ds:schemaRef ds:uri="http://schemas.microsoft.com/office/infopath/2007/PartnerControls"/>
-    <ds:schemaRef ds:uri="http://schemas.openxmlformats.org/package/2006/metadata/core-properties"/>
-    <ds:schemaRef ds:uri="e551ada3-dc07-4edc-a1ab-4b06fc86669f"/>
-    <ds:schemaRef ds:uri="http://www.w3.org/XML/1998/namespace"/>
-    <ds:schemaRef ds:uri="http://purl.org/dc/dcmitype/"/>
-  </ds:schemaRefs>
-</ds:datastoreItem>
+<file path=customXml/item2.xml><?xml version="1.0" encoding="utf-8"?>
+<?mso-contentType ?>
+<FormTemplates xmlns="http://schemas.microsoft.com/sharepoint/v3/contenttype/forms">
+  <Display>DocumentLibraryForm</Display>
+  <Edit>DocumentLibraryForm</Edit>
+  <New>DocumentLibraryForm</New>
+</FormTemplates>
 </file>
 
-<file path=customXml/itemProps2.xml><?xml version="1.0" encoding="utf-8"?>
-<ds:datastoreItem xmlns:ds="http://schemas.openxmlformats.org/officeDocument/2006/customXml" ds:itemID="{1DB2D889-6609-4D39-A17A-9C5435A96D27}">
-  <ds:schemaRefs>
-    <ds:schemaRef ds:uri="http://schemas.microsoft.com/sharepoint/v3/contenttype/forms"/>
-  </ds:schemaRefs>
-</ds:datastoreItem>
+<file path=customXml/item3.xml><?xml version="1.0" encoding="utf-8"?>
+<p:properties xmlns:p="http://schemas.microsoft.com/office/2006/metadata/properties" xmlns:xsi="http://www.w3.org/2001/XMLSchema-instance" xmlns:pc="http://schemas.microsoft.com/office/infopath/2007/PartnerControls">
+  <documentManagement/>
+</p:properties>
 </file>
 
-<file path=customXml/itemProps3.xml><?xml version="1.0" encoding="utf-8"?>
+<file path=customXml/itemProps1.xml><?xml version="1.0" encoding="utf-8"?>
 <ds:datastoreItem xmlns:ds="http://schemas.openxmlformats.org/officeDocument/2006/customXml" ds:itemID="{B34816C7-7AF8-4B5D-B333-BF06B80648B8}">
   <ds:schemaRefs>
     <ds:schemaRef ds:uri="http://schemas.microsoft.com/office/2006/metadata/contentType"/>
@@ -19212,4 +19827,28 @@
     <ds:schemaRef ds:uri="http://schemas.microsoft.com/internal/obd"/>
   </ds:schemaRefs>
 </ds:datastoreItem>
+</file>
+
+<file path=customXml/itemProps2.xml><?xml version="1.0" encoding="utf-8"?>
+<ds:datastoreItem xmlns:ds="http://schemas.openxmlformats.org/officeDocument/2006/customXml" ds:itemID="{1DB2D889-6609-4D39-A17A-9C5435A96D27}">
+  <ds:schemaRefs>
+    <ds:schemaRef ds:uri="http://schemas.microsoft.com/sharepoint/v3/contenttype/forms"/>
+  </ds:schemaRefs>
+</ds:datastoreItem>
+</file>
+
+<file path=customXml/itemProps3.xml><?xml version="1.0" encoding="utf-8"?>
+<ds:datastoreItem xmlns:ds="http://schemas.openxmlformats.org/officeDocument/2006/customXml" ds:itemID="{7F6B4923-89E4-41EC-A214-2CB2F0E96840}">
+  <ds:schemaRefs>
+    <ds:schemaRef ds:uri="http://schemas.microsoft.com/office/2006/documentManagement/types"/>
+    <ds:schemaRef ds:uri="http://schemas.microsoft.com/office/2006/metadata/properties"/>
+    <ds:schemaRef ds:uri="http://purl.org/dc/elements/1.1/"/>
+    <ds:schemaRef ds:uri="http://purl.org/dc/terms/"/>
+    <ds:schemaRef ds:uri="http://schemas.microsoft.com/office/infopath/2007/PartnerControls"/>
+    <ds:schemaRef ds:uri="http://schemas.openxmlformats.org/package/2006/metadata/core-properties"/>
+    <ds:schemaRef ds:uri="e551ada3-dc07-4edc-a1ab-4b06fc86669f"/>
+    <ds:schemaRef ds:uri="http://www.w3.org/XML/1998/namespace"/>
+    <ds:schemaRef ds:uri="http://purl.org/dc/dcmitype/"/>
+  </ds:schemaRefs>
+</ds:datastoreItem>
 </file>
--- a/TR_ESCRIT/Plantilla de pòster.pptx
+++ b/TR_ESCRIT/Plantilla de pòster.pptx
@@ -5,21 +5,20 @@
     <p:sldMasterId id="2147483659" r:id="rId4"/>
   </p:sldMasterIdLst>
   <p:notesMasterIdLst>
-    <p:notesMasterId r:id="rId7"/>
+    <p:notesMasterId r:id="rId6"/>
   </p:notesMasterIdLst>
   <p:sldIdLst>
     <p:sldId id="256" r:id="rId5"/>
-    <p:sldId id="257" r:id="rId6"/>
   </p:sldIdLst>
   <p:sldSz cx="30276800" cy="42802175"/>
   <p:notesSz cx="6669088" cy="9928225"/>
   <p:embeddedFontLst>
     <p:embeddedFont>
       <p:font typeface="Helvetica Neue" panose="020B0604020202020204" charset="0"/>
-      <p:regular r:id="rId8"/>
-      <p:bold r:id="rId9"/>
-      <p:italic r:id="rId10"/>
-      <p:boldItalic r:id="rId11"/>
+      <p:regular r:id="rId7"/>
+      <p:bold r:id="rId8"/>
+      <p:italic r:id="rId9"/>
+      <p:boldItalic r:id="rId10"/>
     </p:embeddedFont>
   </p:embeddedFontLst>
   <p:defaultTextStyle>
@@ -1281,7 +1280,7 @@
                 <a:cs typeface="Times New Roman"/>
                 <a:sym typeface="Times New Roman"/>
               </a:rPr>
-              <a:t>‹#›</a:t>
+              <a:t>‹Nº›</a:t>
             </a:fld>
             <a:endParaRPr/>
           </a:p>
@@ -1636,133 +1635,6 @@
 </p:notes>
 </file>
 
-<file path=ppt/notesSlides/notesSlide2.xml><?xml version="1.0" encoding="utf-8"?>
-<p:notes xmlns:a="http://schemas.openxmlformats.org/drawingml/2006/main" xmlns:r="http://schemas.openxmlformats.org/officeDocument/2006/relationships" xmlns:p="http://schemas.openxmlformats.org/presentationml/2006/main" showMasterSp="0" showMasterPhAnim="0">
-  <p:cSld>
-    <p:spTree>
-      <p:nvGrpSpPr>
-        <p:cNvPr id="1" name="Shape 84">
-          <a:extLst>
-            <a:ext uri="{FF2B5EF4-FFF2-40B4-BE49-F238E27FC236}">
-              <a16:creationId xmlns:a16="http://schemas.microsoft.com/office/drawing/2014/main" id="{2077CA64-38C2-9607-2CBD-E9118F990A28}"/>
-            </a:ext>
-          </a:extLst>
-        </p:cNvPr>
-        <p:cNvGrpSpPr/>
-        <p:nvPr/>
-      </p:nvGrpSpPr>
-      <p:grpSpPr>
-        <a:xfrm>
-          <a:off x="0" y="0"/>
-          <a:ext cx="0" cy="0"/>
-          <a:chOff x="0" y="0"/>
-          <a:chExt cx="0" cy="0"/>
-        </a:xfrm>
-      </p:grpSpPr>
-      <p:sp>
-        <p:nvSpPr>
-          <p:cNvPr id="85" name="Google Shape;85;p1:notes">
-            <a:extLst>
-              <a:ext uri="{FF2B5EF4-FFF2-40B4-BE49-F238E27FC236}">
-                <a16:creationId xmlns:a16="http://schemas.microsoft.com/office/drawing/2014/main" id="{215950A2-0C09-5163-544A-67B8F7383E41}"/>
-              </a:ext>
-            </a:extLst>
-          </p:cNvPr>
-          <p:cNvSpPr txBox="1">
-            <a:spLocks noGrp="1"/>
-          </p:cNvSpPr>
-          <p:nvPr>
-            <p:ph type="body" idx="1"/>
-          </p:nvPr>
-        </p:nvSpPr>
-        <p:spPr>
-          <a:xfrm>
-            <a:off x="666750" y="4716462"/>
-            <a:ext cx="5335587" cy="4467225"/>
-          </a:xfrm>
-          <a:prstGeom prst="rect">
-            <a:avLst/>
-          </a:prstGeom>
-        </p:spPr>
-        <p:txBody>
-          <a:bodyPr spcFirstLastPara="1" wrap="square" lIns="18025" tIns="9000" rIns="18025" bIns="9000" anchor="t" anchorCtr="0">
-            <a:noAutofit/>
-          </a:bodyPr>
-          <a:lstStyle/>
-          <a:p>
-            <a:pPr marL="0" lvl="0" indent="0" algn="l" rtl="0">
-              <a:spcBef>
-                <a:spcPts val="0"/>
-              </a:spcBef>
-              <a:spcAft>
-                <a:spcPts val="0"/>
-              </a:spcAft>
-              <a:buNone/>
-            </a:pPr>
-            <a:endParaRPr/>
-          </a:p>
-        </p:txBody>
-      </p:sp>
-      <p:sp>
-        <p:nvSpPr>
-          <p:cNvPr id="86" name="Google Shape;86;p1:notes">
-            <a:extLst>
-              <a:ext uri="{FF2B5EF4-FFF2-40B4-BE49-F238E27FC236}">
-                <a16:creationId xmlns:a16="http://schemas.microsoft.com/office/drawing/2014/main" id="{625CF929-9170-289D-1382-7C3DFED05798}"/>
-              </a:ext>
-            </a:extLst>
-          </p:cNvPr>
-          <p:cNvSpPr>
-            <a:spLocks noGrp="1" noRot="1" noChangeAspect="1"/>
-          </p:cNvSpPr>
-          <p:nvPr>
-            <p:ph type="sldImg" idx="2"/>
-          </p:nvPr>
-        </p:nvSpPr>
-        <p:spPr>
-          <a:xfrm>
-            <a:off x="2017713" y="744538"/>
-            <a:ext cx="2633662" cy="3722687"/>
-          </a:xfrm>
-          <a:custGeom>
-            <a:avLst/>
-            <a:gdLst/>
-            <a:ahLst/>
-            <a:cxnLst/>
-            <a:rect l="l" t="t" r="r" b="b"/>
-            <a:pathLst>
-              <a:path w="120000" h="120000" extrusionOk="0">
-                <a:moveTo>
-                  <a:pt x="0" y="0"/>
-                </a:moveTo>
-                <a:lnTo>
-                  <a:pt x="120000" y="0"/>
-                </a:lnTo>
-                <a:lnTo>
-                  <a:pt x="120000" y="120000"/>
-                </a:lnTo>
-                <a:lnTo>
-                  <a:pt x="0" y="120000"/>
-                </a:lnTo>
-                <a:close/>
-              </a:path>
-            </a:pathLst>
-          </a:custGeom>
-        </p:spPr>
-      </p:sp>
-    </p:spTree>
-    <p:extLst>
-      <p:ext uri="{BB962C8B-B14F-4D97-AF65-F5344CB8AC3E}">
-        <p14:creationId xmlns:p14="http://schemas.microsoft.com/office/powerpoint/2010/main" val="455314089"/>
-      </p:ext>
-    </p:extLst>
-  </p:cSld>
-  <p:clrMapOvr>
-    <a:masterClrMapping/>
-  </p:clrMapOvr>
-</p:notes>
-</file>
-
 <file path=ppt/slideLayouts/slideLayout1.xml><?xml version="1.0" encoding="utf-8"?>
 <p:sldLayout xmlns:a="http://schemas.openxmlformats.org/drawingml/2006/main" xmlns:r="http://schemas.openxmlformats.org/officeDocument/2006/relationships" xmlns:p="http://schemas.openxmlformats.org/presentationml/2006/main" matchingName="En blanc" type="blank">
   <p:cSld name="BLANK">
@@ -2371,7 +2243,7 @@
             </a:pPr>
             <a:fld id="{00000000-1234-1234-1234-123412341234}" type="slidenum">
               <a:rPr lang="en-US"/>
-              <a:t>‹#›</a:t>
+              <a:t>‹Nº›</a:t>
             </a:fld>
             <a:endParaRPr/>
           </a:p>
@@ -3318,7 +3190,7 @@
             </a:pPr>
             <a:fld id="{00000000-1234-1234-1234-123412341234}" type="slidenum">
               <a:rPr lang="en-US"/>
-              <a:t>‹#›</a:t>
+              <a:t>‹Nº›</a:t>
             </a:fld>
             <a:endParaRPr/>
           </a:p>
@@ -4229,7 +4101,7 @@
             </a:pPr>
             <a:fld id="{00000000-1234-1234-1234-123412341234}" type="slidenum">
               <a:rPr lang="en-US"/>
-              <a:t>‹#›</a:t>
+              <a:t>‹Nº›</a:t>
             </a:fld>
             <a:endParaRPr/>
           </a:p>
@@ -5379,7 +5251,7 @@
             </a:pPr>
             <a:fld id="{00000000-1234-1234-1234-123412341234}" type="slidenum">
               <a:rPr lang="en-US"/>
-              <a:t>‹#›</a:t>
+              <a:t>‹Nº›</a:t>
             </a:fld>
             <a:endParaRPr/>
           </a:p>
@@ -6448,7 +6320,7 @@
             </a:pPr>
             <a:fld id="{00000000-1234-1234-1234-123412341234}" type="slidenum">
               <a:rPr lang="en-US"/>
-              <a:t>‹#›</a:t>
+              <a:t>‹Nº›</a:t>
             </a:fld>
             <a:endParaRPr/>
           </a:p>
@@ -7201,7 +7073,7 @@
             </a:pPr>
             <a:fld id="{00000000-1234-1234-1234-123412341234}" type="slidenum">
               <a:rPr lang="en-US"/>
-              <a:t>‹#›</a:t>
+              <a:t>‹Nº›</a:t>
             </a:fld>
             <a:endParaRPr/>
           </a:p>
@@ -8586,7 +8458,7 @@
             </a:pPr>
             <a:fld id="{00000000-1234-1234-1234-123412341234}" type="slidenum">
               <a:rPr lang="en-US"/>
-              <a:t>‹#›</a:t>
+              <a:t>‹Nº›</a:t>
             </a:fld>
             <a:endParaRPr/>
           </a:p>
@@ -9655,7 +9527,7 @@
             </a:pPr>
             <a:fld id="{00000000-1234-1234-1234-123412341234}" type="slidenum">
               <a:rPr lang="en-US"/>
-              <a:t>‹#›</a:t>
+              <a:t>‹Nº›</a:t>
             </a:fld>
             <a:endParaRPr/>
           </a:p>
@@ -10602,7 +10474,7 @@
             </a:pPr>
             <a:fld id="{00000000-1234-1234-1234-123412341234}" type="slidenum">
               <a:rPr lang="en-US"/>
-              <a:t>‹#›</a:t>
+              <a:t>‹Nº›</a:t>
             </a:fld>
             <a:endParaRPr/>
           </a:p>
@@ -11513,7 +11385,7 @@
             </a:pPr>
             <a:fld id="{00000000-1234-1234-1234-123412341234}" type="slidenum">
               <a:rPr lang="en-US"/>
-              <a:t>‹#›</a:t>
+              <a:t>‹Nº›</a:t>
             </a:fld>
             <a:endParaRPr/>
           </a:p>
@@ -12729,7 +12601,7 @@
             </a:pPr>
             <a:fld id="{00000000-1234-1234-1234-123412341234}" type="slidenum">
               <a:rPr lang="en-US"/>
-              <a:t>‹#›</a:t>
+              <a:t>‹Nº›</a:t>
             </a:fld>
             <a:endParaRPr sz="1400">
               <a:solidFill>
@@ -14471,774 +14343,14 @@
       </p:sp>
       <p:sp>
         <p:nvSpPr>
-          <p:cNvPr id="104" name="Google Shape;104;p13"/>
-          <p:cNvSpPr txBox="1"/>
-          <p:nvPr/>
-        </p:nvSpPr>
-        <p:spPr>
-          <a:xfrm>
-            <a:off x="-15322550" y="8415172"/>
-            <a:ext cx="13684250" cy="6340475"/>
-          </a:xfrm>
-          <a:prstGeom prst="rect">
-            <a:avLst/>
-          </a:prstGeom>
-          <a:noFill/>
-          <a:ln w="9525" cap="flat" cmpd="sng">
-            <a:solidFill>
-              <a:schemeClr val="dk1"/>
-            </a:solidFill>
-            <a:prstDash val="solid"/>
-            <a:miter lim="800000"/>
-            <a:headEnd type="none" w="sm" len="sm"/>
-            <a:tailEnd type="none" w="sm" len="sm"/>
-          </a:ln>
-        </p:spPr>
-        <p:txBody>
-          <a:bodyPr spcFirstLastPara="1" wrap="square" lIns="91425" tIns="45700" rIns="91425" bIns="45700" anchor="t" anchorCtr="0">
-            <a:noAutofit/>
-          </a:bodyPr>
-          <a:lstStyle/>
-          <a:p>
-            <a:pPr marL="0" marR="0" lvl="0" indent="0" algn="ctr" rtl="0">
-              <a:lnSpc>
-                <a:spcPct val="100000"/>
-              </a:lnSpc>
-              <a:spcBef>
-                <a:spcPts val="0"/>
-              </a:spcBef>
-              <a:spcAft>
-                <a:spcPts val="0"/>
-              </a:spcAft>
-              <a:buClr>
-                <a:schemeClr val="dk1"/>
-              </a:buClr>
-              <a:buSzPts val="4400"/>
-              <a:buFont typeface="Helvetica Neue"/>
-              <a:buNone/>
-            </a:pPr>
-            <a:r>
-              <a:rPr lang="en-US" sz="4400" b="1" i="0" u="none" dirty="0" err="1">
-                <a:solidFill>
-                  <a:schemeClr val="dk1"/>
-                </a:solidFill>
-                <a:latin typeface="Helvetica Neue"/>
-                <a:ea typeface="Helvetica Neue"/>
-                <a:cs typeface="Helvetica Neue"/>
-                <a:sym typeface="Helvetica Neue"/>
-              </a:rPr>
-              <a:t>Helvètica</a:t>
-            </a:r>
-            <a:r>
-              <a:rPr lang="en-US" sz="4400" b="1" i="0" u="none" dirty="0">
-                <a:solidFill>
-                  <a:schemeClr val="dk1"/>
-                </a:solidFill>
-                <a:latin typeface="Helvetica Neue"/>
-                <a:ea typeface="Helvetica Neue"/>
-                <a:cs typeface="Helvetica Neue"/>
-                <a:sym typeface="Helvetica Neue"/>
-              </a:rPr>
-              <a:t>- cos de </a:t>
-            </a:r>
-            <a:r>
-              <a:rPr lang="en-US" sz="4400" b="1" i="0" u="none" dirty="0" err="1">
-                <a:solidFill>
-                  <a:schemeClr val="dk1"/>
-                </a:solidFill>
-                <a:latin typeface="Helvetica Neue"/>
-                <a:ea typeface="Helvetica Neue"/>
-                <a:cs typeface="Helvetica Neue"/>
-                <a:sym typeface="Helvetica Neue"/>
-              </a:rPr>
-              <a:t>lletra</a:t>
-            </a:r>
-            <a:r>
-              <a:rPr lang="en-US" sz="4400" b="1" i="0" u="none" dirty="0">
-                <a:solidFill>
-                  <a:schemeClr val="dk1"/>
-                </a:solidFill>
-                <a:latin typeface="Helvetica Neue"/>
-                <a:ea typeface="Helvetica Neue"/>
-                <a:cs typeface="Helvetica Neue"/>
-                <a:sym typeface="Helvetica Neue"/>
-              </a:rPr>
-              <a:t>:</a:t>
-            </a:r>
-            <a:endParaRPr dirty="0"/>
-          </a:p>
-          <a:p>
-            <a:pPr marL="0" marR="0" lvl="0" indent="0" algn="ctr" rtl="0">
-              <a:lnSpc>
-                <a:spcPct val="100000"/>
-              </a:lnSpc>
-              <a:spcBef>
-                <a:spcPts val="0"/>
-              </a:spcBef>
-              <a:spcAft>
-                <a:spcPts val="0"/>
-              </a:spcAft>
-              <a:buClr>
-                <a:schemeClr val="dk1"/>
-              </a:buClr>
-              <a:buSzPts val="4400"/>
-              <a:buFont typeface="Helvetica Neue"/>
-              <a:buNone/>
-            </a:pPr>
-            <a:endParaRPr sz="4400" b="1" i="0" u="none" dirty="0">
-              <a:solidFill>
-                <a:schemeClr val="dk1"/>
-              </a:solidFill>
-              <a:latin typeface="Helvetica Neue"/>
-              <a:ea typeface="Helvetica Neue"/>
-              <a:cs typeface="Helvetica Neue"/>
-              <a:sym typeface="Helvetica Neue"/>
-            </a:endParaRPr>
-          </a:p>
-          <a:p>
-            <a:pPr marL="0" marR="0" lvl="0" indent="0" algn="ctr" rtl="0">
-              <a:lnSpc>
-                <a:spcPct val="100000"/>
-              </a:lnSpc>
-              <a:spcBef>
-                <a:spcPts val="0"/>
-              </a:spcBef>
-              <a:spcAft>
-                <a:spcPts val="0"/>
-              </a:spcAft>
-              <a:buClr>
-                <a:schemeClr val="dk1"/>
-              </a:buClr>
-              <a:buSzPts val="4400"/>
-              <a:buFont typeface="Helvetica Neue"/>
-              <a:buNone/>
-            </a:pPr>
-            <a:r>
-              <a:rPr lang="en-US" sz="4400" b="1" i="0" u="none" dirty="0">
-                <a:solidFill>
-                  <a:schemeClr val="dk1"/>
-                </a:solidFill>
-                <a:latin typeface="Helvetica Neue"/>
-                <a:ea typeface="Helvetica Neue"/>
-                <a:cs typeface="Helvetica Neue"/>
-                <a:sym typeface="Helvetica Neue"/>
-              </a:rPr>
-              <a:t>TÍTOL 1 (44)</a:t>
-            </a:r>
-            <a:endParaRPr dirty="0"/>
-          </a:p>
-          <a:p>
-            <a:pPr marL="0" marR="0" lvl="0" indent="0" algn="ctr" rtl="0">
-              <a:lnSpc>
-                <a:spcPct val="100000"/>
-              </a:lnSpc>
-              <a:spcBef>
-                <a:spcPts val="0"/>
-              </a:spcBef>
-              <a:spcAft>
-                <a:spcPts val="0"/>
-              </a:spcAft>
-              <a:buClr>
-                <a:schemeClr val="dk1"/>
-              </a:buClr>
-              <a:buSzPts val="4000"/>
-              <a:buFont typeface="Helvetica Neue"/>
-              <a:buNone/>
-            </a:pPr>
-            <a:r>
-              <a:rPr lang="en-US" sz="4000" b="1" i="0" u="none" dirty="0">
-                <a:solidFill>
-                  <a:schemeClr val="dk1"/>
-                </a:solidFill>
-                <a:latin typeface="Helvetica Neue"/>
-                <a:ea typeface="Helvetica Neue"/>
-                <a:cs typeface="Helvetica Neue"/>
-                <a:sym typeface="Helvetica Neue"/>
-              </a:rPr>
-              <a:t>TÍTOL 2 (40)</a:t>
-            </a:r>
-            <a:endParaRPr dirty="0"/>
-          </a:p>
-          <a:p>
-            <a:pPr marL="0" marR="0" lvl="0" indent="0" algn="ctr" rtl="0">
-              <a:lnSpc>
-                <a:spcPct val="100000"/>
-              </a:lnSpc>
-              <a:spcBef>
-                <a:spcPts val="0"/>
-              </a:spcBef>
-              <a:spcAft>
-                <a:spcPts val="0"/>
-              </a:spcAft>
-              <a:buClr>
-                <a:schemeClr val="dk1"/>
-              </a:buClr>
-              <a:buSzPts val="4000"/>
-              <a:buFont typeface="Helvetica Neue"/>
-              <a:buNone/>
-            </a:pPr>
-            <a:endParaRPr sz="4000" b="1" i="0" u="none" dirty="0">
-              <a:solidFill>
-                <a:schemeClr val="dk1"/>
-              </a:solidFill>
-              <a:latin typeface="Helvetica Neue"/>
-              <a:ea typeface="Helvetica Neue"/>
-              <a:cs typeface="Helvetica Neue"/>
-              <a:sym typeface="Helvetica Neue"/>
-            </a:endParaRPr>
-          </a:p>
-          <a:p>
-            <a:pPr marL="0" marR="0" lvl="0" indent="0" algn="ctr" rtl="0">
-              <a:lnSpc>
-                <a:spcPct val="100000"/>
-              </a:lnSpc>
-              <a:spcBef>
-                <a:spcPts val="0"/>
-              </a:spcBef>
-              <a:spcAft>
-                <a:spcPts val="0"/>
-              </a:spcAft>
-              <a:buClr>
-                <a:schemeClr val="dk1"/>
-              </a:buClr>
-              <a:buSzPts val="3400"/>
-              <a:buFont typeface="Helvetica Neue"/>
-              <a:buNone/>
-            </a:pPr>
-            <a:r>
-              <a:rPr lang="en-US" sz="3400" b="1" i="0" u="none" dirty="0">
-                <a:solidFill>
-                  <a:schemeClr val="dk1"/>
-                </a:solidFill>
-                <a:latin typeface="Helvetica Neue"/>
-                <a:ea typeface="Helvetica Neue"/>
-                <a:cs typeface="Helvetica Neue"/>
-                <a:sym typeface="Helvetica Neue"/>
-              </a:rPr>
-              <a:t>Text 1 (34)</a:t>
-            </a:r>
-            <a:endParaRPr dirty="0"/>
-          </a:p>
-          <a:p>
-            <a:pPr marL="0" marR="0" lvl="0" indent="0" algn="ctr" rtl="0">
-              <a:lnSpc>
-                <a:spcPct val="100000"/>
-              </a:lnSpc>
-              <a:spcBef>
-                <a:spcPts val="0"/>
-              </a:spcBef>
-              <a:spcAft>
-                <a:spcPts val="0"/>
-              </a:spcAft>
-              <a:buClr>
-                <a:schemeClr val="dk1"/>
-              </a:buClr>
-              <a:buSzPts val="3200"/>
-              <a:buFont typeface="Helvetica Neue"/>
-              <a:buNone/>
-            </a:pPr>
-            <a:r>
-              <a:rPr lang="en-US" sz="3200" b="1" i="0" u="none" dirty="0">
-                <a:solidFill>
-                  <a:schemeClr val="dk1"/>
-                </a:solidFill>
-                <a:latin typeface="Helvetica Neue"/>
-                <a:ea typeface="Helvetica Neue"/>
-                <a:cs typeface="Helvetica Neue"/>
-                <a:sym typeface="Helvetica Neue"/>
-              </a:rPr>
-              <a:t>Text 2 (32)</a:t>
-            </a:r>
-            <a:endParaRPr dirty="0"/>
-          </a:p>
-          <a:p>
-            <a:pPr marL="0" marR="0" lvl="0" indent="0" algn="ctr" rtl="0">
-              <a:lnSpc>
-                <a:spcPct val="100000"/>
-              </a:lnSpc>
-              <a:spcBef>
-                <a:spcPts val="0"/>
-              </a:spcBef>
-              <a:spcAft>
-                <a:spcPts val="0"/>
-              </a:spcAft>
-              <a:buClr>
-                <a:schemeClr val="dk1"/>
-              </a:buClr>
-              <a:buSzPts val="3200"/>
-              <a:buFont typeface="Helvetica Neue"/>
-              <a:buNone/>
-            </a:pPr>
-            <a:endParaRPr sz="3200" b="1" i="0" u="none" dirty="0">
-              <a:solidFill>
-                <a:schemeClr val="dk1"/>
-              </a:solidFill>
-              <a:latin typeface="Helvetica Neue"/>
-              <a:ea typeface="Helvetica Neue"/>
-              <a:cs typeface="Helvetica Neue"/>
-              <a:sym typeface="Helvetica Neue"/>
-            </a:endParaRPr>
-          </a:p>
-          <a:p>
-            <a:pPr marL="0" marR="0" lvl="0" indent="0" algn="ctr" rtl="0">
-              <a:lnSpc>
-                <a:spcPct val="100000"/>
-              </a:lnSpc>
-              <a:spcBef>
-                <a:spcPts val="0"/>
-              </a:spcBef>
-              <a:spcAft>
-                <a:spcPts val="0"/>
-              </a:spcAft>
-              <a:buClr>
-                <a:schemeClr val="dk1"/>
-              </a:buClr>
-              <a:buSzPts val="3200"/>
-              <a:buFont typeface="Helvetica Neue"/>
-              <a:buNone/>
-            </a:pPr>
-            <a:r>
-              <a:rPr lang="en-US" sz="3200" b="1" i="0" u="none" dirty="0" err="1">
-                <a:solidFill>
-                  <a:schemeClr val="dk1"/>
-                </a:solidFill>
-                <a:latin typeface="Helvetica Neue"/>
-                <a:ea typeface="Helvetica Neue"/>
-                <a:cs typeface="Helvetica Neue"/>
-                <a:sym typeface="Helvetica Neue"/>
-              </a:rPr>
-              <a:t>Els</a:t>
-            </a:r>
-            <a:r>
-              <a:rPr lang="en-US" sz="3200" b="1" i="0" u="none" dirty="0">
-                <a:solidFill>
-                  <a:schemeClr val="dk1"/>
-                </a:solidFill>
-                <a:latin typeface="Helvetica Neue"/>
-                <a:ea typeface="Helvetica Neue"/>
-                <a:cs typeface="Helvetica Neue"/>
-                <a:sym typeface="Helvetica Neue"/>
-              </a:rPr>
-              <a:t> </a:t>
-            </a:r>
-            <a:r>
-              <a:rPr lang="en-US" sz="3200" b="1" i="0" u="none" dirty="0" err="1">
-                <a:solidFill>
-                  <a:schemeClr val="dk1"/>
-                </a:solidFill>
-                <a:latin typeface="Helvetica Neue"/>
-                <a:ea typeface="Helvetica Neue"/>
-                <a:cs typeface="Helvetica Neue"/>
-                <a:sym typeface="Helvetica Neue"/>
-              </a:rPr>
-              <a:t>quadres</a:t>
-            </a:r>
-            <a:r>
-              <a:rPr lang="en-US" sz="3200" b="1" i="0" u="none" dirty="0">
-                <a:solidFill>
-                  <a:schemeClr val="dk1"/>
-                </a:solidFill>
-                <a:latin typeface="Helvetica Neue"/>
-                <a:ea typeface="Helvetica Neue"/>
-                <a:cs typeface="Helvetica Neue"/>
-                <a:sym typeface="Helvetica Neue"/>
-              </a:rPr>
-              <a:t> I el format </a:t>
-            </a:r>
-            <a:r>
-              <a:rPr lang="en-US" sz="3200" b="1" i="0" u="none" dirty="0" err="1">
-                <a:solidFill>
-                  <a:schemeClr val="dk1"/>
-                </a:solidFill>
-                <a:latin typeface="Helvetica Neue"/>
-                <a:ea typeface="Helvetica Neue"/>
-                <a:cs typeface="Helvetica Neue"/>
-                <a:sym typeface="Helvetica Neue"/>
-              </a:rPr>
-              <a:t>mostrats</a:t>
-            </a:r>
-            <a:r>
-              <a:rPr lang="en-US" sz="3200" b="1" i="0" u="none" dirty="0">
-                <a:solidFill>
-                  <a:schemeClr val="dk1"/>
-                </a:solidFill>
-                <a:latin typeface="Helvetica Neue"/>
-                <a:ea typeface="Helvetica Neue"/>
-                <a:cs typeface="Helvetica Neue"/>
-                <a:sym typeface="Helvetica Neue"/>
-              </a:rPr>
-              <a:t> </a:t>
-            </a:r>
-            <a:r>
-              <a:rPr lang="en-US" sz="3200" b="1" i="0" u="none" dirty="0" err="1">
-                <a:solidFill>
-                  <a:schemeClr val="dk1"/>
-                </a:solidFill>
-                <a:latin typeface="Helvetica Neue"/>
-                <a:ea typeface="Helvetica Neue"/>
-                <a:cs typeface="Helvetica Neue"/>
-                <a:sym typeface="Helvetica Neue"/>
-              </a:rPr>
-              <a:t>són</a:t>
-            </a:r>
-            <a:r>
-              <a:rPr lang="en-US" sz="3200" b="1" i="0" u="none" dirty="0">
-                <a:solidFill>
-                  <a:schemeClr val="dk1"/>
-                </a:solidFill>
-                <a:latin typeface="Helvetica Neue"/>
-                <a:ea typeface="Helvetica Neue"/>
-                <a:cs typeface="Helvetica Neue"/>
-                <a:sym typeface="Helvetica Neue"/>
-              </a:rPr>
-              <a:t> </a:t>
-            </a:r>
-            <a:r>
-              <a:rPr lang="en-US" sz="3200" b="1" i="0" u="none" dirty="0" err="1">
-                <a:solidFill>
-                  <a:schemeClr val="dk1"/>
-                </a:solidFill>
-                <a:latin typeface="Helvetica Neue"/>
-                <a:ea typeface="Helvetica Neue"/>
-                <a:cs typeface="Helvetica Neue"/>
-                <a:sym typeface="Helvetica Neue"/>
-              </a:rPr>
-              <a:t>només</a:t>
-            </a:r>
-            <a:r>
-              <a:rPr lang="en-US" sz="3200" b="1" i="0" u="none" dirty="0">
-                <a:solidFill>
-                  <a:schemeClr val="dk1"/>
-                </a:solidFill>
-                <a:latin typeface="Helvetica Neue"/>
-                <a:ea typeface="Helvetica Neue"/>
-                <a:cs typeface="Helvetica Neue"/>
-                <a:sym typeface="Helvetica Neue"/>
-              </a:rPr>
-              <a:t> un </a:t>
-            </a:r>
-            <a:r>
-              <a:rPr lang="en-US" sz="3200" b="1" i="0" u="none" dirty="0" err="1">
-                <a:solidFill>
-                  <a:schemeClr val="dk1"/>
-                </a:solidFill>
-                <a:latin typeface="Helvetica Neue"/>
-                <a:ea typeface="Helvetica Neue"/>
-                <a:cs typeface="Helvetica Neue"/>
-                <a:sym typeface="Helvetica Neue"/>
-              </a:rPr>
-              <a:t>exemple</a:t>
-            </a:r>
-            <a:r>
-              <a:rPr lang="en-US" sz="3200" b="1" i="0" u="none" dirty="0">
-                <a:solidFill>
-                  <a:schemeClr val="dk1"/>
-                </a:solidFill>
-                <a:latin typeface="Helvetica Neue"/>
-                <a:ea typeface="Helvetica Neue"/>
-                <a:cs typeface="Helvetica Neue"/>
-                <a:sym typeface="Helvetica Neue"/>
-              </a:rPr>
-              <a:t> </a:t>
-            </a:r>
-            <a:r>
-              <a:rPr lang="en-US" sz="3200" b="1" i="0" u="none" dirty="0" err="1">
-                <a:solidFill>
-                  <a:schemeClr val="dk1"/>
-                </a:solidFill>
-                <a:latin typeface="Helvetica Neue"/>
-                <a:ea typeface="Helvetica Neue"/>
-                <a:cs typeface="Helvetica Neue"/>
-                <a:sym typeface="Helvetica Neue"/>
-              </a:rPr>
-              <a:t>orientatiu</a:t>
-            </a:r>
-            <a:r>
-              <a:rPr lang="en-US" sz="3200" b="1" i="0" u="none" dirty="0">
-                <a:solidFill>
-                  <a:schemeClr val="dk1"/>
-                </a:solidFill>
-                <a:latin typeface="Helvetica Neue"/>
-                <a:ea typeface="Helvetica Neue"/>
-                <a:cs typeface="Helvetica Neue"/>
-                <a:sym typeface="Helvetica Neue"/>
-              </a:rPr>
-              <a:t>.</a:t>
-            </a:r>
-            <a:endParaRPr dirty="0"/>
-          </a:p>
-          <a:p>
-            <a:pPr marL="0" marR="0" lvl="0" indent="0" algn="ctr" rtl="0">
-              <a:lnSpc>
-                <a:spcPct val="100000"/>
-              </a:lnSpc>
-              <a:spcBef>
-                <a:spcPts val="0"/>
-              </a:spcBef>
-              <a:spcAft>
-                <a:spcPts val="0"/>
-              </a:spcAft>
-              <a:buClr>
-                <a:schemeClr val="dk1"/>
-              </a:buClr>
-              <a:buSzPts val="3200"/>
-              <a:buFont typeface="Helvetica Neue"/>
-              <a:buNone/>
-            </a:pPr>
-            <a:r>
-              <a:rPr lang="en-US" sz="3200" b="1" i="0" u="none" dirty="0" err="1">
-                <a:solidFill>
-                  <a:schemeClr val="dk1"/>
-                </a:solidFill>
-                <a:latin typeface="Helvetica Neue"/>
-                <a:ea typeface="Helvetica Neue"/>
-                <a:cs typeface="Helvetica Neue"/>
-                <a:sym typeface="Helvetica Neue"/>
-              </a:rPr>
-              <a:t>Elimineu</a:t>
-            </a:r>
-            <a:r>
-              <a:rPr lang="en-US" sz="3200" b="1" i="0" u="none" dirty="0">
-                <a:solidFill>
-                  <a:schemeClr val="dk1"/>
-                </a:solidFill>
-                <a:latin typeface="Helvetica Neue"/>
-                <a:ea typeface="Helvetica Neue"/>
-                <a:cs typeface="Helvetica Neue"/>
-                <a:sym typeface="Helvetica Neue"/>
-              </a:rPr>
-              <a:t> </a:t>
-            </a:r>
-            <a:r>
-              <a:rPr lang="en-US" sz="3200" b="1" i="0" u="none" dirty="0" err="1">
-                <a:solidFill>
-                  <a:schemeClr val="dk1"/>
-                </a:solidFill>
-                <a:latin typeface="Helvetica Neue"/>
-                <a:ea typeface="Helvetica Neue"/>
-                <a:cs typeface="Helvetica Neue"/>
-                <a:sym typeface="Helvetica Neue"/>
-              </a:rPr>
-              <a:t>aquest</a:t>
-            </a:r>
-            <a:r>
-              <a:rPr lang="en-US" sz="3200" b="1" i="0" u="none" dirty="0">
-                <a:solidFill>
-                  <a:schemeClr val="dk1"/>
-                </a:solidFill>
-                <a:latin typeface="Helvetica Neue"/>
-                <a:ea typeface="Helvetica Neue"/>
-                <a:cs typeface="Helvetica Neue"/>
-                <a:sym typeface="Helvetica Neue"/>
-              </a:rPr>
-              <a:t> </a:t>
-            </a:r>
-            <a:r>
-              <a:rPr lang="en-US" sz="3200" b="1" i="0" u="none" dirty="0" err="1">
-                <a:solidFill>
-                  <a:schemeClr val="dk1"/>
-                </a:solidFill>
-                <a:latin typeface="Helvetica Neue"/>
-                <a:ea typeface="Helvetica Neue"/>
-                <a:cs typeface="Helvetica Neue"/>
-                <a:sym typeface="Helvetica Neue"/>
-              </a:rPr>
-              <a:t>quadre</a:t>
-            </a:r>
-            <a:r>
-              <a:rPr lang="en-US" sz="3200" b="1" i="0" u="none" dirty="0">
-                <a:solidFill>
-                  <a:schemeClr val="dk1"/>
-                </a:solidFill>
-                <a:latin typeface="Helvetica Neue"/>
-                <a:ea typeface="Helvetica Neue"/>
-                <a:cs typeface="Helvetica Neue"/>
-                <a:sym typeface="Helvetica Neue"/>
-              </a:rPr>
-              <a:t> de text </a:t>
-            </a:r>
-            <a:r>
-              <a:rPr lang="en-US" sz="3200" b="1" i="0" u="none" dirty="0" err="1">
-                <a:solidFill>
-                  <a:schemeClr val="dk1"/>
-                </a:solidFill>
-                <a:latin typeface="Helvetica Neue"/>
-                <a:ea typeface="Helvetica Neue"/>
-                <a:cs typeface="Helvetica Neue"/>
-                <a:sym typeface="Helvetica Neue"/>
-              </a:rPr>
-              <a:t>i</a:t>
-            </a:r>
-            <a:r>
-              <a:rPr lang="en-US" sz="3200" b="1" i="0" u="none" dirty="0">
-                <a:solidFill>
-                  <a:schemeClr val="dk1"/>
-                </a:solidFill>
-                <a:latin typeface="Helvetica Neue"/>
-                <a:ea typeface="Helvetica Neue"/>
-                <a:cs typeface="Helvetica Neue"/>
-                <a:sym typeface="Helvetica Neue"/>
-              </a:rPr>
-              <a:t> </a:t>
-            </a:r>
-            <a:r>
-              <a:rPr lang="en-US" sz="3200" b="1" i="0" u="none" dirty="0" err="1">
-                <a:solidFill>
-                  <a:schemeClr val="dk1"/>
-                </a:solidFill>
-                <a:latin typeface="Helvetica Neue"/>
-                <a:ea typeface="Helvetica Neue"/>
-                <a:cs typeface="Helvetica Neue"/>
-                <a:sym typeface="Helvetica Neue"/>
-              </a:rPr>
-              <a:t>els</a:t>
-            </a:r>
-            <a:r>
-              <a:rPr lang="en-US" sz="3200" b="1" i="0" u="none" dirty="0">
-                <a:solidFill>
-                  <a:schemeClr val="dk1"/>
-                </a:solidFill>
-                <a:latin typeface="Helvetica Neue"/>
-                <a:ea typeface="Helvetica Neue"/>
-                <a:cs typeface="Helvetica Neue"/>
-                <a:sym typeface="Helvetica Neue"/>
-              </a:rPr>
-              <a:t> de </a:t>
-            </a:r>
-            <a:r>
-              <a:rPr lang="en-US" sz="3200" b="1" i="0" u="none" dirty="0" err="1">
-                <a:solidFill>
-                  <a:schemeClr val="dk1"/>
-                </a:solidFill>
-                <a:latin typeface="Helvetica Neue"/>
-                <a:ea typeface="Helvetica Neue"/>
-                <a:cs typeface="Helvetica Neue"/>
-                <a:sym typeface="Helvetica Neue"/>
-              </a:rPr>
-              <a:t>contorn</a:t>
-            </a:r>
-            <a:r>
-              <a:rPr lang="en-US" sz="3200" b="1" i="0" u="none" dirty="0">
-                <a:solidFill>
-                  <a:schemeClr val="dk1"/>
-                </a:solidFill>
-                <a:latin typeface="Helvetica Neue"/>
-                <a:ea typeface="Helvetica Neue"/>
-                <a:cs typeface="Helvetica Neue"/>
-                <a:sym typeface="Helvetica Neue"/>
-              </a:rPr>
-              <a:t> </a:t>
-            </a:r>
-            <a:r>
-              <a:rPr lang="en-US" sz="3200" b="1" i="0" u="none" dirty="0" err="1">
-                <a:solidFill>
-                  <a:schemeClr val="dk1"/>
-                </a:solidFill>
-                <a:latin typeface="Helvetica Neue"/>
-                <a:ea typeface="Helvetica Neue"/>
-                <a:cs typeface="Helvetica Neue"/>
-                <a:sym typeface="Helvetica Neue"/>
-              </a:rPr>
-              <a:t>gris</a:t>
-            </a:r>
-            <a:r>
-              <a:rPr lang="en-US" sz="3200" b="1" i="0" u="none" dirty="0">
-                <a:solidFill>
-                  <a:schemeClr val="dk1"/>
-                </a:solidFill>
-                <a:latin typeface="Helvetica Neue"/>
-                <a:ea typeface="Helvetica Neue"/>
-                <a:cs typeface="Helvetica Neue"/>
-                <a:sym typeface="Helvetica Neue"/>
-              </a:rPr>
-              <a:t> per </a:t>
-            </a:r>
-            <a:r>
-              <a:rPr lang="en-US" sz="3200" b="1" i="0" u="none" dirty="0" err="1">
-                <a:solidFill>
-                  <a:schemeClr val="dk1"/>
-                </a:solidFill>
-                <a:latin typeface="Helvetica Neue"/>
-                <a:ea typeface="Helvetica Neue"/>
-                <a:cs typeface="Helvetica Neue"/>
-                <a:sym typeface="Helvetica Neue"/>
-              </a:rPr>
-              <a:t>començar</a:t>
-            </a:r>
-            <a:r>
-              <a:rPr lang="en-US" sz="3200" b="1" i="0" u="none" dirty="0">
-                <a:solidFill>
-                  <a:schemeClr val="dk1"/>
-                </a:solidFill>
-                <a:latin typeface="Helvetica Neue"/>
-                <a:ea typeface="Helvetica Neue"/>
-                <a:cs typeface="Helvetica Neue"/>
-                <a:sym typeface="Helvetica Neue"/>
-              </a:rPr>
-              <a:t> a </a:t>
-            </a:r>
-            <a:r>
-              <a:rPr lang="en-US" sz="3200" b="1" i="0" u="none" dirty="0" err="1">
-                <a:solidFill>
-                  <a:schemeClr val="dk1"/>
-                </a:solidFill>
-                <a:latin typeface="Helvetica Neue"/>
-                <a:ea typeface="Helvetica Neue"/>
-                <a:cs typeface="Helvetica Neue"/>
-                <a:sym typeface="Helvetica Neue"/>
-              </a:rPr>
-              <a:t>omplir</a:t>
-            </a:r>
-            <a:r>
-              <a:rPr lang="en-US" sz="3200" b="1" i="0" u="none" dirty="0">
-                <a:solidFill>
-                  <a:schemeClr val="dk1"/>
-                </a:solidFill>
-                <a:latin typeface="Helvetica Neue"/>
-                <a:ea typeface="Helvetica Neue"/>
-                <a:cs typeface="Helvetica Neue"/>
-                <a:sym typeface="Helvetica Neue"/>
-              </a:rPr>
-              <a:t> el </a:t>
-            </a:r>
-            <a:r>
-              <a:rPr lang="en-US" sz="3200" b="1" i="0" u="none" dirty="0" err="1">
-                <a:solidFill>
-                  <a:schemeClr val="dk1"/>
-                </a:solidFill>
-                <a:latin typeface="Helvetica Neue"/>
-                <a:ea typeface="Helvetica Neue"/>
-                <a:cs typeface="Helvetica Neue"/>
-                <a:sym typeface="Helvetica Neue"/>
-              </a:rPr>
-              <a:t>pòster</a:t>
-            </a:r>
-            <a:r>
-              <a:rPr lang="en-US" sz="3200" b="1" i="0" u="none" dirty="0">
-                <a:solidFill>
-                  <a:schemeClr val="dk1"/>
-                </a:solidFill>
-                <a:latin typeface="Helvetica Neue"/>
-                <a:ea typeface="Helvetica Neue"/>
-                <a:cs typeface="Helvetica Neue"/>
-                <a:sym typeface="Helvetica Neue"/>
-              </a:rPr>
-              <a:t>.</a:t>
-            </a:r>
-            <a:endParaRPr dirty="0"/>
-          </a:p>
-        </p:txBody>
-      </p:sp>
-      <p:sp>
-        <p:nvSpPr>
           <p:cNvPr id="105" name="Google Shape;105;p13"/>
           <p:cNvSpPr txBox="1"/>
           <p:nvPr/>
         </p:nvSpPr>
         <p:spPr>
           <a:xfrm>
-            <a:off x="1187465" y="5943851"/>
-            <a:ext cx="13328635" cy="8864281"/>
+            <a:off x="11075727" y="5881363"/>
+            <a:ext cx="18631161" cy="6961987"/>
           </a:xfrm>
           <a:prstGeom prst="rect">
             <a:avLst/>
@@ -15267,15 +14379,15 @@
               <a:buSzPts val="4000"/>
             </a:pPr>
             <a:r>
-              <a:rPr lang="ca-ES" sz="4000" dirty="0">
+              <a:rPr lang="ca-ES" sz="4000" b="1" i="1" dirty="0" err="1">
                 <a:solidFill>
                   <a:schemeClr val="dk1"/>
                 </a:solidFill>
                 <a:latin typeface="Helvetica Neue"/>
               </a:rPr>
-              <a:t>ABSTRACT(canviar)</a:t>
+              <a:t>Abstract</a:t>
             </a:r>
-            <a:endParaRPr lang="es-ES" sz="4000" dirty="0">
+            <a:endParaRPr lang="es-ES" sz="4000" b="1" i="1" dirty="0">
               <a:solidFill>
                 <a:schemeClr val="dk1"/>
               </a:solidFill>
@@ -15290,7 +14402,7 @@
               <a:buSzPts val="4000"/>
             </a:pPr>
             <a:r>
-              <a:rPr lang="ca-ES" sz="3200" dirty="0">
+              <a:rPr lang="ca-ES" sz="3400" dirty="0">
                 <a:solidFill>
                   <a:schemeClr val="dk1"/>
                 </a:solidFill>
@@ -15299,7 +14411,7 @@
               <a:t>En aquest treball explorem les possibilitats de la Intel·ligència Artificial (IA) per a jugar al joc “</a:t>
             </a:r>
             <a:r>
-              <a:rPr lang="ca-ES" sz="3200" dirty="0" err="1">
+              <a:rPr lang="ca-ES" sz="3400" dirty="0" err="1">
                 <a:solidFill>
                   <a:schemeClr val="dk1"/>
                 </a:solidFill>
@@ -15308,16 +14420,16 @@
               <a:t>Flappy</a:t>
             </a:r>
             <a:r>
-              <a:rPr lang="ca-ES" sz="3200" dirty="0">
+              <a:rPr lang="ca-ES" sz="3400" dirty="0">
                 <a:solidFill>
                   <a:schemeClr val="dk1"/>
                 </a:solidFill>
                 <a:latin typeface="Helvetica Neue"/>
               </a:rPr>
-              <a:t> Bird” utilitzant algoritmes avançats d'aprenentatge adaptatiu. L'ús combinat de mutacions i altres factors permet l'obtenció d'un model neuronal més eficient i capaç de realitzar càlculs ràpids. El model neuronal desenvolupat en aquest treball és capaç d’aprendre i adaptar-se a les condicions del joc. En aquesta recerca es demostra com la corba de l’aprenentatge és logarítmica i depèn fortament dels diferents comportaments de la IA a partir de les variables de mutacions, inputs i població</a:t>
+              <a:t> Bird” utilitzant algoritmes avançats d'aprenentatge adaptatiu. L'ús combinat de mutacions i altres factors permet l'obtenció d'un model neuronal més eficient. El model neuronal desenvolupat en aquest treball és capaç d’aprendre i adaptar-se a les condicions del joc. En aquesta recerca es demostra com la corba de l’aprenentatge és logarítmica i depèn fortament dels diferents comportaments de la IA a partir de les variables de mutacions, inputs i població</a:t>
             </a:r>
             <a:r>
-              <a:rPr lang="ca-ES" sz="3200" b="1" dirty="0">
+              <a:rPr lang="ca-ES" sz="3400" b="1" dirty="0">
                 <a:solidFill>
                   <a:schemeClr val="dk1"/>
                 </a:solidFill>
@@ -15334,13 +14446,22 @@
               <a:buSzPts val="4000"/>
             </a:pPr>
             <a:r>
-              <a:rPr lang="ca-ES" sz="4000" dirty="0">
+              <a:rPr lang="ca-ES" sz="4000" b="1" dirty="0">
                 <a:solidFill>
                   <a:schemeClr val="dk1"/>
                 </a:solidFill>
                 <a:latin typeface="Helvetica Neue"/>
               </a:rPr>
-              <a:t>Introducció </a:t>
+              <a:t>Introducció</a:t>
+            </a:r>
+            <a:r>
+              <a:rPr lang="ca-ES" sz="3400" b="1" dirty="0">
+                <a:solidFill>
+                  <a:schemeClr val="dk1"/>
+                </a:solidFill>
+                <a:latin typeface="Helvetica Neue"/>
+              </a:rPr>
+              <a:t> </a:t>
             </a:r>
           </a:p>
           <a:p>
@@ -15351,7 +14472,7 @@
               <a:buSzPts val="4000"/>
             </a:pPr>
             <a:r>
-              <a:rPr lang="ca-ES" sz="3200" dirty="0">
+              <a:rPr lang="ca-ES" sz="3400" dirty="0">
                 <a:solidFill>
                   <a:schemeClr val="dk1"/>
                 </a:solidFill>
@@ -15360,7 +14481,7 @@
               <a:t>En aquest treball es desenvolupa una IA específica, APFLY-IA, integrada en un laboratori digital creat amb </a:t>
             </a:r>
             <a:r>
-              <a:rPr lang="ca-ES" sz="3200" dirty="0" err="1">
+              <a:rPr lang="ca-ES" sz="3400" dirty="0" err="1">
                 <a:solidFill>
                   <a:schemeClr val="dk1"/>
                 </a:solidFill>
@@ -15369,7 +14490,7 @@
               <a:t>Godot</a:t>
             </a:r>
             <a:r>
-              <a:rPr lang="ca-ES" sz="3200" dirty="0">
+              <a:rPr lang="ca-ES" sz="3400" dirty="0">
                 <a:solidFill>
                   <a:schemeClr val="dk1"/>
                 </a:solidFill>
@@ -15378,7 +14499,7 @@
               <a:t> </a:t>
             </a:r>
             <a:r>
-              <a:rPr lang="ca-ES" sz="3200" dirty="0" err="1">
+              <a:rPr lang="ca-ES" sz="3400" dirty="0" err="1">
                 <a:solidFill>
                   <a:schemeClr val="dk1"/>
                 </a:solidFill>
@@ -15387,57 +14508,14 @@
               <a:t>Engine</a:t>
             </a:r>
             <a:r>
-              <a:rPr lang="ca-ES" sz="3200" dirty="0">
+              <a:rPr lang="ca-ES" sz="3400" dirty="0">
                 <a:solidFill>
                   <a:schemeClr val="dk1"/>
                 </a:solidFill>
                 <a:latin typeface="Helvetica Neue"/>
               </a:rPr>
-              <a:t>, amb un sistema de telemetria per recopilar dades de com aquesta aprèn per analitzar-les i optimitzar el funcionament de la IA</a:t>
+              <a:t>, amb un sistema de telemetria per recopilar dades de com aquesta aprèn per analitzar-les i optimitzar el funcionament de la IA.</a:t>
             </a:r>
-            <a:endParaRPr lang="es-ES" sz="3200" dirty="0">
-              <a:solidFill>
-                <a:schemeClr val="dk1"/>
-              </a:solidFill>
-              <a:latin typeface="Helvetica Neue"/>
-            </a:endParaRPr>
-          </a:p>
-          <a:p>
-            <a:pPr algn="just">
-              <a:buClr>
-                <a:schemeClr val="dk1"/>
-              </a:buClr>
-              <a:buSzPts val="4000"/>
-            </a:pPr>
-            <a:endParaRPr lang="ca-ES" sz="3200" dirty="0">
-              <a:solidFill>
-                <a:schemeClr val="dk1"/>
-              </a:solidFill>
-              <a:latin typeface="Helvetica Neue"/>
-            </a:endParaRPr>
-          </a:p>
-          <a:p>
-            <a:pPr marL="0" marR="0" lvl="0" indent="0" algn="l" rtl="0">
-              <a:lnSpc>
-                <a:spcPct val="100000"/>
-              </a:lnSpc>
-              <a:spcBef>
-                <a:spcPts val="0"/>
-              </a:spcBef>
-              <a:spcAft>
-                <a:spcPts val="0"/>
-              </a:spcAft>
-              <a:buNone/>
-            </a:pPr>
-            <a:endParaRPr sz="3200" b="0" i="0" u="none" dirty="0">
-              <a:solidFill>
-                <a:schemeClr val="dk1"/>
-              </a:solidFill>
-              <a:latin typeface="Helvetica Neue"/>
-              <a:ea typeface="Helvetica Neue"/>
-              <a:cs typeface="Helvetica Neue"/>
-              <a:sym typeface="Helvetica Neue"/>
-            </a:endParaRPr>
           </a:p>
         </p:txBody>
       </p:sp>
@@ -15449,816 +14527,8 @@
         </p:nvSpPr>
         <p:spPr>
           <a:xfrm>
-            <a:off x="16756046" y="25414827"/>
-            <a:ext cx="11274659" cy="10548937"/>
-          </a:xfrm>
-          <a:prstGeom prst="rect">
-            <a:avLst/>
-          </a:prstGeom>
-          <a:noFill/>
-          <a:ln w="25400" cap="flat" cmpd="sng">
-            <a:solidFill>
-              <a:srgbClr val="A6A6A6"/>
-            </a:solidFill>
-            <a:prstDash val="solid"/>
-            <a:miter lim="800000"/>
-            <a:headEnd type="none" w="sm" len="sm"/>
-            <a:tailEnd type="none" w="sm" len="sm"/>
-          </a:ln>
-        </p:spPr>
-        <p:txBody>
-          <a:bodyPr spcFirstLastPara="1" wrap="square" lIns="91425" tIns="45700" rIns="91425" bIns="45700" anchor="ctr" anchorCtr="0">
-            <a:noAutofit/>
-          </a:bodyPr>
-          <a:lstStyle/>
-          <a:p>
-            <a:pPr>
-              <a:lnSpc>
-                <a:spcPct val="115000"/>
-              </a:lnSpc>
-              <a:spcAft>
-                <a:spcPts val="800"/>
-              </a:spcAft>
-            </a:pPr>
-            <a:r>
-              <a:rPr lang="ca-ES" sz="3200" kern="100" dirty="0">
-                <a:effectLst/>
-                <a:latin typeface="Times New Roman" panose="02020603050405020304" pitchFamily="18" charset="0"/>
-                <a:ea typeface="Aptos" panose="020B0004020202020204" pitchFamily="34" charset="0"/>
-                <a:cs typeface="Arial" panose="020B0604020202020204" pitchFamily="34" charset="0"/>
-              </a:rPr>
-              <a:t>Som conscients que les possibilitats de noves anàlisis i noves conclusions poden entendre’s més enllà d’aquest treball, i per això deixem a disposició de tothom per seguir investigant, el laboratori digital</a:t>
-            </a:r>
-            <a:r>
-              <a:rPr lang="ca-ES" sz="3200" kern="0" baseline="30000" dirty="0">
-                <a:effectLst/>
-                <a:latin typeface="Times New Roman" panose="02020603050405020304" pitchFamily="18" charset="0"/>
-                <a:ea typeface="Aptos" panose="020B0004020202020204" pitchFamily="34" charset="0"/>
-                <a:cs typeface="Times New Roman" panose="02020603050405020304" pitchFamily="18" charset="0"/>
-              </a:rPr>
-              <a:t>5</a:t>
-            </a:r>
-            <a:r>
-              <a:rPr lang="ca-ES" sz="3200" kern="100" dirty="0">
-                <a:effectLst/>
-                <a:latin typeface="Times New Roman" panose="02020603050405020304" pitchFamily="18" charset="0"/>
-                <a:ea typeface="Aptos" panose="020B0004020202020204" pitchFamily="34" charset="0"/>
-                <a:cs typeface="Arial" panose="020B0604020202020204" pitchFamily="34" charset="0"/>
-              </a:rPr>
-              <a:t> que hem dut a terme en el marc d’aquest treball de recerca.</a:t>
-            </a:r>
-          </a:p>
-        </p:txBody>
-      </p:sp>
-      <p:sp>
-        <p:nvSpPr>
-          <p:cNvPr id="107" name="Google Shape;107;p13"/>
-          <p:cNvSpPr txBox="1"/>
-          <p:nvPr/>
-        </p:nvSpPr>
-        <p:spPr>
-          <a:xfrm>
-            <a:off x="15093156" y="6302894"/>
-            <a:ext cx="10148888" cy="10865008"/>
-          </a:xfrm>
-          <a:prstGeom prst="rect">
-            <a:avLst/>
-          </a:prstGeom>
-          <a:noFill/>
-          <a:ln w="25400" cap="flat" cmpd="sng">
-            <a:solidFill>
-              <a:srgbClr val="A6A6A6"/>
-            </a:solidFill>
-            <a:prstDash val="solid"/>
-            <a:miter lim="800000"/>
-            <a:headEnd type="none" w="sm" len="sm"/>
-            <a:tailEnd type="none" w="sm" len="sm"/>
-          </a:ln>
-        </p:spPr>
-        <p:txBody>
-          <a:bodyPr spcFirstLastPara="1" wrap="square" lIns="91425" tIns="45700" rIns="91425" bIns="45700" anchor="ctr" anchorCtr="0">
-            <a:noAutofit/>
-          </a:bodyPr>
-          <a:lstStyle/>
-          <a:p>
-            <a:pPr marL="0" marR="0" lvl="0" indent="0" algn="l" rtl="0">
-              <a:lnSpc>
-                <a:spcPct val="100000"/>
-              </a:lnSpc>
-              <a:spcBef>
-                <a:spcPts val="0"/>
-              </a:spcBef>
-              <a:spcAft>
-                <a:spcPts val="0"/>
-              </a:spcAft>
-              <a:buNone/>
-            </a:pPr>
-            <a:r>
-              <a:rPr lang="es-ES" sz="3200" b="0" i="0" u="none" dirty="0">
-                <a:solidFill>
-                  <a:schemeClr val="dk1"/>
-                </a:solidFill>
-                <a:latin typeface="Helvetica Neue"/>
-                <a:ea typeface="Helvetica Neue"/>
-                <a:cs typeface="Helvetica Neue"/>
-                <a:sym typeface="Helvetica Neue"/>
-              </a:rPr>
-              <a:t>Metodología</a:t>
-            </a:r>
-          </a:p>
-          <a:p>
-            <a:pPr marL="0" marR="0" lvl="0" indent="0" algn="l" rtl="0">
-              <a:lnSpc>
-                <a:spcPct val="100000"/>
-              </a:lnSpc>
-              <a:spcBef>
-                <a:spcPts val="0"/>
-              </a:spcBef>
-              <a:spcAft>
-                <a:spcPts val="0"/>
-              </a:spcAft>
-              <a:buNone/>
-            </a:pPr>
-            <a:r>
-              <a:rPr lang="ca-ES" sz="3200" dirty="0">
-                <a:effectLst/>
-                <a:latin typeface="Times New Roman" panose="02020603050405020304" pitchFamily="18" charset="0"/>
-                <a:ea typeface="Aptos" panose="020B0004020202020204" pitchFamily="34" charset="0"/>
-              </a:rPr>
-              <a:t>Per entrenar la xarxa neuronal utilitzem una versió d’un algorisme genètic, inspirat en la teoria Darwiniana, anomenat NEAT (</a:t>
-            </a:r>
-            <a:r>
-              <a:rPr lang="ca-ES" sz="3200" i="1" dirty="0" err="1">
-                <a:effectLst/>
-                <a:latin typeface="Times New Roman" panose="02020603050405020304" pitchFamily="18" charset="0"/>
-                <a:ea typeface="Aptos" panose="020B0004020202020204" pitchFamily="34" charset="0"/>
-              </a:rPr>
-              <a:t>Neuro</a:t>
-            </a:r>
-            <a:r>
-              <a:rPr lang="ca-ES" sz="3200" i="1" dirty="0">
-                <a:effectLst/>
-                <a:latin typeface="Times New Roman" panose="02020603050405020304" pitchFamily="18" charset="0"/>
-                <a:ea typeface="Aptos" panose="020B0004020202020204" pitchFamily="34" charset="0"/>
-              </a:rPr>
-              <a:t> </a:t>
-            </a:r>
-            <a:r>
-              <a:rPr lang="ca-ES" sz="3200" i="1" dirty="0" err="1">
-                <a:effectLst/>
-                <a:latin typeface="Times New Roman" panose="02020603050405020304" pitchFamily="18" charset="0"/>
-                <a:ea typeface="Aptos" panose="020B0004020202020204" pitchFamily="34" charset="0"/>
-              </a:rPr>
-              <a:t>Evolution</a:t>
-            </a:r>
-            <a:r>
-              <a:rPr lang="ca-ES" sz="3200" i="1" dirty="0">
-                <a:effectLst/>
-                <a:latin typeface="Times New Roman" panose="02020603050405020304" pitchFamily="18" charset="0"/>
-                <a:ea typeface="Aptos" panose="020B0004020202020204" pitchFamily="34" charset="0"/>
-              </a:rPr>
-              <a:t> of </a:t>
-            </a:r>
-            <a:r>
-              <a:rPr lang="ca-ES" sz="3200" i="1" dirty="0" err="1">
-                <a:effectLst/>
-                <a:latin typeface="Times New Roman" panose="02020603050405020304" pitchFamily="18" charset="0"/>
-                <a:ea typeface="Aptos" panose="020B0004020202020204" pitchFamily="34" charset="0"/>
-              </a:rPr>
-              <a:t>Augmenting</a:t>
-            </a:r>
-            <a:r>
-              <a:rPr lang="ca-ES" sz="3200" i="1" dirty="0">
-                <a:effectLst/>
-                <a:latin typeface="Times New Roman" panose="02020603050405020304" pitchFamily="18" charset="0"/>
-                <a:ea typeface="Aptos" panose="020B0004020202020204" pitchFamily="34" charset="0"/>
-              </a:rPr>
-              <a:t> Topologies</a:t>
-            </a:r>
-            <a:r>
-              <a:rPr lang="ca-ES" sz="3200" dirty="0">
-                <a:effectLst/>
-                <a:latin typeface="Times New Roman" panose="02020603050405020304" pitchFamily="18" charset="0"/>
-                <a:ea typeface="Aptos" panose="020B0004020202020204" pitchFamily="34" charset="0"/>
-              </a:rPr>
-              <a:t>).</a:t>
-            </a:r>
-            <a:r>
-              <a:rPr lang="ca-ES" sz="3200" dirty="0">
-                <a:solidFill>
-                  <a:schemeClr val="dk1"/>
-                </a:solidFill>
-                <a:effectLst/>
-                <a:latin typeface="Helvetica Neue"/>
-                <a:ea typeface="Aptos" panose="020B0004020202020204" pitchFamily="34" charset="0"/>
-                <a:sym typeface="Helvetica Neue"/>
-              </a:rPr>
-              <a:t> A partir d’una xarxa neuronal base </a:t>
-            </a:r>
-            <a:r>
-              <a:rPr lang="ca-ES" sz="3200" dirty="0">
-                <a:solidFill>
-                  <a:schemeClr val="dk1"/>
-                </a:solidFill>
-                <a:latin typeface="Helvetica Neue"/>
-                <a:ea typeface="Aptos" panose="020B0004020202020204" pitchFamily="34" charset="0"/>
-                <a:sym typeface="Helvetica Neue"/>
-              </a:rPr>
-              <a:t>evoluciona fent petits canvis en la xarxa i buscant la que funciona millor com passa a la natura.</a:t>
-            </a:r>
-          </a:p>
-          <a:p>
-            <a:pPr marL="0" marR="0" lvl="0" indent="0" algn="l" rtl="0">
-              <a:lnSpc>
-                <a:spcPct val="100000"/>
-              </a:lnSpc>
-              <a:spcBef>
-                <a:spcPts val="0"/>
-              </a:spcBef>
-              <a:spcAft>
-                <a:spcPts val="0"/>
-              </a:spcAft>
-              <a:buNone/>
-            </a:pPr>
-            <a:endParaRPr lang="ca-ES" sz="3200" dirty="0">
-              <a:solidFill>
-                <a:schemeClr val="dk1"/>
-              </a:solidFill>
-              <a:latin typeface="Helvetica Neue"/>
-              <a:ea typeface="Aptos" panose="020B0004020202020204" pitchFamily="34" charset="0"/>
-              <a:sym typeface="Helvetica Neue"/>
-            </a:endParaRPr>
-          </a:p>
-          <a:p>
-            <a:pPr marL="0" marR="0" lvl="0" indent="0" algn="l" rtl="0">
-              <a:lnSpc>
-                <a:spcPct val="100000"/>
-              </a:lnSpc>
-              <a:spcBef>
-                <a:spcPts val="0"/>
-              </a:spcBef>
-              <a:spcAft>
-                <a:spcPts val="0"/>
-              </a:spcAft>
-              <a:buNone/>
-            </a:pPr>
-            <a:r>
-              <a:rPr lang="ca-ES" sz="3200" dirty="0">
-                <a:solidFill>
-                  <a:schemeClr val="dk1"/>
-                </a:solidFill>
-                <a:latin typeface="Helvetica Neue"/>
-                <a:ea typeface="Aptos" panose="020B0004020202020204" pitchFamily="34" charset="0"/>
-                <a:sym typeface="Helvetica Neue"/>
-              </a:rPr>
-              <a:t>Per </a:t>
-            </a:r>
-            <a:r>
-              <a:rPr lang="ca-ES" sz="3200" dirty="0" err="1">
-                <a:solidFill>
-                  <a:schemeClr val="dk1"/>
-                </a:solidFill>
-                <a:latin typeface="Helvetica Neue"/>
-                <a:ea typeface="Aptos" panose="020B0004020202020204" pitchFamily="34" charset="0"/>
-                <a:sym typeface="Helvetica Neue"/>
-              </a:rPr>
-              <a:t>evaluar</a:t>
-            </a:r>
-            <a:r>
-              <a:rPr lang="ca-ES" sz="3200" dirty="0">
-                <a:solidFill>
-                  <a:schemeClr val="dk1"/>
-                </a:solidFill>
-                <a:latin typeface="Helvetica Neue"/>
-                <a:ea typeface="Aptos" panose="020B0004020202020204" pitchFamily="34" charset="0"/>
-                <a:sym typeface="Helvetica Neue"/>
-              </a:rPr>
-              <a:t> com de bé funciona la IA utilitzem un sistema de puntuació anomenat fitness que dona una puntuació a cada xarxa neuronal segons uns criteris establerts. </a:t>
-            </a:r>
-            <a:r>
-              <a:rPr lang="ca-ES" sz="3200" dirty="0" err="1">
-                <a:solidFill>
-                  <a:schemeClr val="dk1"/>
-                </a:solidFill>
-                <a:latin typeface="Helvetica Neue"/>
-                <a:ea typeface="Aptos" panose="020B0004020202020204" pitchFamily="34" charset="0"/>
-                <a:sym typeface="Helvetica Neue"/>
-              </a:rPr>
-              <a:t>S’utlitza</a:t>
-            </a:r>
-            <a:r>
-              <a:rPr lang="ca-ES" sz="3200" dirty="0">
-                <a:solidFill>
-                  <a:schemeClr val="dk1"/>
-                </a:solidFill>
-                <a:latin typeface="Helvetica Neue"/>
-                <a:ea typeface="Aptos" panose="020B0004020202020204" pitchFamily="34" charset="0"/>
-                <a:sym typeface="Helvetica Neue"/>
-              </a:rPr>
-              <a:t> per saber quina de les xarxes neuronals </a:t>
-            </a:r>
-            <a:r>
-              <a:rPr lang="ca-ES" sz="3200" dirty="0" err="1">
-                <a:solidFill>
-                  <a:schemeClr val="dk1"/>
-                </a:solidFill>
-                <a:latin typeface="Helvetica Neue"/>
-                <a:ea typeface="Aptos" panose="020B0004020202020204" pitchFamily="34" charset="0"/>
-                <a:sym typeface="Helvetica Neue"/>
-              </a:rPr>
-              <a:t>s’aprpa</a:t>
-            </a:r>
-            <a:r>
-              <a:rPr lang="ca-ES" sz="3200" dirty="0">
-                <a:solidFill>
-                  <a:schemeClr val="dk1"/>
-                </a:solidFill>
-                <a:latin typeface="Helvetica Neue"/>
-                <a:ea typeface="Aptos" panose="020B0004020202020204" pitchFamily="34" charset="0"/>
-                <a:sym typeface="Helvetica Neue"/>
-              </a:rPr>
-              <a:t> més a una IA que ha aprés a realitzar la tasca. La xarxa neuronal que aconsegueix arribar a una puntuació de 160.000 punts aproximadament (150 </a:t>
-            </a:r>
-            <a:r>
-              <a:rPr lang="ca-ES" sz="3200" dirty="0" err="1">
-                <a:solidFill>
-                  <a:schemeClr val="dk1"/>
-                </a:solidFill>
-                <a:latin typeface="Helvetica Neue"/>
-                <a:ea typeface="Aptos" panose="020B0004020202020204" pitchFamily="34" charset="0"/>
-                <a:sym typeface="Helvetica Neue"/>
-              </a:rPr>
-              <a:t>tuberies</a:t>
-            </a:r>
-            <a:r>
-              <a:rPr lang="ca-ES" sz="3200" dirty="0">
-                <a:solidFill>
-                  <a:schemeClr val="dk1"/>
-                </a:solidFill>
-                <a:latin typeface="Helvetica Neue"/>
-                <a:ea typeface="Aptos" panose="020B0004020202020204" pitchFamily="34" charset="0"/>
-                <a:sym typeface="Helvetica Neue"/>
-              </a:rPr>
-              <a:t>) la considerem que la IA ha aprés.</a:t>
-            </a:r>
-          </a:p>
-          <a:p>
-            <a:pPr marL="0" marR="0" lvl="0" indent="0" algn="l" rtl="0">
-              <a:lnSpc>
-                <a:spcPct val="100000"/>
-              </a:lnSpc>
-              <a:spcBef>
-                <a:spcPts val="0"/>
-              </a:spcBef>
-              <a:spcAft>
-                <a:spcPts val="0"/>
-              </a:spcAft>
-              <a:buNone/>
-            </a:pPr>
-            <a:endParaRPr lang="ca-ES" sz="3200" dirty="0">
-              <a:effectLst/>
-              <a:latin typeface="Times New Roman" panose="02020603050405020304" pitchFamily="18" charset="0"/>
-              <a:ea typeface="Aptos" panose="020B0004020202020204" pitchFamily="34" charset="0"/>
-            </a:endParaRPr>
-          </a:p>
-        </p:txBody>
-      </p:sp>
-      <p:sp>
-        <p:nvSpPr>
-          <p:cNvPr id="108" name="Google Shape;108;p13"/>
-          <p:cNvSpPr txBox="1"/>
-          <p:nvPr/>
-        </p:nvSpPr>
-        <p:spPr>
-          <a:xfrm>
-            <a:off x="1187465" y="14824151"/>
-            <a:ext cx="13328634" cy="4215771"/>
-          </a:xfrm>
-          <a:prstGeom prst="rect">
-            <a:avLst/>
-          </a:prstGeom>
-          <a:noFill/>
-          <a:ln w="25400" cap="flat" cmpd="sng">
-            <a:solidFill>
-              <a:srgbClr val="A6A6A6"/>
-            </a:solidFill>
-            <a:prstDash val="solid"/>
-            <a:miter lim="800000"/>
-            <a:headEnd type="none" w="sm" len="sm"/>
-            <a:tailEnd type="none" w="sm" len="sm"/>
-          </a:ln>
-        </p:spPr>
-        <p:txBody>
-          <a:bodyPr spcFirstLastPara="1" wrap="square" lIns="91425" tIns="45700" rIns="91425" bIns="45700" anchor="ctr" anchorCtr="0">
-            <a:noAutofit/>
-          </a:bodyPr>
-          <a:lstStyle/>
-          <a:p>
-            <a:pPr marL="0" marR="0" lvl="0" indent="0" algn="l" rtl="0">
-              <a:lnSpc>
-                <a:spcPct val="100000"/>
-              </a:lnSpc>
-              <a:spcBef>
-                <a:spcPts val="0"/>
-              </a:spcBef>
-              <a:spcAft>
-                <a:spcPts val="0"/>
-              </a:spcAft>
-              <a:buNone/>
-            </a:pPr>
-            <a:r>
-              <a:rPr lang="es-ES" sz="3200" b="0" i="0" u="none" dirty="0" err="1">
-                <a:solidFill>
-                  <a:schemeClr val="dk1"/>
-                </a:solidFill>
-                <a:latin typeface="Helvetica Neue"/>
-                <a:ea typeface="Helvetica Neue"/>
-                <a:cs typeface="Helvetica Neue"/>
-                <a:sym typeface="Helvetica Neue"/>
-              </a:rPr>
-              <a:t>L’estudi</a:t>
-            </a:r>
-            <a:r>
-              <a:rPr lang="es-ES" sz="3200" b="0" i="0" u="none" dirty="0">
-                <a:solidFill>
-                  <a:schemeClr val="dk1"/>
-                </a:solidFill>
-                <a:latin typeface="Helvetica Neue"/>
-                <a:ea typeface="Helvetica Neue"/>
-                <a:cs typeface="Helvetica Neue"/>
-                <a:sym typeface="Helvetica Neue"/>
-              </a:rPr>
-              <a:t> </a:t>
-            </a:r>
-            <a:r>
-              <a:rPr lang="es-ES" sz="3200" b="0" i="0" u="none" dirty="0" err="1">
-                <a:solidFill>
-                  <a:schemeClr val="dk1"/>
-                </a:solidFill>
-                <a:latin typeface="Helvetica Neue"/>
-                <a:ea typeface="Helvetica Neue"/>
-                <a:cs typeface="Helvetica Neue"/>
-                <a:sym typeface="Helvetica Neue"/>
-              </a:rPr>
-              <a:t>realitzat</a:t>
-            </a:r>
-            <a:r>
-              <a:rPr lang="es-ES" sz="3200" b="0" i="0" u="none" dirty="0">
-                <a:solidFill>
-                  <a:schemeClr val="dk1"/>
-                </a:solidFill>
-                <a:latin typeface="Helvetica Neue"/>
-                <a:ea typeface="Helvetica Neue"/>
-                <a:cs typeface="Helvetica Neue"/>
-                <a:sym typeface="Helvetica Neue"/>
-              </a:rPr>
-              <a:t> </a:t>
-            </a:r>
-            <a:r>
-              <a:rPr lang="es-ES" sz="3200" b="0" i="0" u="none" dirty="0" err="1">
-                <a:solidFill>
-                  <a:schemeClr val="dk1"/>
-                </a:solidFill>
-                <a:latin typeface="Helvetica Neue"/>
-                <a:ea typeface="Helvetica Neue"/>
-                <a:cs typeface="Helvetica Neue"/>
-                <a:sym typeface="Helvetica Neue"/>
-              </a:rPr>
-              <a:t>demostra</a:t>
-            </a:r>
-            <a:r>
-              <a:rPr lang="es-ES" sz="3200" b="0" i="0" u="none" dirty="0">
-                <a:solidFill>
-                  <a:schemeClr val="dk1"/>
-                </a:solidFill>
-                <a:latin typeface="Helvetica Neue"/>
-                <a:ea typeface="Helvetica Neue"/>
-                <a:cs typeface="Helvetica Neue"/>
-                <a:sym typeface="Helvetica Neue"/>
-              </a:rPr>
-              <a:t> que la </a:t>
-            </a:r>
-            <a:r>
-              <a:rPr lang="es-ES" sz="3200" b="0" i="0" u="none" dirty="0" err="1">
-                <a:solidFill>
-                  <a:schemeClr val="dk1"/>
-                </a:solidFill>
-                <a:latin typeface="Helvetica Neue"/>
-                <a:ea typeface="Helvetica Neue"/>
-                <a:cs typeface="Helvetica Neue"/>
-                <a:sym typeface="Helvetica Neue"/>
-              </a:rPr>
-              <a:t>millora</a:t>
-            </a:r>
-            <a:r>
-              <a:rPr lang="es-ES" sz="3200" b="0" i="0" u="none" dirty="0">
-                <a:solidFill>
-                  <a:schemeClr val="dk1"/>
-                </a:solidFill>
-                <a:latin typeface="Helvetica Neue"/>
-                <a:ea typeface="Helvetica Neue"/>
-                <a:cs typeface="Helvetica Neue"/>
-                <a:sym typeface="Helvetica Neue"/>
-              </a:rPr>
-              <a:t> de la IA </a:t>
-            </a:r>
-            <a:r>
-              <a:rPr lang="es-ES" sz="3200" b="0" i="0" u="none" dirty="0" err="1">
-                <a:solidFill>
-                  <a:schemeClr val="dk1"/>
-                </a:solidFill>
-                <a:latin typeface="Helvetica Neue"/>
-                <a:ea typeface="Helvetica Neue"/>
-                <a:cs typeface="Helvetica Neue"/>
-                <a:sym typeface="Helvetica Neue"/>
-              </a:rPr>
-              <a:t>fent</a:t>
-            </a:r>
-            <a:r>
-              <a:rPr lang="es-ES" sz="3200" b="0" i="0" u="none" dirty="0">
-                <a:solidFill>
-                  <a:schemeClr val="dk1"/>
-                </a:solidFill>
-                <a:latin typeface="Helvetica Neue"/>
-                <a:ea typeface="Helvetica Neue"/>
-                <a:cs typeface="Helvetica Neue"/>
-                <a:sym typeface="Helvetica Neue"/>
-              </a:rPr>
-              <a:t> la tasca </a:t>
-            </a:r>
-            <a:r>
-              <a:rPr lang="es-ES" sz="3200" b="0" i="0" u="none" dirty="0" err="1">
-                <a:solidFill>
-                  <a:schemeClr val="dk1"/>
-                </a:solidFill>
-                <a:latin typeface="Helvetica Neue"/>
-                <a:ea typeface="Helvetica Neue"/>
-                <a:cs typeface="Helvetica Neue"/>
-                <a:sym typeface="Helvetica Neue"/>
-              </a:rPr>
-              <a:t>encomanada</a:t>
-            </a:r>
-            <a:r>
-              <a:rPr lang="es-ES" sz="3200" b="0" i="0" u="none" dirty="0">
-                <a:solidFill>
-                  <a:schemeClr val="dk1"/>
-                </a:solidFill>
-                <a:latin typeface="Helvetica Neue"/>
-                <a:ea typeface="Helvetica Neue"/>
-                <a:cs typeface="Helvetica Neue"/>
-                <a:sym typeface="Helvetica Neue"/>
-              </a:rPr>
-              <a:t> posada en un </a:t>
-            </a:r>
-            <a:r>
-              <a:rPr lang="es-ES" sz="3200" b="0" i="0" u="none" dirty="0" err="1">
-                <a:solidFill>
-                  <a:schemeClr val="dk1"/>
-                </a:solidFill>
-                <a:latin typeface="Helvetica Neue"/>
-                <a:ea typeface="Helvetica Neue"/>
-                <a:cs typeface="Helvetica Neue"/>
-                <a:sym typeface="Helvetica Neue"/>
-              </a:rPr>
-              <a:t>gràfic</a:t>
-            </a:r>
-            <a:r>
-              <a:rPr lang="es-ES" sz="3200" b="0" i="0" u="none" dirty="0">
-                <a:solidFill>
-                  <a:schemeClr val="dk1"/>
-                </a:solidFill>
-                <a:latin typeface="Helvetica Neue"/>
-                <a:ea typeface="Helvetica Neue"/>
-                <a:cs typeface="Helvetica Neue"/>
-                <a:sym typeface="Helvetica Neue"/>
-              </a:rPr>
-              <a:t> té una forma </a:t>
-            </a:r>
-            <a:r>
-              <a:rPr lang="es-ES" sz="3200" b="0" i="0" u="none" dirty="0" err="1">
-                <a:solidFill>
-                  <a:schemeClr val="dk1"/>
-                </a:solidFill>
-                <a:latin typeface="Helvetica Neue"/>
-                <a:ea typeface="Helvetica Neue"/>
-                <a:cs typeface="Helvetica Neue"/>
-                <a:sym typeface="Helvetica Neue"/>
-              </a:rPr>
-              <a:t>semblant</a:t>
-            </a:r>
-            <a:r>
-              <a:rPr lang="es-ES" sz="3200" b="0" i="0" u="none" dirty="0">
-                <a:solidFill>
-                  <a:schemeClr val="dk1"/>
-                </a:solidFill>
-                <a:latin typeface="Helvetica Neue"/>
-                <a:ea typeface="Helvetica Neue"/>
-                <a:cs typeface="Helvetica Neue"/>
-                <a:sym typeface="Helvetica Neue"/>
-              </a:rPr>
-              <a:t> a la </a:t>
-            </a:r>
-            <a:r>
-              <a:rPr lang="es-ES" sz="3200" b="0" i="0" u="none" dirty="0" err="1">
-                <a:solidFill>
-                  <a:schemeClr val="dk1"/>
-                </a:solidFill>
-                <a:latin typeface="Helvetica Neue"/>
-                <a:ea typeface="Helvetica Neue"/>
-                <a:cs typeface="Helvetica Neue"/>
-                <a:sym typeface="Helvetica Neue"/>
-              </a:rPr>
-              <a:t>d’una</a:t>
-            </a:r>
-            <a:r>
-              <a:rPr lang="es-ES" sz="3200" b="0" i="0" u="none" dirty="0">
-                <a:solidFill>
-                  <a:schemeClr val="dk1"/>
-                </a:solidFill>
-                <a:latin typeface="Helvetica Neue"/>
-                <a:ea typeface="Helvetica Neue"/>
-                <a:cs typeface="Helvetica Neue"/>
-                <a:sym typeface="Helvetica Neue"/>
-              </a:rPr>
-              <a:t> </a:t>
-            </a:r>
-            <a:r>
-              <a:rPr lang="es-ES" sz="3200" b="0" i="0" u="none" dirty="0" err="1">
-                <a:solidFill>
-                  <a:schemeClr val="dk1"/>
-                </a:solidFill>
-                <a:latin typeface="Helvetica Neue"/>
-                <a:ea typeface="Helvetica Neue"/>
-                <a:cs typeface="Helvetica Neue"/>
-                <a:sym typeface="Helvetica Neue"/>
-              </a:rPr>
-              <a:t>funció</a:t>
-            </a:r>
-            <a:r>
-              <a:rPr lang="es-ES" sz="3200" b="0" i="0" u="none" dirty="0">
-                <a:solidFill>
-                  <a:schemeClr val="dk1"/>
-                </a:solidFill>
-                <a:latin typeface="Helvetica Neue"/>
-                <a:ea typeface="Helvetica Neue"/>
-                <a:cs typeface="Helvetica Neue"/>
-                <a:sym typeface="Helvetica Neue"/>
-              </a:rPr>
-              <a:t> logarítmica. </a:t>
-            </a:r>
-            <a:r>
-              <a:rPr lang="es-ES" sz="3200" b="0" i="0" u="none" dirty="0" err="1">
-                <a:solidFill>
-                  <a:schemeClr val="dk1"/>
-                </a:solidFill>
-                <a:latin typeface="Helvetica Neue"/>
-                <a:ea typeface="Helvetica Neue"/>
-                <a:cs typeface="Helvetica Neue"/>
-                <a:sym typeface="Helvetica Neue"/>
-              </a:rPr>
-              <a:t>Aixó</a:t>
-            </a:r>
-            <a:r>
-              <a:rPr lang="es-ES" sz="3200" b="0" i="0" u="none" dirty="0">
-                <a:solidFill>
-                  <a:schemeClr val="dk1"/>
-                </a:solidFill>
-                <a:latin typeface="Helvetica Neue"/>
-                <a:ea typeface="Helvetica Neue"/>
-                <a:cs typeface="Helvetica Neue"/>
-                <a:sym typeface="Helvetica Neue"/>
-              </a:rPr>
-              <a:t> </a:t>
-            </a:r>
-            <a:r>
-              <a:rPr lang="ca-ES" sz="3200" dirty="0">
-                <a:effectLst/>
-                <a:latin typeface="Times New Roman" panose="02020603050405020304" pitchFamily="18" charset="0"/>
-                <a:ea typeface="Aptos" panose="020B0004020202020204" pitchFamily="34" charset="0"/>
-                <a:cs typeface="Arial" panose="020B0604020202020204" pitchFamily="34" charset="0"/>
-              </a:rPr>
-              <a:t>permet predir els ràpids guanys inicials de </a:t>
-            </a:r>
-            <a:r>
-              <a:rPr lang="ca-ES" sz="3200" i="1" dirty="0">
-                <a:effectLst/>
-                <a:latin typeface="Times New Roman" panose="02020603050405020304" pitchFamily="18" charset="0"/>
-                <a:ea typeface="Aptos" panose="020B0004020202020204" pitchFamily="34" charset="0"/>
-                <a:cs typeface="Arial" panose="020B0604020202020204" pitchFamily="34" charset="0"/>
-              </a:rPr>
-              <a:t>fitness</a:t>
-            </a:r>
-            <a:r>
-              <a:rPr lang="ca-ES" sz="3200" dirty="0">
-                <a:effectLst/>
-                <a:latin typeface="Times New Roman" panose="02020603050405020304" pitchFamily="18" charset="0"/>
-                <a:ea typeface="Aptos" panose="020B0004020202020204" pitchFamily="34" charset="0"/>
-                <a:cs typeface="Arial" panose="020B0604020202020204" pitchFamily="34" charset="0"/>
-              </a:rPr>
-              <a:t> seguits d'un altiplà, de manera que es pot determinar quin és el millor moment per aturar l’aprenentatge o afegir nous reptes a l’aprenentatge per obtenir uns millors resultats.</a:t>
-            </a:r>
-            <a:endParaRPr sz="3200" b="0" i="0" u="none" dirty="0">
-              <a:solidFill>
-                <a:schemeClr val="dk1"/>
-              </a:solidFill>
-              <a:latin typeface="Helvetica Neue"/>
-              <a:ea typeface="Helvetica Neue"/>
-              <a:cs typeface="Helvetica Neue"/>
-              <a:sym typeface="Helvetica Neue"/>
-            </a:endParaRPr>
-          </a:p>
-        </p:txBody>
-      </p:sp>
-      <p:sp>
-        <p:nvSpPr>
-          <p:cNvPr id="109" name="Google Shape;109;p13"/>
-          <p:cNvSpPr txBox="1"/>
-          <p:nvPr/>
-        </p:nvSpPr>
-        <p:spPr>
-          <a:xfrm>
-            <a:off x="677862" y="37931725"/>
-            <a:ext cx="28830588" cy="2386012"/>
-          </a:xfrm>
-          <a:prstGeom prst="rect">
-            <a:avLst/>
-          </a:prstGeom>
-          <a:noFill/>
-          <a:ln w="25400" cap="flat" cmpd="sng">
-            <a:solidFill>
-              <a:srgbClr val="A6A6A6"/>
-            </a:solidFill>
-            <a:prstDash val="solid"/>
-            <a:miter lim="800000"/>
-            <a:headEnd type="none" w="sm" len="sm"/>
-            <a:tailEnd type="none" w="sm" len="sm"/>
-          </a:ln>
-        </p:spPr>
-        <p:txBody>
-          <a:bodyPr spcFirstLastPara="1" wrap="square" lIns="91425" tIns="45700" rIns="91425" bIns="45700" anchor="ctr" anchorCtr="0">
-            <a:noAutofit/>
-          </a:bodyPr>
-          <a:lstStyle/>
-          <a:p>
-            <a:r>
-              <a:rPr lang="ca-ES" sz="3200" dirty="0">
-                <a:solidFill>
-                  <a:schemeClr val="dk1"/>
-                </a:solidFill>
-                <a:latin typeface="Helvetica Neue"/>
-              </a:rPr>
-              <a:t>Mirant cap al futur, la recerca realitzada en aquest treball obre la porta a noves línies d'investigació que podrien ampliar aspectes en que no s’ha pogut aprofundir o donar-los suficient rellevància, i oferir una continuïtat i ampliació a la recerca fins ara feta. Aspectes com augmentar la complexitat de la IA per resoldre problemes complexos, millorar la recollida de dades i la adaptació en forma de mòdul de la IA per poder-la exportar a qualsevol joc serien objectius que plantejarien una continuació de la recerca mes extensa.</a:t>
-            </a:r>
-            <a:endParaRPr lang="es-ES" sz="3200" dirty="0">
-              <a:solidFill>
-                <a:schemeClr val="dk1"/>
-              </a:solidFill>
-              <a:latin typeface="Helvetica Neue"/>
-            </a:endParaRPr>
-          </a:p>
-          <a:p>
-            <a:pPr marL="0" marR="0" lvl="0" indent="0" algn="l" rtl="0">
-              <a:lnSpc>
-                <a:spcPct val="100000"/>
-              </a:lnSpc>
-              <a:spcBef>
-                <a:spcPts val="0"/>
-              </a:spcBef>
-              <a:spcAft>
-                <a:spcPts val="0"/>
-              </a:spcAft>
-              <a:buNone/>
-            </a:pPr>
-            <a:r>
-              <a:rPr lang="ca-ES" sz="3200" dirty="0">
-                <a:solidFill>
-                  <a:schemeClr val="dk1"/>
-                </a:solidFill>
-                <a:latin typeface="Helvetica Neue"/>
-                <a:sym typeface="Helvetica Neue"/>
-              </a:rPr>
-              <a:t>i</a:t>
-            </a:r>
-            <a:endParaRPr sz="3200" dirty="0">
-              <a:solidFill>
-                <a:schemeClr val="dk1"/>
-              </a:solidFill>
-              <a:latin typeface="Helvetica Neue"/>
-              <a:sym typeface="Helvetica Neue"/>
-            </a:endParaRPr>
-          </a:p>
-        </p:txBody>
-      </p:sp>
-      <p:sp>
-        <p:nvSpPr>
-          <p:cNvPr id="111" name="Google Shape;111;p13"/>
-          <p:cNvSpPr txBox="1"/>
-          <p:nvPr/>
-        </p:nvSpPr>
-        <p:spPr>
-          <a:xfrm>
-            <a:off x="1571173" y="22753306"/>
-            <a:ext cx="14147800" cy="13820291"/>
+            <a:off x="8468139" y="35106335"/>
+            <a:ext cx="8825948" cy="4240540"/>
           </a:xfrm>
           <a:prstGeom prst="rect">
             <a:avLst/>
@@ -16289,25 +14559,722 @@
               </a:spcAft>
             </a:pPr>
             <a:r>
-              <a:rPr lang="ca-ES" sz="3200" dirty="0">
+              <a:rPr lang="ca-ES" sz="3200" kern="100" dirty="0">
+                <a:effectLst/>
+                <a:latin typeface="Helvetica Neue" panose="020B0604020202020204" charset="0"/>
+                <a:ea typeface="Aptos" panose="020B0004020202020204" pitchFamily="34" charset="0"/>
+                <a:cs typeface="Arial" panose="020B0604020202020204" pitchFamily="34" charset="0"/>
+              </a:rPr>
+              <a:t>Som conscients que les possibilitats de noves anàlisis i noves conclusions poden entendre’s més enllà d’aquest treball, i per això deixem a disposició de tothom per continuar investigant, el laboratori digital que hem dut a terme en el marc d’aquest treball de recerca.</a:t>
+            </a:r>
+          </a:p>
+        </p:txBody>
+      </p:sp>
+      <p:sp>
+        <p:nvSpPr>
+          <p:cNvPr id="107" name="Google Shape;107;p13"/>
+          <p:cNvSpPr txBox="1"/>
+          <p:nvPr/>
+        </p:nvSpPr>
+        <p:spPr>
+          <a:xfrm>
+            <a:off x="1571173" y="12845343"/>
+            <a:ext cx="18247453" cy="6016255"/>
+          </a:xfrm>
+          <a:prstGeom prst="rect">
+            <a:avLst/>
+          </a:prstGeom>
+          <a:noFill/>
+          <a:ln w="25400" cap="flat" cmpd="sng">
+            <a:solidFill>
+              <a:srgbClr val="A6A6A6"/>
+            </a:solidFill>
+            <a:prstDash val="solid"/>
+            <a:miter lim="800000"/>
+            <a:headEnd type="none" w="sm" len="sm"/>
+            <a:tailEnd type="none" w="sm" len="sm"/>
+          </a:ln>
+        </p:spPr>
+        <p:txBody>
+          <a:bodyPr spcFirstLastPara="1" wrap="square" lIns="91425" tIns="45700" rIns="91425" bIns="45700" anchor="ctr" anchorCtr="0">
+            <a:noAutofit/>
+          </a:bodyPr>
+          <a:lstStyle/>
+          <a:p>
+            <a:pPr marL="0" marR="0" lvl="0" indent="0" algn="just" rtl="0">
+              <a:lnSpc>
+                <a:spcPct val="100000"/>
+              </a:lnSpc>
+              <a:spcBef>
+                <a:spcPts val="0"/>
+              </a:spcBef>
+              <a:spcAft>
+                <a:spcPts val="0"/>
+              </a:spcAft>
+              <a:buNone/>
+            </a:pPr>
+            <a:r>
+              <a:rPr lang="es-ES" sz="4000" b="1" i="0" u="none" dirty="0" err="1">
                 <a:solidFill>
                   <a:schemeClr val="dk1"/>
                 </a:solidFill>
-                <a:latin typeface="Helvetica Neue"/>
+                <a:latin typeface="Helvetica Neue" panose="020B0604020202020204" charset="0"/>
+                <a:ea typeface="Helvetica Neue"/>
+                <a:cs typeface="Helvetica Neue"/>
+                <a:sym typeface="Helvetica Neue"/>
               </a:rPr>
-              <a:t>Les diferents combinacions d’inputs, mutacions i poblacions generen diferents comportaments en l’evolució i l’aprenentatge de la xarxa neuronal. A partir de l’estudi realitzat</a:t>
+              <a:t>Metodologia</a:t>
+            </a:r>
+            <a:endParaRPr lang="es-ES" sz="4000" b="1" i="0" u="none" dirty="0">
+              <a:solidFill>
+                <a:schemeClr val="dk1"/>
+              </a:solidFill>
+              <a:latin typeface="Helvetica Neue" panose="020B0604020202020204" charset="0"/>
+              <a:ea typeface="Helvetica Neue"/>
+              <a:cs typeface="Helvetica Neue"/>
+              <a:sym typeface="Helvetica Neue"/>
+            </a:endParaRPr>
+          </a:p>
+          <a:p>
+            <a:pPr marL="0" marR="0" lvl="0" indent="0" algn="just" rtl="0">
+              <a:lnSpc>
+                <a:spcPct val="100000"/>
+              </a:lnSpc>
+              <a:spcBef>
+                <a:spcPts val="0"/>
+              </a:spcBef>
+              <a:spcAft>
+                <a:spcPts val="0"/>
+              </a:spcAft>
+              <a:buNone/>
+            </a:pPr>
+            <a:r>
+              <a:rPr lang="ca-ES" sz="3400" dirty="0">
+                <a:effectLst/>
+                <a:latin typeface="Helvetica Neue" panose="020B0604020202020204" charset="0"/>
+                <a:ea typeface="Aptos" panose="020B0004020202020204" pitchFamily="34" charset="0"/>
+              </a:rPr>
+              <a:t>Per entrenar la xarxa neuronal utilitzem una versió d’un algorisme genètic, inspirat en la teoria Darwiniana, anomenat NEAT (</a:t>
             </a:r>
             <a:r>
-              <a:rPr lang="ca-ES" sz="3200" dirty="0">
+              <a:rPr lang="ca-ES" sz="3400" i="1" dirty="0" err="1">
+                <a:effectLst/>
+                <a:latin typeface="Helvetica Neue" panose="020B0604020202020204" charset="0"/>
+                <a:ea typeface="Aptos" panose="020B0004020202020204" pitchFamily="34" charset="0"/>
+              </a:rPr>
+              <a:t>Neuro</a:t>
+            </a:r>
+            <a:r>
+              <a:rPr lang="ca-ES" sz="3400" i="1" dirty="0">
+                <a:effectLst/>
+                <a:latin typeface="Helvetica Neue" panose="020B0604020202020204" charset="0"/>
+                <a:ea typeface="Aptos" panose="020B0004020202020204" pitchFamily="34" charset="0"/>
+              </a:rPr>
+              <a:t> </a:t>
+            </a:r>
+            <a:r>
+              <a:rPr lang="ca-ES" sz="3400" i="1" dirty="0" err="1">
+                <a:effectLst/>
+                <a:latin typeface="Helvetica Neue" panose="020B0604020202020204" charset="0"/>
+                <a:ea typeface="Aptos" panose="020B0004020202020204" pitchFamily="34" charset="0"/>
+              </a:rPr>
+              <a:t>Evolution</a:t>
+            </a:r>
+            <a:r>
+              <a:rPr lang="ca-ES" sz="3400" i="1" dirty="0">
+                <a:effectLst/>
+                <a:latin typeface="Helvetica Neue" panose="020B0604020202020204" charset="0"/>
+                <a:ea typeface="Aptos" panose="020B0004020202020204" pitchFamily="34" charset="0"/>
+              </a:rPr>
+              <a:t> of </a:t>
+            </a:r>
+            <a:r>
+              <a:rPr lang="ca-ES" sz="3400" i="1" dirty="0" err="1">
+                <a:effectLst/>
+                <a:latin typeface="Helvetica Neue" panose="020B0604020202020204" charset="0"/>
+                <a:ea typeface="Aptos" panose="020B0004020202020204" pitchFamily="34" charset="0"/>
+              </a:rPr>
+              <a:t>Augmenting</a:t>
+            </a:r>
+            <a:r>
+              <a:rPr lang="ca-ES" sz="3400" i="1" dirty="0">
+                <a:effectLst/>
+                <a:latin typeface="Helvetica Neue" panose="020B0604020202020204" charset="0"/>
+                <a:ea typeface="Aptos" panose="020B0004020202020204" pitchFamily="34" charset="0"/>
+              </a:rPr>
+              <a:t> Topologies</a:t>
+            </a:r>
+            <a:r>
+              <a:rPr lang="ca-ES" sz="3400" dirty="0">
+                <a:effectLst/>
+                <a:latin typeface="Helvetica Neue" panose="020B0604020202020204" charset="0"/>
+                <a:ea typeface="Aptos" panose="020B0004020202020204" pitchFamily="34" charset="0"/>
+              </a:rPr>
+              <a:t>).</a:t>
+            </a:r>
+            <a:r>
+              <a:rPr lang="ca-ES" sz="3400" dirty="0">
                 <a:solidFill>
                   <a:schemeClr val="dk1"/>
                 </a:solidFill>
-                <a:highlight>
-                  <a:srgbClr val="00FF00"/>
-                </a:highlight>
-                <a:latin typeface="Helvetica Neue"/>
+                <a:effectLst/>
+                <a:latin typeface="Helvetica Neue" panose="020B0604020202020204" charset="0"/>
+                <a:ea typeface="Aptos" panose="020B0004020202020204" pitchFamily="34" charset="0"/>
+                <a:sym typeface="Helvetica Neue"/>
               </a:rPr>
-              <a:t>, podem concloure que la xarxa neuronal que aprèn més ràpid es aquella que té només la informació necessària per realitzar la tasca.</a:t>
+              <a:t> A partir d’una xarxa neuronal base </a:t>
+            </a:r>
+            <a:r>
+              <a:rPr lang="ca-ES" sz="3400" dirty="0">
+                <a:solidFill>
+                  <a:schemeClr val="dk1"/>
+                </a:solidFill>
+                <a:latin typeface="Helvetica Neue" panose="020B0604020202020204" charset="0"/>
+                <a:ea typeface="Aptos" panose="020B0004020202020204" pitchFamily="34" charset="0"/>
+                <a:sym typeface="Helvetica Neue"/>
+              </a:rPr>
+              <a:t>evoluciona fent petits canvis en la xarxa i buscant la que funciona millor com passa a la natura.</a:t>
+            </a:r>
+          </a:p>
+          <a:p>
+            <a:pPr marL="0" marR="0" lvl="0" indent="0" algn="just" rtl="0">
+              <a:lnSpc>
+                <a:spcPct val="100000"/>
+              </a:lnSpc>
+              <a:spcBef>
+                <a:spcPts val="0"/>
+              </a:spcBef>
+              <a:spcAft>
+                <a:spcPts val="0"/>
+              </a:spcAft>
+              <a:buNone/>
+            </a:pPr>
+            <a:endParaRPr lang="ca-ES" sz="3400" dirty="0">
+              <a:solidFill>
+                <a:schemeClr val="dk1"/>
+              </a:solidFill>
+              <a:latin typeface="Helvetica Neue" panose="020B0604020202020204" charset="0"/>
+              <a:ea typeface="Aptos" panose="020B0004020202020204" pitchFamily="34" charset="0"/>
+              <a:sym typeface="Helvetica Neue"/>
+            </a:endParaRPr>
+          </a:p>
+          <a:p>
+            <a:pPr marL="0" marR="0" lvl="0" indent="0" algn="just" rtl="0">
+              <a:lnSpc>
+                <a:spcPct val="100000"/>
+              </a:lnSpc>
+              <a:spcBef>
+                <a:spcPts val="0"/>
+              </a:spcBef>
+              <a:spcAft>
+                <a:spcPts val="0"/>
+              </a:spcAft>
+              <a:buNone/>
+            </a:pPr>
+            <a:r>
+              <a:rPr lang="ca-ES" sz="3400" dirty="0">
+                <a:solidFill>
+                  <a:schemeClr val="dk1"/>
+                </a:solidFill>
+                <a:latin typeface="Helvetica Neue" panose="020B0604020202020204" charset="0"/>
+                <a:ea typeface="Aptos" panose="020B0004020202020204" pitchFamily="34" charset="0"/>
+                <a:sym typeface="Helvetica Neue"/>
+              </a:rPr>
+              <a:t>Per avaluar com de bé funciona la IA s’usa un sistema de puntuació anomenat fitness que dona una puntuació a cada xarxa neuronal segons uns criteris establerts. S’usa per saber quina de les xarxes neuronals s’apropa més a una IA que ha après a dur a terme la tasca. La xarxa neuronal que aconsegueix arribar a una puntuació de 160.000 punts aproximadament (150 canonades) la considerem que la IA ha après.</a:t>
+            </a:r>
+          </a:p>
+        </p:txBody>
+      </p:sp>
+      <p:sp>
+        <p:nvSpPr>
+          <p:cNvPr id="108" name="Google Shape;108;p13"/>
+          <p:cNvSpPr txBox="1"/>
+          <p:nvPr/>
+        </p:nvSpPr>
+        <p:spPr>
+          <a:xfrm>
+            <a:off x="12483548" y="18861598"/>
+            <a:ext cx="17024901" cy="4832925"/>
+          </a:xfrm>
+          <a:prstGeom prst="rect">
+            <a:avLst/>
+          </a:prstGeom>
+          <a:noFill/>
+          <a:ln w="25400" cap="flat" cmpd="sng">
+            <a:solidFill>
+              <a:srgbClr val="A6A6A6"/>
+            </a:solidFill>
+            <a:prstDash val="solid"/>
+            <a:miter lim="800000"/>
+            <a:headEnd type="none" w="sm" len="sm"/>
+            <a:tailEnd type="none" w="sm" len="sm"/>
+          </a:ln>
+        </p:spPr>
+        <p:txBody>
+          <a:bodyPr spcFirstLastPara="1" wrap="square" lIns="91425" tIns="45700" rIns="91425" bIns="45700" anchor="ctr" anchorCtr="0">
+            <a:noAutofit/>
+          </a:bodyPr>
+          <a:lstStyle/>
+          <a:p>
+            <a:pPr marL="0" marR="0" lvl="0" indent="0" algn="just" rtl="0">
+              <a:lnSpc>
+                <a:spcPct val="100000"/>
+              </a:lnSpc>
+              <a:spcBef>
+                <a:spcPts val="0"/>
+              </a:spcBef>
+              <a:spcAft>
+                <a:spcPts val="0"/>
+              </a:spcAft>
+              <a:buNone/>
+            </a:pPr>
+            <a:r>
+              <a:rPr lang="es-ES" sz="4000" b="1" i="0" u="none" dirty="0" err="1">
+                <a:solidFill>
+                  <a:schemeClr val="dk1"/>
+                </a:solidFill>
+                <a:latin typeface="Helvetica Neue" panose="020B0604020202020204" charset="0"/>
+                <a:ea typeface="Helvetica Neue"/>
+                <a:cs typeface="Helvetica Neue"/>
+                <a:sym typeface="Helvetica Neue"/>
+              </a:rPr>
+              <a:t>L’aprenentatge</a:t>
+            </a:r>
+            <a:endParaRPr lang="es-ES" sz="4000" b="1" i="0" u="none" dirty="0">
+              <a:solidFill>
+                <a:schemeClr val="dk1"/>
+              </a:solidFill>
+              <a:latin typeface="Helvetica Neue" panose="020B0604020202020204" charset="0"/>
+              <a:ea typeface="Helvetica Neue"/>
+              <a:cs typeface="Helvetica Neue"/>
+              <a:sym typeface="Helvetica Neue"/>
+            </a:endParaRPr>
+          </a:p>
+          <a:p>
+            <a:pPr marL="0" marR="0" lvl="0" indent="0" algn="just" rtl="0">
+              <a:lnSpc>
+                <a:spcPct val="100000"/>
+              </a:lnSpc>
+              <a:spcBef>
+                <a:spcPts val="0"/>
+              </a:spcBef>
+              <a:spcAft>
+                <a:spcPts val="0"/>
+              </a:spcAft>
+              <a:buNone/>
+            </a:pPr>
+            <a:r>
+              <a:rPr lang="es-ES" sz="3400" b="0" i="0" u="none" dirty="0" err="1">
+                <a:solidFill>
+                  <a:schemeClr val="dk1"/>
+                </a:solidFill>
+                <a:latin typeface="Helvetica Neue" panose="020B0604020202020204" charset="0"/>
+                <a:ea typeface="Helvetica Neue"/>
+                <a:cs typeface="Helvetica Neue"/>
+                <a:sym typeface="Helvetica Neue"/>
+              </a:rPr>
+              <a:t>L’estudi</a:t>
+            </a:r>
+            <a:r>
+              <a:rPr lang="es-ES" sz="3400" b="0" i="0" u="none" dirty="0">
+                <a:solidFill>
+                  <a:schemeClr val="dk1"/>
+                </a:solidFill>
+                <a:latin typeface="Helvetica Neue" panose="020B0604020202020204" charset="0"/>
+                <a:ea typeface="Helvetica Neue"/>
+                <a:cs typeface="Helvetica Neue"/>
+                <a:sym typeface="Helvetica Neue"/>
+              </a:rPr>
+              <a:t> </a:t>
+            </a:r>
+            <a:r>
+              <a:rPr lang="es-ES" sz="3400" b="0" i="0" u="none" dirty="0" err="1">
+                <a:solidFill>
+                  <a:schemeClr val="dk1"/>
+                </a:solidFill>
+                <a:latin typeface="Helvetica Neue" panose="020B0604020202020204" charset="0"/>
+                <a:ea typeface="Helvetica Neue"/>
+                <a:cs typeface="Helvetica Neue"/>
+                <a:sym typeface="Helvetica Neue"/>
+              </a:rPr>
+              <a:t>realitzat</a:t>
+            </a:r>
+            <a:r>
+              <a:rPr lang="es-ES" sz="3400" b="0" i="0" u="none" dirty="0">
+                <a:solidFill>
+                  <a:schemeClr val="dk1"/>
+                </a:solidFill>
+                <a:latin typeface="Helvetica Neue" panose="020B0604020202020204" charset="0"/>
+                <a:ea typeface="Helvetica Neue"/>
+                <a:cs typeface="Helvetica Neue"/>
+                <a:sym typeface="Helvetica Neue"/>
+              </a:rPr>
+              <a:t> </a:t>
+            </a:r>
+            <a:r>
+              <a:rPr lang="es-ES" sz="3400" b="0" i="0" u="none" dirty="0" err="1">
+                <a:solidFill>
+                  <a:schemeClr val="dk1"/>
+                </a:solidFill>
+                <a:latin typeface="Helvetica Neue" panose="020B0604020202020204" charset="0"/>
+                <a:ea typeface="Helvetica Neue"/>
+                <a:cs typeface="Helvetica Neue"/>
+                <a:sym typeface="Helvetica Neue"/>
+              </a:rPr>
+              <a:t>demostra</a:t>
+            </a:r>
+            <a:r>
+              <a:rPr lang="es-ES" sz="3400" b="0" i="0" u="none" dirty="0">
+                <a:solidFill>
+                  <a:schemeClr val="dk1"/>
+                </a:solidFill>
+                <a:latin typeface="Helvetica Neue" panose="020B0604020202020204" charset="0"/>
+                <a:ea typeface="Helvetica Neue"/>
+                <a:cs typeface="Helvetica Neue"/>
+                <a:sym typeface="Helvetica Neue"/>
+              </a:rPr>
+              <a:t> que la </a:t>
+            </a:r>
+            <a:r>
+              <a:rPr lang="es-ES" sz="3400" b="0" i="0" u="none" dirty="0" err="1">
+                <a:solidFill>
+                  <a:schemeClr val="dk1"/>
+                </a:solidFill>
+                <a:latin typeface="Helvetica Neue" panose="020B0604020202020204" charset="0"/>
+                <a:ea typeface="Helvetica Neue"/>
+                <a:cs typeface="Helvetica Neue"/>
+                <a:sym typeface="Helvetica Neue"/>
+              </a:rPr>
+              <a:t>millora</a:t>
+            </a:r>
+            <a:r>
+              <a:rPr lang="es-ES" sz="3400" b="0" i="0" u="none" dirty="0">
+                <a:solidFill>
+                  <a:schemeClr val="dk1"/>
+                </a:solidFill>
+                <a:latin typeface="Helvetica Neue" panose="020B0604020202020204" charset="0"/>
+                <a:ea typeface="Helvetica Neue"/>
+                <a:cs typeface="Helvetica Neue"/>
+                <a:sym typeface="Helvetica Neue"/>
+              </a:rPr>
+              <a:t> de la IA </a:t>
+            </a:r>
+            <a:r>
+              <a:rPr lang="es-ES" sz="3400" b="0" i="0" u="none" dirty="0" err="1">
+                <a:solidFill>
+                  <a:schemeClr val="dk1"/>
+                </a:solidFill>
+                <a:latin typeface="Helvetica Neue" panose="020B0604020202020204" charset="0"/>
+                <a:ea typeface="Helvetica Neue"/>
+                <a:cs typeface="Helvetica Neue"/>
+                <a:sym typeface="Helvetica Neue"/>
+              </a:rPr>
+              <a:t>fent</a:t>
+            </a:r>
+            <a:r>
+              <a:rPr lang="es-ES" sz="3400" b="0" i="0" u="none" dirty="0">
+                <a:solidFill>
+                  <a:schemeClr val="dk1"/>
+                </a:solidFill>
+                <a:latin typeface="Helvetica Neue" panose="020B0604020202020204" charset="0"/>
+                <a:ea typeface="Helvetica Neue"/>
+                <a:cs typeface="Helvetica Neue"/>
+                <a:sym typeface="Helvetica Neue"/>
+              </a:rPr>
+              <a:t> la tasca </a:t>
+            </a:r>
+            <a:r>
+              <a:rPr lang="es-ES" sz="3400" b="0" i="0" u="none" dirty="0" err="1">
+                <a:solidFill>
+                  <a:schemeClr val="dk1"/>
+                </a:solidFill>
+                <a:latin typeface="Helvetica Neue" panose="020B0604020202020204" charset="0"/>
+                <a:ea typeface="Helvetica Neue"/>
+                <a:cs typeface="Helvetica Neue"/>
+                <a:sym typeface="Helvetica Neue"/>
+              </a:rPr>
+              <a:t>encomanada</a:t>
+            </a:r>
+            <a:r>
+              <a:rPr lang="es-ES" sz="3400" b="0" i="0" u="none" dirty="0">
+                <a:solidFill>
+                  <a:schemeClr val="dk1"/>
+                </a:solidFill>
+                <a:latin typeface="Helvetica Neue" panose="020B0604020202020204" charset="0"/>
+                <a:ea typeface="Helvetica Neue"/>
+                <a:cs typeface="Helvetica Neue"/>
+                <a:sym typeface="Helvetica Neue"/>
+              </a:rPr>
+              <a:t> posada en un </a:t>
+            </a:r>
+            <a:r>
+              <a:rPr lang="es-ES" sz="3400" b="0" i="0" u="none" dirty="0" err="1">
+                <a:solidFill>
+                  <a:schemeClr val="dk1"/>
+                </a:solidFill>
+                <a:latin typeface="Helvetica Neue" panose="020B0604020202020204" charset="0"/>
+                <a:ea typeface="Helvetica Neue"/>
+                <a:cs typeface="Helvetica Neue"/>
+                <a:sym typeface="Helvetica Neue"/>
+              </a:rPr>
+              <a:t>gràfic</a:t>
+            </a:r>
+            <a:r>
+              <a:rPr lang="es-ES" sz="3400" b="0" i="0" u="none" dirty="0">
+                <a:solidFill>
+                  <a:schemeClr val="dk1"/>
+                </a:solidFill>
+                <a:latin typeface="Helvetica Neue" panose="020B0604020202020204" charset="0"/>
+                <a:ea typeface="Helvetica Neue"/>
+                <a:cs typeface="Helvetica Neue"/>
+                <a:sym typeface="Helvetica Neue"/>
+              </a:rPr>
+              <a:t> té una forma </a:t>
+            </a:r>
+            <a:r>
+              <a:rPr lang="es-ES" sz="3400" b="0" i="0" u="none" dirty="0" err="1">
+                <a:solidFill>
+                  <a:schemeClr val="dk1"/>
+                </a:solidFill>
+                <a:latin typeface="Helvetica Neue" panose="020B0604020202020204" charset="0"/>
+                <a:ea typeface="Helvetica Neue"/>
+                <a:cs typeface="Helvetica Neue"/>
+                <a:sym typeface="Helvetica Neue"/>
+              </a:rPr>
+              <a:t>semblant</a:t>
+            </a:r>
+            <a:r>
+              <a:rPr lang="es-ES" sz="3400" b="0" i="0" u="none" dirty="0">
+                <a:solidFill>
+                  <a:schemeClr val="dk1"/>
+                </a:solidFill>
+                <a:latin typeface="Helvetica Neue" panose="020B0604020202020204" charset="0"/>
+                <a:ea typeface="Helvetica Neue"/>
+                <a:cs typeface="Helvetica Neue"/>
+                <a:sym typeface="Helvetica Neue"/>
+              </a:rPr>
+              <a:t> a la </a:t>
+            </a:r>
+            <a:r>
+              <a:rPr lang="es-ES" sz="3400" b="0" i="0" u="none" dirty="0" err="1">
+                <a:solidFill>
+                  <a:schemeClr val="dk1"/>
+                </a:solidFill>
+                <a:latin typeface="Helvetica Neue" panose="020B0604020202020204" charset="0"/>
+                <a:ea typeface="Helvetica Neue"/>
+                <a:cs typeface="Helvetica Neue"/>
+                <a:sym typeface="Helvetica Neue"/>
+              </a:rPr>
+              <a:t>d’una</a:t>
+            </a:r>
+            <a:r>
+              <a:rPr lang="es-ES" sz="3400" b="0" i="0" u="none" dirty="0">
+                <a:solidFill>
+                  <a:schemeClr val="dk1"/>
+                </a:solidFill>
+                <a:latin typeface="Helvetica Neue" panose="020B0604020202020204" charset="0"/>
+                <a:ea typeface="Helvetica Neue"/>
+                <a:cs typeface="Helvetica Neue"/>
+                <a:sym typeface="Helvetica Neue"/>
+              </a:rPr>
+              <a:t> </a:t>
+            </a:r>
+            <a:r>
+              <a:rPr lang="es-ES" sz="3400" b="0" i="0" u="none" dirty="0" err="1">
+                <a:solidFill>
+                  <a:schemeClr val="dk1"/>
+                </a:solidFill>
+                <a:latin typeface="Helvetica Neue" panose="020B0604020202020204" charset="0"/>
+                <a:ea typeface="Helvetica Neue"/>
+                <a:cs typeface="Helvetica Neue"/>
+                <a:sym typeface="Helvetica Neue"/>
+              </a:rPr>
+              <a:t>funció</a:t>
+            </a:r>
+            <a:r>
+              <a:rPr lang="es-ES" sz="3400" b="0" i="0" u="none" dirty="0">
+                <a:solidFill>
+                  <a:schemeClr val="dk1"/>
+                </a:solidFill>
+                <a:latin typeface="Helvetica Neue" panose="020B0604020202020204" charset="0"/>
+                <a:ea typeface="Helvetica Neue"/>
+                <a:cs typeface="Helvetica Neue"/>
+                <a:sym typeface="Helvetica Neue"/>
+              </a:rPr>
+              <a:t> logarítmica. </a:t>
+            </a:r>
+            <a:r>
+              <a:rPr lang="es-ES" sz="3400" b="0" i="0" u="none" dirty="0" err="1">
+                <a:solidFill>
+                  <a:schemeClr val="dk1"/>
+                </a:solidFill>
+                <a:latin typeface="Helvetica Neue" panose="020B0604020202020204" charset="0"/>
+                <a:ea typeface="Helvetica Neue"/>
+                <a:cs typeface="Helvetica Neue"/>
+                <a:sym typeface="Helvetica Neue"/>
+              </a:rPr>
+              <a:t>Això</a:t>
+            </a:r>
+            <a:r>
+              <a:rPr lang="es-ES" sz="3400" b="0" i="0" u="none" dirty="0">
+                <a:solidFill>
+                  <a:schemeClr val="dk1"/>
+                </a:solidFill>
+                <a:latin typeface="Helvetica Neue" panose="020B0604020202020204" charset="0"/>
+                <a:ea typeface="Helvetica Neue"/>
+                <a:cs typeface="Helvetica Neue"/>
+                <a:sym typeface="Helvetica Neue"/>
+              </a:rPr>
+              <a:t> </a:t>
+            </a:r>
+            <a:r>
+              <a:rPr lang="ca-ES" sz="3400" dirty="0">
+                <a:effectLst/>
+                <a:latin typeface="Helvetica Neue" panose="020B0604020202020204" charset="0"/>
+                <a:ea typeface="Aptos" panose="020B0004020202020204" pitchFamily="34" charset="0"/>
+                <a:cs typeface="Arial" panose="020B0604020202020204" pitchFamily="34" charset="0"/>
+              </a:rPr>
+              <a:t>permet predir els ràpids guanys inicials de </a:t>
+            </a:r>
+            <a:r>
+              <a:rPr lang="ca-ES" sz="3400" i="1" dirty="0">
+                <a:effectLst/>
+                <a:latin typeface="Helvetica Neue" panose="020B0604020202020204" charset="0"/>
+                <a:ea typeface="Aptos" panose="020B0004020202020204" pitchFamily="34" charset="0"/>
+                <a:cs typeface="Arial" panose="020B0604020202020204" pitchFamily="34" charset="0"/>
+              </a:rPr>
+              <a:t>fitness</a:t>
+            </a:r>
+            <a:r>
+              <a:rPr lang="ca-ES" sz="3400" dirty="0">
+                <a:effectLst/>
+                <a:latin typeface="Helvetica Neue" panose="020B0604020202020204" charset="0"/>
+                <a:ea typeface="Aptos" panose="020B0004020202020204" pitchFamily="34" charset="0"/>
+                <a:cs typeface="Arial" panose="020B0604020202020204" pitchFamily="34" charset="0"/>
+              </a:rPr>
+              <a:t> seguits d'un altiplà, de manera que es pot determinar quin és el millor moment per aturar l’aprenentatge o afegir nous reptes a l’aprenentatge per obtenir uns millors resultats.</a:t>
+            </a:r>
+            <a:endParaRPr sz="3400" b="0" i="0" u="none" dirty="0">
+              <a:solidFill>
+                <a:schemeClr val="dk1"/>
+              </a:solidFill>
+              <a:latin typeface="Helvetica Neue" panose="020B0604020202020204" charset="0"/>
+              <a:ea typeface="Helvetica Neue"/>
+              <a:cs typeface="Helvetica Neue"/>
+              <a:sym typeface="Helvetica Neue"/>
+            </a:endParaRPr>
+          </a:p>
+        </p:txBody>
+      </p:sp>
+      <p:sp>
+        <p:nvSpPr>
+          <p:cNvPr id="109" name="Google Shape;109;p13"/>
+          <p:cNvSpPr txBox="1"/>
+          <p:nvPr/>
+        </p:nvSpPr>
+        <p:spPr>
+          <a:xfrm>
+            <a:off x="18228365" y="33952070"/>
+            <a:ext cx="11280084" cy="6536381"/>
+          </a:xfrm>
+          <a:prstGeom prst="rect">
+            <a:avLst/>
+          </a:prstGeom>
+          <a:noFill/>
+          <a:ln w="25400" cap="flat" cmpd="sng">
+            <a:solidFill>
+              <a:srgbClr val="A6A6A6"/>
+            </a:solidFill>
+            <a:prstDash val="solid"/>
+            <a:miter lim="800000"/>
+            <a:headEnd type="none" w="sm" len="sm"/>
+            <a:tailEnd type="none" w="sm" len="sm"/>
+          </a:ln>
+        </p:spPr>
+        <p:txBody>
+          <a:bodyPr spcFirstLastPara="1" wrap="square" lIns="91425" tIns="45700" rIns="91425" bIns="45700" anchor="ctr" anchorCtr="0">
+            <a:noAutofit/>
+          </a:bodyPr>
+          <a:lstStyle/>
+          <a:p>
+            <a:pPr algn="just"/>
+            <a:r>
+              <a:rPr lang="ca-ES" sz="4000" b="1" dirty="0">
+                <a:solidFill>
+                  <a:schemeClr val="dk1"/>
+                </a:solidFill>
+                <a:latin typeface="Helvetica Neue"/>
+              </a:rPr>
+              <a:t>Línies de futur</a:t>
+            </a:r>
+          </a:p>
+          <a:p>
+            <a:pPr algn="just"/>
+            <a:r>
+              <a:rPr lang="ca-ES" sz="3400" dirty="0">
+                <a:solidFill>
+                  <a:schemeClr val="dk1"/>
+                </a:solidFill>
+                <a:latin typeface="Helvetica Neue"/>
+              </a:rPr>
+              <a:t>Mirant cap al futur, la recerca realitzada en aquest treball obre la porta a noves línies d'investigació que podrien ampliar aspectes que no s’ha pogut aprofundir o donar-los suficient rellevància, i oferir una continuïtat i ampliació a la recerca fins ara feta. Aspectes com augmentar la complexitat de la IA per resoldre problemes més complexos, millorar la recollida de dades i l’adaptació en forma de mòdul de la IA per poder-la exportar a qualsevol joc serien objectius que plantejarien una continuació de la recerca més extensa.</a:t>
+            </a:r>
+            <a:endParaRPr lang="es-ES" sz="3400" dirty="0">
+              <a:solidFill>
+                <a:schemeClr val="dk1"/>
+              </a:solidFill>
+              <a:latin typeface="Helvetica Neue"/>
+            </a:endParaRPr>
+          </a:p>
+        </p:txBody>
+      </p:sp>
+      <p:sp>
+        <p:nvSpPr>
+          <p:cNvPr id="111" name="Google Shape;111;p13"/>
+          <p:cNvSpPr txBox="1"/>
+          <p:nvPr/>
+        </p:nvSpPr>
+        <p:spPr>
+          <a:xfrm>
+            <a:off x="1571173" y="23694524"/>
+            <a:ext cx="16657192" cy="10257546"/>
+          </a:xfrm>
+          <a:prstGeom prst="rect">
+            <a:avLst/>
+          </a:prstGeom>
+          <a:noFill/>
+          <a:ln w="25400" cap="flat" cmpd="sng">
+            <a:solidFill>
+              <a:srgbClr val="A6A6A6"/>
+            </a:solidFill>
+            <a:prstDash val="solid"/>
+            <a:miter lim="800000"/>
+            <a:headEnd type="none" w="sm" len="sm"/>
+            <a:tailEnd type="none" w="sm" len="sm"/>
+          </a:ln>
+        </p:spPr>
+        <p:txBody>
+          <a:bodyPr spcFirstLastPara="1" wrap="square" lIns="91425" tIns="45700" rIns="91425" bIns="45700" anchor="ctr" anchorCtr="0">
+            <a:noAutofit/>
+          </a:bodyPr>
+          <a:lstStyle/>
+          <a:p>
+            <a:pPr algn="just">
+              <a:lnSpc>
+                <a:spcPct val="115000"/>
+              </a:lnSpc>
+              <a:spcAft>
+                <a:spcPts val="800"/>
+              </a:spcAft>
+            </a:pPr>
+            <a:r>
+              <a:rPr lang="ca-ES" sz="4000" b="1" dirty="0">
+                <a:solidFill>
+                  <a:schemeClr val="dk1"/>
+                </a:solidFill>
+                <a:latin typeface="Helvetica Neue"/>
+              </a:rPr>
+              <a:t>Com afecten les variables a l’aprenentatge</a:t>
             </a:r>
           </a:p>
           <a:p>
@@ -16320,166 +15287,79 @@
               </a:spcAft>
             </a:pPr>
             <a:r>
-              <a:rPr lang="ca-ES" sz="3200" dirty="0">
+              <a:rPr lang="ca-ES" sz="3400" dirty="0">
                 <a:solidFill>
                   <a:schemeClr val="dk1"/>
                 </a:solidFill>
-                <a:highlight>
-                  <a:srgbClr val="00FF00"/>
-                </a:highlight>
+                <a:latin typeface="Helvetica Neue"/>
+              </a:rPr>
+              <a:t>Les diferents combinacions d’inputs, mutacions i poblacions generen diferents comportaments en l’evolució i l’aprenentatge de la xarxa neuronal. A partir de l’estudi realitzat, podem concloure que la xarxa neuronal que aprèn més de pressa és aquella que té només la informació necessària per executar la tasca, aquella amb major població (nombre d’agents que aprenen a cada generació) i segons les mutacions n’hi ha petites diferències, aquella que funciona millor és aquella que modifica la importància de les connexions entre neurones.</a:t>
+            </a:r>
+          </a:p>
+          <a:p>
+            <a:pPr algn="just">
+              <a:lnSpc>
+                <a:spcPct val="115000"/>
+              </a:lnSpc>
+              <a:spcAft>
+                <a:spcPts val="800"/>
+              </a:spcAft>
+            </a:pPr>
+            <a:r>
+              <a:rPr lang="ca-ES" sz="3400" dirty="0">
+                <a:solidFill>
+                  <a:schemeClr val="dk1"/>
+                </a:solidFill>
                 <a:latin typeface="Helvetica Neue"/>
               </a:rPr>
               <a:t>Per exemple, en el cas del </a:t>
             </a:r>
             <a:r>
-              <a:rPr lang="ca-ES" sz="3200" dirty="0" err="1">
+              <a:rPr lang="ca-ES" sz="3400" i="1" dirty="0" err="1">
                 <a:solidFill>
                   <a:schemeClr val="dk1"/>
                 </a:solidFill>
-                <a:highlight>
-                  <a:srgbClr val="00FF00"/>
-                </a:highlight>
                 <a:latin typeface="Helvetica Neue"/>
               </a:rPr>
               <a:t>flappy</a:t>
             </a:r>
             <a:r>
-              <a:rPr lang="ca-ES" sz="3200" dirty="0">
+              <a:rPr lang="ca-ES" sz="3400" i="1" dirty="0">
                 <a:solidFill>
                   <a:schemeClr val="dk1"/>
                 </a:solidFill>
-                <a:highlight>
-                  <a:srgbClr val="00FF00"/>
-                </a:highlight>
                 <a:latin typeface="Helvetica Neue"/>
               </a:rPr>
               <a:t> </a:t>
             </a:r>
             <a:r>
-              <a:rPr lang="ca-ES" sz="3200" dirty="0" err="1">
+              <a:rPr lang="ca-ES" sz="3400" i="1" dirty="0" err="1">
                 <a:solidFill>
                   <a:schemeClr val="dk1"/>
                 </a:solidFill>
-                <a:highlight>
-                  <a:srgbClr val="00FF00"/>
-                </a:highlight>
                 <a:latin typeface="Helvetica Neue"/>
               </a:rPr>
               <a:t>bird</a:t>
             </a:r>
             <a:r>
-              <a:rPr lang="ca-ES" sz="3200" dirty="0">
+              <a:rPr lang="ca-ES" sz="3400" i="1" dirty="0">
                 <a:solidFill>
                   <a:schemeClr val="dk1"/>
                 </a:solidFill>
-                <a:highlight>
-                  <a:srgbClr val="00FF00"/>
-                </a:highlight>
                 <a:latin typeface="Helvetica Neue"/>
               </a:rPr>
-              <a:t> la xarxa neuronal només necessita la relació entre la posició y del forat de l’obstacle i la posició y de l’ocell. En el </a:t>
+              <a:t>, com </a:t>
             </a:r>
             <a:r>
-              <a:rPr lang="ca-ES" sz="3200" dirty="0" err="1">
+              <a:rPr lang="ca-ES" sz="3400" dirty="0">
                 <a:solidFill>
                   <a:schemeClr val="dk1"/>
                 </a:solidFill>
-                <a:highlight>
-                  <a:srgbClr val="00FF00"/>
-                </a:highlight>
                 <a:latin typeface="Helvetica Neue"/>
               </a:rPr>
-              <a:t>seguent</a:t>
+              <a:t>la xarxa neuronal només necessita la relació entre la posició y del forat de l’obstacle i la posició y de l’ocell, serà la informació que donarem. En el següent gràfic (fitness-generació) és mostra com millora la IA amb aquests inputs donats com dues dades diferents, per separat, i aquests inputs donats com una divisió entre la posició y de l’ocell i la posició y del forat de l’obstacle; la població serà de 5 agents per generació per poder veure la diferència de velocitats entre les dues maneres de donar les dades i la mutació que utilitzarem serà la millor, mencionada anteriorment.</a:t>
             </a:r>
-            <a:r>
-              <a:rPr lang="ca-ES" sz="3200" dirty="0">
-                <a:solidFill>
-                  <a:schemeClr val="dk1"/>
-                </a:solidFill>
-                <a:highlight>
-                  <a:srgbClr val="00FF00"/>
-                </a:highlight>
-                <a:latin typeface="Helvetica Neue"/>
-              </a:rPr>
-              <a:t> gràfic (fitness-generació) és mostra com millora la IA amb aquestes dades donades per separat i aquestes dades donades com a una dividint la posició y de l’ocell i la posició y del forat de l’obstacle.</a:t>
-            </a:r>
-          </a:p>
-          <a:p>
-            <a:pPr algn="just">
-              <a:lnSpc>
-                <a:spcPct val="115000"/>
-              </a:lnSpc>
-              <a:spcAft>
-                <a:spcPts val="800"/>
-              </a:spcAft>
-            </a:pPr>
-            <a:r>
-              <a:rPr lang="ca-ES" sz="3200" dirty="0">
-                <a:solidFill>
-                  <a:schemeClr val="dk1"/>
-                </a:solidFill>
-                <a:highlight>
-                  <a:srgbClr val="FF0000"/>
-                </a:highlight>
-                <a:latin typeface="Helvetica Neue"/>
-              </a:rPr>
-              <a:t>a continuació s’explica breument com es comporta la xarxa neuronal depenent de la variació dels paràmetres introduïts.</a:t>
-            </a:r>
-            <a:endParaRPr lang="es-ES" sz="3200" dirty="0">
-              <a:solidFill>
-                <a:schemeClr val="dk1"/>
-              </a:solidFill>
-              <a:highlight>
-                <a:srgbClr val="FF0000"/>
-              </a:highlight>
-              <a:latin typeface="Helvetica Neue"/>
-            </a:endParaRPr>
-          </a:p>
-          <a:p>
-            <a:pPr algn="just">
-              <a:lnSpc>
-                <a:spcPct val="115000"/>
-              </a:lnSpc>
-              <a:spcAft>
-                <a:spcPts val="800"/>
-              </a:spcAft>
-            </a:pPr>
-            <a:r>
-              <a:rPr lang="ca-ES" sz="3200" dirty="0">
-                <a:solidFill>
-                  <a:schemeClr val="dk1"/>
-                </a:solidFill>
-                <a:highlight>
-                  <a:srgbClr val="FF0000"/>
-                </a:highlight>
-                <a:latin typeface="Helvetica Neue"/>
-              </a:rPr>
-              <a:t>Quan la xarxa neuronal té inputs limitats, com PYO o PYF, el seu aprenentatge és ineficient per falta d’informació clau. En canvi, si disposa de la relació entre la posició Y de l’ocell i l’obstacle (PYO-PYF combinats), l’aprenentatge millora notablement gràcies a una menor complexitat. Tanmateix, l’excés d’informació, amb inputs addicionals com PXF o VYO, alenteix el procés, ja que la xarxa ha de descartar dades irrellevants. Les mutacions no estructurals (MNE) són generalment les més eficients, mentre que la mida de la població influeix directament en la velocitat d’aprenentatge: com més gran és la població, més ràpid evoluciona.</a:t>
-            </a:r>
-            <a:endParaRPr lang="es-ES" sz="3200" dirty="0">
-              <a:solidFill>
-                <a:schemeClr val="dk1"/>
-              </a:solidFill>
-              <a:highlight>
-                <a:srgbClr val="FF0000"/>
-              </a:highlight>
-              <a:latin typeface="Helvetica Neue"/>
-            </a:endParaRPr>
-          </a:p>
-          <a:p>
-            <a:pPr marL="0" marR="0" lvl="0" indent="0" algn="l" rtl="0">
-              <a:lnSpc>
-                <a:spcPct val="100000"/>
-              </a:lnSpc>
-              <a:spcBef>
-                <a:spcPts val="0"/>
-              </a:spcBef>
-              <a:spcAft>
-                <a:spcPts val="0"/>
-              </a:spcAft>
-              <a:buNone/>
-            </a:pPr>
-            <a:endParaRPr sz="3200" b="0" i="0" u="none" dirty="0">
+            <a:endParaRPr sz="3400" b="0" i="0" u="none" dirty="0">
               <a:solidFill>
                 <a:schemeClr val="dk1"/>
               </a:solidFill>
@@ -16550,8 +15430,8 @@
         </p:blipFill>
         <p:spPr bwMode="auto">
           <a:xfrm>
-            <a:off x="17478476" y="16769132"/>
-            <a:ext cx="7115074" cy="2438814"/>
+            <a:off x="20086151" y="14084781"/>
+            <a:ext cx="9422298" cy="3229655"/>
           </a:xfrm>
           <a:prstGeom prst="rect">
             <a:avLst/>
@@ -16568,2497 +15448,12 @@
           </a:extLst>
         </p:spPr>
       </p:pic>
-    </p:spTree>
-  </p:cSld>
-  <p:clrMapOvr>
-    <a:masterClrMapping/>
-  </p:clrMapOvr>
-</p:sld>
-</file>
-
-<file path=ppt/slides/slide2.xml><?xml version="1.0" encoding="utf-8"?>
-<p:sld xmlns:a="http://schemas.openxmlformats.org/drawingml/2006/main" xmlns:r="http://schemas.openxmlformats.org/officeDocument/2006/relationships" xmlns:p="http://schemas.openxmlformats.org/presentationml/2006/main">
-  <p:cSld>
-    <p:spTree>
-      <p:nvGrpSpPr>
-        <p:cNvPr id="1" name="Shape 87">
-          <a:extLst>
-            <a:ext uri="{FF2B5EF4-FFF2-40B4-BE49-F238E27FC236}">
-              <a16:creationId xmlns:a16="http://schemas.microsoft.com/office/drawing/2014/main" id="{C3FE7FA1-0FB4-00CF-9B09-EE10DD5D5A13}"/>
-            </a:ext>
-          </a:extLst>
-        </p:cNvPr>
-        <p:cNvGrpSpPr/>
-        <p:nvPr/>
-      </p:nvGrpSpPr>
-      <p:grpSpPr>
-        <a:xfrm>
-          <a:off x="0" y="0"/>
-          <a:ext cx="0" cy="0"/>
-          <a:chOff x="0" y="0"/>
-          <a:chExt cx="0" cy="0"/>
-        </a:xfrm>
-      </p:grpSpPr>
-      <p:grpSp>
-        <p:nvGrpSpPr>
-          <p:cNvPr id="88" name="Google Shape;88;p13">
+      <p:pic>
+        <p:nvPicPr>
+          <p:cNvPr id="2" name="Imatge 1" descr="Imatge que conté captura de pantalla, dibuixos, il·lustració, disseny&#10;&#10;Descripció generada automàticament">
             <a:extLst>
               <a:ext uri="{FF2B5EF4-FFF2-40B4-BE49-F238E27FC236}">
-                <a16:creationId xmlns:a16="http://schemas.microsoft.com/office/drawing/2014/main" id="{C62B713B-3B64-73A2-90DB-F8EBABDBF73E}"/>
-              </a:ext>
-            </a:extLst>
-          </p:cNvPr>
-          <p:cNvGrpSpPr/>
-          <p:nvPr/>
-        </p:nvGrpSpPr>
-        <p:grpSpPr>
-          <a:xfrm>
-            <a:off x="915987" y="831850"/>
-            <a:ext cx="28806776" cy="40705089"/>
-            <a:chOff x="0" y="0"/>
-            <a:chExt cx="2147483647" cy="2147483646"/>
-          </a:xfrm>
-        </p:grpSpPr>
-        <p:grpSp>
-          <p:nvGrpSpPr>
-            <p:cNvPr id="89" name="Google Shape;89;p13">
-              <a:extLst>
-                <a:ext uri="{FF2B5EF4-FFF2-40B4-BE49-F238E27FC236}">
-                  <a16:creationId xmlns:a16="http://schemas.microsoft.com/office/drawing/2014/main" id="{DC066316-FFEC-BD35-37AE-7BB6D60BAF6A}"/>
-                </a:ext>
-              </a:extLst>
-            </p:cNvPr>
-            <p:cNvGrpSpPr/>
-            <p:nvPr/>
-          </p:nvGrpSpPr>
-          <p:grpSpPr>
-            <a:xfrm>
-              <a:off x="0" y="2102676335"/>
-              <a:ext cx="2146300200" cy="44807311"/>
-              <a:chOff x="0" y="0"/>
-              <a:chExt cx="2147483647" cy="2147483647"/>
-            </a:xfrm>
-          </p:grpSpPr>
-          <p:sp>
-            <p:nvSpPr>
-              <p:cNvPr id="90" name="Google Shape;90;p13">
-                <a:extLst>
-                  <a:ext uri="{FF2B5EF4-FFF2-40B4-BE49-F238E27FC236}">
-                    <a16:creationId xmlns:a16="http://schemas.microsoft.com/office/drawing/2014/main" id="{65020926-0D03-EDAF-576A-859F8FB1BD7F}"/>
-                  </a:ext>
-                </a:extLst>
-              </p:cNvPr>
-              <p:cNvSpPr txBox="1"/>
-              <p:nvPr/>
-            </p:nvSpPr>
-            <p:spPr>
-              <a:xfrm>
-                <a:off x="0" y="0"/>
-                <a:ext cx="2147483647" cy="2147483647"/>
-              </a:xfrm>
-              <a:prstGeom prst="rect">
-                <a:avLst/>
-              </a:prstGeom>
-              <a:solidFill>
-                <a:srgbClr val="0061A0"/>
-              </a:solidFill>
-              <a:ln w="9525" cap="flat" cmpd="sng">
-                <a:solidFill>
-                  <a:srgbClr val="BE4B48"/>
-                </a:solidFill>
-                <a:prstDash val="solid"/>
-                <a:miter lim="800000"/>
-                <a:headEnd type="none" w="sm" len="sm"/>
-                <a:tailEnd type="none" w="sm" len="sm"/>
-              </a:ln>
-              <a:effectLst>
-                <a:outerShdw blurRad="63500" dist="23000" dir="5400000">
-                  <a:srgbClr val="808080">
-                    <a:alpha val="34901"/>
-                  </a:srgbClr>
-                </a:outerShdw>
-              </a:effectLst>
-            </p:spPr>
-            <p:txBody>
-              <a:bodyPr spcFirstLastPara="1" wrap="square" lIns="91425" tIns="45700" rIns="91425" bIns="45700" anchor="ctr" anchorCtr="0">
-                <a:noAutofit/>
-              </a:bodyPr>
-              <a:lstStyle/>
-              <a:p>
-                <a:pPr marL="0" marR="0" lvl="0" indent="0" algn="l" rtl="0">
-                  <a:lnSpc>
-                    <a:spcPct val="100000"/>
-                  </a:lnSpc>
-                  <a:spcBef>
-                    <a:spcPts val="0"/>
-                  </a:spcBef>
-                  <a:spcAft>
-                    <a:spcPts val="0"/>
-                  </a:spcAft>
-                  <a:buNone/>
-                </a:pPr>
-                <a:endParaRPr sz="3200" b="0" i="0" u="none">
-                  <a:solidFill>
-                    <a:srgbClr val="416A6E"/>
-                  </a:solidFill>
-                  <a:latin typeface="Helvetica Neue"/>
-                  <a:ea typeface="Helvetica Neue"/>
-                  <a:cs typeface="Helvetica Neue"/>
-                  <a:sym typeface="Helvetica Neue"/>
-                </a:endParaRPr>
-              </a:p>
-            </p:txBody>
-          </p:sp>
-          <p:sp>
-            <p:nvSpPr>
-              <p:cNvPr id="91" name="Google Shape;91;p13">
-                <a:extLst>
-                  <a:ext uri="{FF2B5EF4-FFF2-40B4-BE49-F238E27FC236}">
-                    <a16:creationId xmlns:a16="http://schemas.microsoft.com/office/drawing/2014/main" id="{A29EFD0C-4BAF-7627-FE1B-CFFC998689D2}"/>
-                  </a:ext>
-                </a:extLst>
-              </p:cNvPr>
-              <p:cNvSpPr txBox="1"/>
-              <p:nvPr/>
-            </p:nvSpPr>
-            <p:spPr>
-              <a:xfrm>
-                <a:off x="20249251" y="365267597"/>
-                <a:ext cx="2103432463" cy="1441023210"/>
-              </a:xfrm>
-              <a:prstGeom prst="rect">
-                <a:avLst/>
-              </a:prstGeom>
-              <a:noFill/>
-              <a:ln>
-                <a:noFill/>
-              </a:ln>
-            </p:spPr>
-            <p:txBody>
-              <a:bodyPr spcFirstLastPara="1" wrap="square" lIns="0" tIns="0" rIns="0" bIns="0" anchor="ctr" anchorCtr="0">
-                <a:noAutofit/>
-              </a:bodyPr>
-              <a:lstStyle/>
-              <a:p>
-                <a:pPr lvl="0" algn="ctr">
-                  <a:buClr>
-                    <a:srgbClr val="F2F2F2"/>
-                  </a:buClr>
-                  <a:buSzPts val="3700"/>
-                </a:pPr>
-                <a:r>
-                  <a:rPr lang="en-US" sz="3700" b="1" i="0" u="none" dirty="0" err="1">
-                    <a:solidFill>
-                      <a:srgbClr val="F2F2F2"/>
-                    </a:solidFill>
-                    <a:latin typeface="Helvetica Neue"/>
-                    <a:ea typeface="Helvetica Neue"/>
-                    <a:cs typeface="Helvetica Neue"/>
-                    <a:sym typeface="Helvetica Neue"/>
-                  </a:rPr>
-                  <a:t>Treball</a:t>
-                </a:r>
-                <a:r>
-                  <a:rPr lang="en-US" sz="3700" b="1" i="0" u="none" dirty="0">
-                    <a:solidFill>
-                      <a:srgbClr val="F2F2F2"/>
-                    </a:solidFill>
-                    <a:latin typeface="Helvetica Neue"/>
-                    <a:ea typeface="Helvetica Neue"/>
-                    <a:cs typeface="Helvetica Neue"/>
-                    <a:sym typeface="Helvetica Neue"/>
-                  </a:rPr>
-                  <a:t> de </a:t>
-                </a:r>
-                <a:r>
-                  <a:rPr lang="en-US" sz="3700" b="1" i="0" u="none" dirty="0" err="1">
-                    <a:solidFill>
-                      <a:srgbClr val="F2F2F2"/>
-                    </a:solidFill>
-                    <a:latin typeface="Helvetica Neue"/>
-                    <a:ea typeface="Helvetica Neue"/>
-                    <a:cs typeface="Helvetica Neue"/>
-                    <a:sym typeface="Helvetica Neue"/>
-                  </a:rPr>
-                  <a:t>Recerca</a:t>
-                </a:r>
-                <a:r>
-                  <a:rPr lang="en-US" sz="3700" b="1" i="0" u="none" dirty="0">
-                    <a:solidFill>
-                      <a:srgbClr val="F2F2F2"/>
-                    </a:solidFill>
-                    <a:latin typeface="Helvetica Neue"/>
-                    <a:ea typeface="Helvetica Neue"/>
-                    <a:cs typeface="Helvetica Neue"/>
-                    <a:sym typeface="Helvetica Neue"/>
-                  </a:rPr>
-                  <a:t> de </a:t>
-                </a:r>
-                <a:r>
-                  <a:rPr lang="en-US" sz="3700" b="1" i="0" u="none" dirty="0" err="1">
-                    <a:solidFill>
-                      <a:srgbClr val="F2F2F2"/>
-                    </a:solidFill>
-                    <a:latin typeface="Helvetica Neue"/>
-                    <a:ea typeface="Helvetica Neue"/>
-                    <a:cs typeface="Helvetica Neue"/>
-                    <a:sym typeface="Helvetica Neue"/>
-                  </a:rPr>
-                  <a:t>Batxillerat</a:t>
-                </a:r>
-                <a:r>
-                  <a:rPr lang="en-US" sz="3700" b="1" i="0" u="none" dirty="0">
-                    <a:solidFill>
-                      <a:srgbClr val="F2F2F2"/>
-                    </a:solidFill>
-                    <a:latin typeface="Helvetica Neue"/>
-                    <a:ea typeface="Helvetica Neue"/>
-                    <a:cs typeface="Helvetica Neue"/>
-                    <a:sym typeface="Helvetica Neue"/>
-                  </a:rPr>
-                  <a:t> – </a:t>
-                </a:r>
-                <a:r>
-                  <a:rPr lang="en-US" sz="3700" b="1" dirty="0">
-                    <a:solidFill>
-                      <a:srgbClr val="F2F2F2"/>
-                    </a:solidFill>
-                    <a:latin typeface="Helvetica Neue"/>
-                    <a:ea typeface="Helvetica Neue"/>
-                    <a:cs typeface="Helvetica Neue"/>
-                    <a:sym typeface="Helvetica Neue"/>
-                  </a:rPr>
-                  <a:t>CIC </a:t>
-                </a:r>
-                <a:r>
-                  <a:rPr lang="en-US" sz="3700" b="1" dirty="0" err="1">
-                    <a:solidFill>
-                      <a:srgbClr val="F2F2F2"/>
-                    </a:solidFill>
-                    <a:latin typeface="Helvetica Neue"/>
-                    <a:ea typeface="Helvetica Neue"/>
-                    <a:cs typeface="Helvetica Neue"/>
-                    <a:sym typeface="Helvetica Neue"/>
-                  </a:rPr>
-                  <a:t>Batxillerats</a:t>
-                </a:r>
-                <a:r>
-                  <a:rPr lang="en-US" sz="3700" b="1" dirty="0">
-                    <a:solidFill>
-                      <a:srgbClr val="F2F2F2"/>
-                    </a:solidFill>
-                    <a:latin typeface="Helvetica Neue"/>
-                    <a:ea typeface="Helvetica Neue"/>
-                    <a:cs typeface="Helvetica Neue"/>
-                    <a:sym typeface="Helvetica Neue"/>
-                  </a:rPr>
-                  <a:t> – </a:t>
-                </a:r>
-                <a:r>
-                  <a:rPr lang="en-US" sz="3700" b="1" i="0" u="none" dirty="0">
-                    <a:solidFill>
-                      <a:srgbClr val="F2F2F2"/>
-                    </a:solidFill>
-                    <a:latin typeface="Helvetica Neue"/>
-                    <a:ea typeface="Helvetica Neue"/>
-                    <a:cs typeface="Helvetica Neue"/>
-                    <a:sym typeface="Helvetica Neue"/>
-                  </a:rPr>
-                  <a:t>curs </a:t>
-                </a:r>
-                <a:r>
-                  <a:rPr lang="en-US" sz="3700" b="1" dirty="0">
-                    <a:solidFill>
-                      <a:srgbClr val="F2F2F2"/>
-                    </a:solidFill>
-                    <a:latin typeface="Helvetica Neue"/>
-                    <a:ea typeface="Helvetica Neue"/>
-                    <a:cs typeface="Helvetica Neue"/>
-                    <a:sym typeface="Helvetica Neue"/>
-                  </a:rPr>
-                  <a:t>2024-2025</a:t>
-                </a:r>
-                <a:endParaRPr dirty="0"/>
-              </a:p>
-            </p:txBody>
-          </p:sp>
-        </p:grpSp>
-        <p:grpSp>
-          <p:nvGrpSpPr>
-            <p:cNvPr id="92" name="Google Shape;92;p13">
-              <a:extLst>
-                <a:ext uri="{FF2B5EF4-FFF2-40B4-BE49-F238E27FC236}">
-                  <a16:creationId xmlns:a16="http://schemas.microsoft.com/office/drawing/2014/main" id="{C73AC384-E6FB-D3C9-DD2A-6E282C3F1A0B}"/>
-                </a:ext>
-              </a:extLst>
-            </p:cNvPr>
-            <p:cNvGrpSpPr/>
-            <p:nvPr/>
-          </p:nvGrpSpPr>
-          <p:grpSpPr>
-            <a:xfrm>
-              <a:off x="741311483" y="0"/>
-              <a:ext cx="1406172163" cy="216331288"/>
-              <a:chOff x="0" y="0"/>
-              <a:chExt cx="2147483647" cy="2147483647"/>
-            </a:xfrm>
-          </p:grpSpPr>
-          <p:sp>
-            <p:nvSpPr>
-              <p:cNvPr id="93" name="Google Shape;93;p13">
-                <a:extLst>
-                  <a:ext uri="{FF2B5EF4-FFF2-40B4-BE49-F238E27FC236}">
-                    <a16:creationId xmlns:a16="http://schemas.microsoft.com/office/drawing/2014/main" id="{6D381B56-147D-0B88-8134-2678B0865F2D}"/>
-                  </a:ext>
-                </a:extLst>
-              </p:cNvPr>
-              <p:cNvSpPr txBox="1"/>
-              <p:nvPr/>
-            </p:nvSpPr>
-            <p:spPr>
-              <a:xfrm>
-                <a:off x="0" y="0"/>
-                <a:ext cx="2147483647" cy="2147483647"/>
-              </a:xfrm>
-              <a:prstGeom prst="rect">
-                <a:avLst/>
-              </a:prstGeom>
-              <a:solidFill>
-                <a:srgbClr val="0061A0"/>
-              </a:solidFill>
-              <a:ln>
-                <a:noFill/>
-              </a:ln>
-              <a:effectLst>
-                <a:outerShdw blurRad="63500" dist="23000" dir="5400000">
-                  <a:srgbClr val="808080">
-                    <a:alpha val="34901"/>
-                  </a:srgbClr>
-                </a:outerShdw>
-              </a:effectLst>
-            </p:spPr>
-            <p:txBody>
-              <a:bodyPr spcFirstLastPara="1" wrap="square" lIns="91425" tIns="45700" rIns="91425" bIns="45700" anchor="ctr" anchorCtr="0">
-                <a:noAutofit/>
-              </a:bodyPr>
-              <a:lstStyle/>
-              <a:p>
-                <a:pPr marL="0" marR="0" lvl="0" indent="0" algn="l" rtl="0">
-                  <a:lnSpc>
-                    <a:spcPct val="100000"/>
-                  </a:lnSpc>
-                  <a:spcBef>
-                    <a:spcPts val="0"/>
-                  </a:spcBef>
-                  <a:spcAft>
-                    <a:spcPts val="0"/>
-                  </a:spcAft>
-                  <a:buNone/>
-                </a:pPr>
-                <a:endParaRPr sz="3200" b="0" i="0" u="none">
-                  <a:solidFill>
-                    <a:schemeClr val="dk1"/>
-                  </a:solidFill>
-                  <a:latin typeface="Helvetica Neue"/>
-                  <a:ea typeface="Helvetica Neue"/>
-                  <a:cs typeface="Helvetica Neue"/>
-                  <a:sym typeface="Helvetica Neue"/>
-                </a:endParaRPr>
-              </a:p>
-            </p:txBody>
-          </p:sp>
-          <p:sp>
-            <p:nvSpPr>
-              <p:cNvPr id="94" name="Google Shape;94;p13">
-                <a:extLst>
-                  <a:ext uri="{FF2B5EF4-FFF2-40B4-BE49-F238E27FC236}">
-                    <a16:creationId xmlns:a16="http://schemas.microsoft.com/office/drawing/2014/main" id="{9C9A628D-B146-0DE7-A227-DB5EC6556521}"/>
-                  </a:ext>
-                </a:extLst>
-              </p:cNvPr>
-              <p:cNvSpPr txBox="1"/>
-              <p:nvPr/>
-            </p:nvSpPr>
-            <p:spPr>
-              <a:xfrm>
-                <a:off x="101140370" y="86211424"/>
-                <a:ext cx="1990853500" cy="1773378316"/>
-              </a:xfrm>
-              <a:prstGeom prst="rect">
-                <a:avLst/>
-              </a:prstGeom>
-              <a:noFill/>
-              <a:ln>
-                <a:noFill/>
-              </a:ln>
-            </p:spPr>
-            <p:txBody>
-              <a:bodyPr spcFirstLastPara="1" wrap="square" lIns="91425" tIns="45700" rIns="91425" bIns="45700" anchor="t" anchorCtr="0">
-                <a:noAutofit/>
-              </a:bodyPr>
-              <a:lstStyle/>
-              <a:p>
-                <a:pPr marL="284162" marR="0" lvl="0" indent="0" algn="ctr" rtl="0">
-                  <a:lnSpc>
-                    <a:spcPct val="100000"/>
-                  </a:lnSpc>
-                  <a:spcBef>
-                    <a:spcPts val="0"/>
-                  </a:spcBef>
-                  <a:spcAft>
-                    <a:spcPts val="0"/>
-                  </a:spcAft>
-                  <a:buClr>
-                    <a:srgbClr val="F2F2F2"/>
-                  </a:buClr>
-                  <a:buSzPts val="6000"/>
-                  <a:buFont typeface="Helvetica Neue"/>
-                  <a:buNone/>
-                </a:pPr>
-                <a:r>
-                  <a:rPr lang="en-US" sz="6000" b="1" i="0" u="none" dirty="0">
-                    <a:solidFill>
-                      <a:srgbClr val="F2F2F2"/>
-                    </a:solidFill>
-                    <a:latin typeface="Helvetica Neue"/>
-                    <a:ea typeface="Helvetica Neue"/>
-                    <a:cs typeface="Helvetica Neue"/>
-                    <a:sym typeface="Helvetica Neue"/>
-                  </a:rPr>
-                  <a:t>[TÍTOL DEL TREBALL]</a:t>
-                </a:r>
-                <a:endParaRPr dirty="0"/>
-              </a:p>
-              <a:p>
-                <a:pPr marL="284162" marR="0" lvl="0" indent="0" algn="ctr" rtl="0">
-                  <a:lnSpc>
-                    <a:spcPct val="100000"/>
-                  </a:lnSpc>
-                  <a:spcBef>
-                    <a:spcPts val="0"/>
-                  </a:spcBef>
-                  <a:spcAft>
-                    <a:spcPts val="0"/>
-                  </a:spcAft>
-                  <a:buClr>
-                    <a:srgbClr val="F2F2F2"/>
-                  </a:buClr>
-                  <a:buSzPts val="4600"/>
-                  <a:buFont typeface="Helvetica Neue"/>
-                  <a:buNone/>
-                </a:pPr>
-                <a:r>
-                  <a:rPr lang="en-US" sz="4600" b="1" i="0" u="none" dirty="0">
-                    <a:solidFill>
-                      <a:srgbClr val="F2F2F2"/>
-                    </a:solidFill>
-                    <a:latin typeface="Helvetica Neue"/>
-                    <a:ea typeface="Helvetica Neue"/>
-                    <a:cs typeface="Helvetica Neue"/>
-                    <a:sym typeface="Helvetica Neue"/>
-                  </a:rPr>
-                  <a:t>[</a:t>
-                </a:r>
-                <a:r>
-                  <a:rPr lang="en-US" sz="4600" b="1" i="0" u="none" dirty="0" err="1">
-                    <a:solidFill>
-                      <a:srgbClr val="F2F2F2"/>
-                    </a:solidFill>
-                    <a:latin typeface="Helvetica Neue"/>
-                    <a:ea typeface="Helvetica Neue"/>
-                    <a:cs typeface="Helvetica Neue"/>
-                    <a:sym typeface="Helvetica Neue"/>
-                  </a:rPr>
-                  <a:t>Subtítol</a:t>
-                </a:r>
-                <a:r>
-                  <a:rPr lang="en-US" sz="4600" b="1" i="0" u="none" dirty="0">
-                    <a:solidFill>
-                      <a:srgbClr val="F2F2F2"/>
-                    </a:solidFill>
-                    <a:latin typeface="Helvetica Neue"/>
-                    <a:ea typeface="Helvetica Neue"/>
-                    <a:cs typeface="Helvetica Neue"/>
-                    <a:sym typeface="Helvetica Neue"/>
-                  </a:rPr>
-                  <a:t> del </a:t>
-                </a:r>
-                <a:r>
-                  <a:rPr lang="en-US" sz="4600" b="1" i="0" u="none" dirty="0" err="1">
-                    <a:solidFill>
-                      <a:srgbClr val="F2F2F2"/>
-                    </a:solidFill>
-                    <a:latin typeface="Helvetica Neue"/>
-                    <a:ea typeface="Helvetica Neue"/>
-                    <a:cs typeface="Helvetica Neue"/>
-                    <a:sym typeface="Helvetica Neue"/>
-                  </a:rPr>
-                  <a:t>treball</a:t>
-                </a:r>
-                <a:r>
-                  <a:rPr lang="en-US" sz="4600" b="1" i="0" u="none" dirty="0">
-                    <a:solidFill>
-                      <a:srgbClr val="F2F2F2"/>
-                    </a:solidFill>
-                    <a:latin typeface="Helvetica Neue"/>
-                    <a:ea typeface="Helvetica Neue"/>
-                    <a:cs typeface="Helvetica Neue"/>
-                    <a:sym typeface="Helvetica Neue"/>
-                  </a:rPr>
-                  <a:t>]</a:t>
-                </a:r>
-                <a:endParaRPr dirty="0"/>
-              </a:p>
-              <a:p>
-                <a:pPr marL="284162" marR="0" lvl="0" indent="0" algn="ctr" rtl="0">
-                  <a:lnSpc>
-                    <a:spcPct val="100000"/>
-                  </a:lnSpc>
-                  <a:spcBef>
-                    <a:spcPts val="0"/>
-                  </a:spcBef>
-                  <a:spcAft>
-                    <a:spcPts val="0"/>
-                  </a:spcAft>
-                  <a:buClr>
-                    <a:schemeClr val="dk1"/>
-                  </a:buClr>
-                  <a:buSzPts val="2000"/>
-                  <a:buFont typeface="Helvetica Neue"/>
-                  <a:buNone/>
-                </a:pPr>
-                <a:endParaRPr sz="2000" b="1" i="0" u="none" dirty="0">
-                  <a:solidFill>
-                    <a:srgbClr val="F2F2F2"/>
-                  </a:solidFill>
-                  <a:latin typeface="Helvetica Neue"/>
-                  <a:ea typeface="Helvetica Neue"/>
-                  <a:cs typeface="Helvetica Neue"/>
-                  <a:sym typeface="Helvetica Neue"/>
-                </a:endParaRPr>
-              </a:p>
-              <a:p>
-                <a:pPr marL="284162" marR="0" lvl="0" indent="0" algn="ctr" rtl="0">
-                  <a:lnSpc>
-                    <a:spcPct val="100000"/>
-                  </a:lnSpc>
-                  <a:spcBef>
-                    <a:spcPts val="0"/>
-                  </a:spcBef>
-                  <a:spcAft>
-                    <a:spcPts val="0"/>
-                  </a:spcAft>
-                  <a:buClr>
-                    <a:srgbClr val="F2F2F2"/>
-                  </a:buClr>
-                  <a:buSzPts val="3400"/>
-                  <a:buFont typeface="Helvetica Neue"/>
-                  <a:buNone/>
-                </a:pPr>
-                <a:r>
-                  <a:rPr lang="en-US" sz="3400" b="1" i="0" u="none" dirty="0">
-                    <a:solidFill>
-                      <a:srgbClr val="F2F2F2"/>
-                    </a:solidFill>
-                    <a:latin typeface="Helvetica Neue"/>
-                    <a:ea typeface="Helvetica Neue"/>
-                    <a:cs typeface="Helvetica Neue"/>
-                    <a:sym typeface="Helvetica Neue"/>
-                  </a:rPr>
-                  <a:t>[Nom </a:t>
-                </a:r>
-                <a:r>
-                  <a:rPr lang="en-US" sz="3400" b="1" i="0" u="none" dirty="0" err="1">
-                    <a:solidFill>
-                      <a:srgbClr val="F2F2F2"/>
-                    </a:solidFill>
-                    <a:latin typeface="Helvetica Neue"/>
-                    <a:ea typeface="Helvetica Neue"/>
-                    <a:cs typeface="Helvetica Neue"/>
-                    <a:sym typeface="Helvetica Neue"/>
-                  </a:rPr>
-                  <a:t>i</a:t>
-                </a:r>
-                <a:r>
-                  <a:rPr lang="en-US" sz="3400" b="1" i="0" u="none" dirty="0">
-                    <a:solidFill>
-                      <a:srgbClr val="F2F2F2"/>
-                    </a:solidFill>
-                    <a:latin typeface="Helvetica Neue"/>
-                    <a:ea typeface="Helvetica Neue"/>
-                    <a:cs typeface="Helvetica Neue"/>
-                    <a:sym typeface="Helvetica Neue"/>
-                  </a:rPr>
-                  <a:t> </a:t>
-                </a:r>
-                <a:r>
-                  <a:rPr lang="en-US" sz="3400" b="1" i="0" u="none" dirty="0" err="1">
-                    <a:solidFill>
-                      <a:srgbClr val="F2F2F2"/>
-                    </a:solidFill>
-                    <a:latin typeface="Helvetica Neue"/>
-                    <a:ea typeface="Helvetica Neue"/>
-                    <a:cs typeface="Helvetica Neue"/>
-                    <a:sym typeface="Helvetica Neue"/>
-                  </a:rPr>
-                  <a:t>cognoms</a:t>
-                </a:r>
-                <a:r>
-                  <a:rPr lang="en-US" sz="3400" b="1" i="0" u="none" dirty="0">
-                    <a:solidFill>
-                      <a:srgbClr val="F2F2F2"/>
-                    </a:solidFill>
-                    <a:latin typeface="Helvetica Neue"/>
-                    <a:ea typeface="Helvetica Neue"/>
-                    <a:cs typeface="Helvetica Neue"/>
-                    <a:sym typeface="Helvetica Neue"/>
-                  </a:rPr>
-                  <a:t> de </a:t>
-                </a:r>
-                <a:r>
-                  <a:rPr lang="en-US" sz="3400" b="1" i="0" u="none" dirty="0" err="1">
-                    <a:solidFill>
-                      <a:srgbClr val="F2F2F2"/>
-                    </a:solidFill>
-                    <a:latin typeface="Helvetica Neue"/>
-                    <a:ea typeface="Helvetica Neue"/>
-                    <a:cs typeface="Helvetica Neue"/>
-                    <a:sym typeface="Helvetica Neue"/>
-                  </a:rPr>
-                  <a:t>l’alumne</a:t>
-                </a:r>
-                <a:r>
-                  <a:rPr lang="en-US" sz="3400" b="1" i="0" u="none" dirty="0">
-                    <a:solidFill>
-                      <a:srgbClr val="F2F2F2"/>
-                    </a:solidFill>
-                    <a:latin typeface="Helvetica Neue"/>
-                    <a:ea typeface="Helvetica Neue"/>
-                    <a:cs typeface="Helvetica Neue"/>
-                    <a:sym typeface="Helvetica Neue"/>
-                  </a:rPr>
-                  <a:t>/a]</a:t>
-                </a:r>
-                <a:endParaRPr dirty="0"/>
-              </a:p>
-              <a:p>
-                <a:pPr marL="284162" marR="0" lvl="0" indent="0" algn="ctr" rtl="0">
-                  <a:lnSpc>
-                    <a:spcPct val="100000"/>
-                  </a:lnSpc>
-                  <a:spcBef>
-                    <a:spcPts val="0"/>
-                  </a:spcBef>
-                  <a:spcAft>
-                    <a:spcPts val="0"/>
-                  </a:spcAft>
-                  <a:buClr>
-                    <a:schemeClr val="dk1"/>
-                  </a:buClr>
-                  <a:buSzPts val="2000"/>
-                  <a:buFont typeface="Helvetica Neue"/>
-                  <a:buNone/>
-                </a:pPr>
-                <a:endParaRPr sz="2000" b="1" i="0" u="none" dirty="0">
-                  <a:solidFill>
-                    <a:srgbClr val="F2F2F2"/>
-                  </a:solidFill>
-                  <a:latin typeface="Helvetica Neue"/>
-                  <a:ea typeface="Helvetica Neue"/>
-                  <a:cs typeface="Helvetica Neue"/>
-                  <a:sym typeface="Helvetica Neue"/>
-                </a:endParaRPr>
-              </a:p>
-              <a:p>
-                <a:pPr marL="284162" marR="0" lvl="0" indent="0" algn="ctr" rtl="0">
-                  <a:lnSpc>
-                    <a:spcPct val="100000"/>
-                  </a:lnSpc>
-                  <a:spcBef>
-                    <a:spcPts val="0"/>
-                  </a:spcBef>
-                  <a:spcAft>
-                    <a:spcPts val="0"/>
-                  </a:spcAft>
-                  <a:buClr>
-                    <a:srgbClr val="F2F2F2"/>
-                  </a:buClr>
-                  <a:buSzPts val="3400"/>
-                  <a:buFont typeface="Helvetica Neue"/>
-                  <a:buNone/>
-                </a:pPr>
-                <a:r>
-                  <a:rPr lang="en-US" sz="3400" b="1" i="0" u="none" dirty="0">
-                    <a:solidFill>
-                      <a:srgbClr val="F2F2F2"/>
-                    </a:solidFill>
-                    <a:latin typeface="Helvetica Neue"/>
-                    <a:ea typeface="Helvetica Neue"/>
-                    <a:cs typeface="Helvetica Neue"/>
-                    <a:sym typeface="Helvetica Neue"/>
-                  </a:rPr>
-                  <a:t>Nom </a:t>
-                </a:r>
-                <a:r>
-                  <a:rPr lang="en-US" sz="3400" b="1" i="0" u="none" dirty="0" err="1">
-                    <a:solidFill>
-                      <a:srgbClr val="F2F2F2"/>
-                    </a:solidFill>
-                    <a:latin typeface="Helvetica Neue"/>
-                    <a:ea typeface="Helvetica Neue"/>
-                    <a:cs typeface="Helvetica Neue"/>
-                    <a:sym typeface="Helvetica Neue"/>
-                  </a:rPr>
-                  <a:t>i</a:t>
-                </a:r>
-                <a:r>
-                  <a:rPr lang="en-US" sz="3400" b="1" i="0" u="none" dirty="0">
-                    <a:solidFill>
-                      <a:srgbClr val="F2F2F2"/>
-                    </a:solidFill>
-                    <a:latin typeface="Helvetica Neue"/>
-                    <a:ea typeface="Helvetica Neue"/>
-                    <a:cs typeface="Helvetica Neue"/>
-                    <a:sym typeface="Helvetica Neue"/>
-                  </a:rPr>
-                  <a:t> </a:t>
-                </a:r>
-                <a:r>
-                  <a:rPr lang="en-US" sz="3400" b="1" i="0" u="none" dirty="0" err="1">
-                    <a:solidFill>
-                      <a:srgbClr val="F2F2F2"/>
-                    </a:solidFill>
-                    <a:latin typeface="Helvetica Neue"/>
-                    <a:ea typeface="Helvetica Neue"/>
-                    <a:cs typeface="Helvetica Neue"/>
-                    <a:sym typeface="Helvetica Neue"/>
-                  </a:rPr>
-                  <a:t>població</a:t>
-                </a:r>
-                <a:r>
-                  <a:rPr lang="en-US" sz="3400" b="1" i="0" u="none" dirty="0">
-                    <a:solidFill>
-                      <a:srgbClr val="F2F2F2"/>
-                    </a:solidFill>
-                    <a:latin typeface="Helvetica Neue"/>
-                    <a:ea typeface="Helvetica Neue"/>
-                    <a:cs typeface="Helvetica Neue"/>
-                    <a:sym typeface="Helvetica Neue"/>
-                  </a:rPr>
-                  <a:t> del </a:t>
-                </a:r>
-                <a:r>
-                  <a:rPr lang="en-US" sz="3400" b="1" i="0" u="none" dirty="0" err="1">
-                    <a:solidFill>
-                      <a:srgbClr val="F2F2F2"/>
-                    </a:solidFill>
-                    <a:latin typeface="Helvetica Neue"/>
-                    <a:ea typeface="Helvetica Neue"/>
-                    <a:cs typeface="Helvetica Neue"/>
-                    <a:sym typeface="Helvetica Neue"/>
-                  </a:rPr>
-                  <a:t>centre</a:t>
-                </a:r>
-                <a:endParaRPr dirty="0"/>
-              </a:p>
-            </p:txBody>
-          </p:sp>
-        </p:grpSp>
-      </p:grpSp>
-      <p:sp>
-        <p:nvSpPr>
-          <p:cNvPr id="95" name="Google Shape;95;p13">
-            <a:extLst>
-              <a:ext uri="{FF2B5EF4-FFF2-40B4-BE49-F238E27FC236}">
-                <a16:creationId xmlns:a16="http://schemas.microsoft.com/office/drawing/2014/main" id="{2AB9EA03-EF00-3372-618E-4E4E8205447C}"/>
-              </a:ext>
-            </a:extLst>
-          </p:cNvPr>
-          <p:cNvSpPr txBox="1"/>
-          <p:nvPr/>
-        </p:nvSpPr>
-        <p:spPr>
-          <a:xfrm>
-            <a:off x="0" y="-292100"/>
-            <a:ext cx="184150" cy="584200"/>
-          </a:xfrm>
-          <a:prstGeom prst="rect">
-            <a:avLst/>
-          </a:prstGeom>
-          <a:noFill/>
-          <a:ln>
-            <a:noFill/>
-          </a:ln>
-        </p:spPr>
-        <p:txBody>
-          <a:bodyPr spcFirstLastPara="1" wrap="square" lIns="91375" tIns="45675" rIns="91375" bIns="45675" anchor="ctr" anchorCtr="0">
-            <a:noAutofit/>
-          </a:bodyPr>
-          <a:lstStyle/>
-          <a:p>
-            <a:pPr marL="0" marR="0" lvl="0" indent="0" algn="l" rtl="0">
-              <a:lnSpc>
-                <a:spcPct val="100000"/>
-              </a:lnSpc>
-              <a:spcBef>
-                <a:spcPts val="0"/>
-              </a:spcBef>
-              <a:spcAft>
-                <a:spcPts val="0"/>
-              </a:spcAft>
-              <a:buNone/>
-            </a:pPr>
-            <a:endParaRPr sz="3200" b="0" i="0" u="none">
-              <a:solidFill>
-                <a:schemeClr val="dk1"/>
-              </a:solidFill>
-              <a:latin typeface="Helvetica Neue"/>
-              <a:ea typeface="Helvetica Neue"/>
-              <a:cs typeface="Helvetica Neue"/>
-              <a:sym typeface="Helvetica Neue"/>
-            </a:endParaRPr>
-          </a:p>
-        </p:txBody>
-      </p:sp>
-      <p:sp>
-        <p:nvSpPr>
-          <p:cNvPr id="96" name="Google Shape;96;p13">
-            <a:extLst>
-              <a:ext uri="{FF2B5EF4-FFF2-40B4-BE49-F238E27FC236}">
-                <a16:creationId xmlns:a16="http://schemas.microsoft.com/office/drawing/2014/main" id="{CBD18A64-F893-7F68-A888-6437B495D030}"/>
-              </a:ext>
-            </a:extLst>
-          </p:cNvPr>
-          <p:cNvSpPr txBox="1"/>
-          <p:nvPr/>
-        </p:nvSpPr>
-        <p:spPr>
-          <a:xfrm>
-            <a:off x="0" y="-292100"/>
-            <a:ext cx="184150" cy="584200"/>
-          </a:xfrm>
-          <a:prstGeom prst="rect">
-            <a:avLst/>
-          </a:prstGeom>
-          <a:noFill/>
-          <a:ln>
-            <a:noFill/>
-          </a:ln>
-        </p:spPr>
-        <p:txBody>
-          <a:bodyPr spcFirstLastPara="1" wrap="square" lIns="91375" tIns="45675" rIns="91375" bIns="45675" anchor="ctr" anchorCtr="0">
-            <a:noAutofit/>
-          </a:bodyPr>
-          <a:lstStyle/>
-          <a:p>
-            <a:pPr marL="0" marR="0" lvl="0" indent="0" algn="l" rtl="0">
-              <a:lnSpc>
-                <a:spcPct val="100000"/>
-              </a:lnSpc>
-              <a:spcBef>
-                <a:spcPts val="0"/>
-              </a:spcBef>
-              <a:spcAft>
-                <a:spcPts val="0"/>
-              </a:spcAft>
-              <a:buNone/>
-            </a:pPr>
-            <a:endParaRPr sz="3200" b="0" i="0" u="none">
-              <a:solidFill>
-                <a:schemeClr val="dk1"/>
-              </a:solidFill>
-              <a:latin typeface="Helvetica Neue"/>
-              <a:ea typeface="Helvetica Neue"/>
-              <a:cs typeface="Helvetica Neue"/>
-              <a:sym typeface="Helvetica Neue"/>
-            </a:endParaRPr>
-          </a:p>
-        </p:txBody>
-      </p:sp>
-      <p:sp>
-        <p:nvSpPr>
-          <p:cNvPr id="97" name="Google Shape;97;p13">
-            <a:extLst>
-              <a:ext uri="{FF2B5EF4-FFF2-40B4-BE49-F238E27FC236}">
-                <a16:creationId xmlns:a16="http://schemas.microsoft.com/office/drawing/2014/main" id="{124E539D-9AE3-3F45-7534-A49EDB2F74E3}"/>
-              </a:ext>
-            </a:extLst>
-          </p:cNvPr>
-          <p:cNvSpPr txBox="1"/>
-          <p:nvPr/>
-        </p:nvSpPr>
-        <p:spPr>
-          <a:xfrm>
-            <a:off x="0" y="-292100"/>
-            <a:ext cx="184150" cy="584200"/>
-          </a:xfrm>
-          <a:prstGeom prst="rect">
-            <a:avLst/>
-          </a:prstGeom>
-          <a:noFill/>
-          <a:ln>
-            <a:noFill/>
-          </a:ln>
-        </p:spPr>
-        <p:txBody>
-          <a:bodyPr spcFirstLastPara="1" wrap="square" lIns="91375" tIns="45675" rIns="91375" bIns="45675" anchor="ctr" anchorCtr="0">
-            <a:noAutofit/>
-          </a:bodyPr>
-          <a:lstStyle/>
-          <a:p>
-            <a:pPr marL="0" marR="0" lvl="0" indent="0" algn="l" rtl="0">
-              <a:lnSpc>
-                <a:spcPct val="100000"/>
-              </a:lnSpc>
-              <a:spcBef>
-                <a:spcPts val="0"/>
-              </a:spcBef>
-              <a:spcAft>
-                <a:spcPts val="0"/>
-              </a:spcAft>
-              <a:buNone/>
-            </a:pPr>
-            <a:endParaRPr sz="3200" b="0" i="0" u="none">
-              <a:solidFill>
-                <a:schemeClr val="dk1"/>
-              </a:solidFill>
-              <a:latin typeface="Helvetica Neue"/>
-              <a:ea typeface="Helvetica Neue"/>
-              <a:cs typeface="Helvetica Neue"/>
-              <a:sym typeface="Helvetica Neue"/>
-            </a:endParaRPr>
-          </a:p>
-        </p:txBody>
-      </p:sp>
-      <p:sp>
-        <p:nvSpPr>
-          <p:cNvPr id="98" name="Google Shape;98;p13">
-            <a:extLst>
-              <a:ext uri="{FF2B5EF4-FFF2-40B4-BE49-F238E27FC236}">
-                <a16:creationId xmlns:a16="http://schemas.microsoft.com/office/drawing/2014/main" id="{95A7DAAB-13CE-1A74-0F04-B264A3E37771}"/>
-              </a:ext>
-            </a:extLst>
-          </p:cNvPr>
-          <p:cNvSpPr txBox="1"/>
-          <p:nvPr/>
-        </p:nvSpPr>
-        <p:spPr>
-          <a:xfrm>
-            <a:off x="0" y="-292100"/>
-            <a:ext cx="184150" cy="584200"/>
-          </a:xfrm>
-          <a:prstGeom prst="rect">
-            <a:avLst/>
-          </a:prstGeom>
-          <a:noFill/>
-          <a:ln>
-            <a:noFill/>
-          </a:ln>
-        </p:spPr>
-        <p:txBody>
-          <a:bodyPr spcFirstLastPara="1" wrap="square" lIns="91375" tIns="45675" rIns="91375" bIns="45675" anchor="ctr" anchorCtr="0">
-            <a:noAutofit/>
-          </a:bodyPr>
-          <a:lstStyle/>
-          <a:p>
-            <a:pPr marL="0" marR="0" lvl="0" indent="0" algn="l" rtl="0">
-              <a:lnSpc>
-                <a:spcPct val="100000"/>
-              </a:lnSpc>
-              <a:spcBef>
-                <a:spcPts val="0"/>
-              </a:spcBef>
-              <a:spcAft>
-                <a:spcPts val="0"/>
-              </a:spcAft>
-              <a:buNone/>
-            </a:pPr>
-            <a:endParaRPr sz="3200" b="0" i="0" u="none">
-              <a:solidFill>
-                <a:schemeClr val="dk1"/>
-              </a:solidFill>
-              <a:latin typeface="Helvetica Neue"/>
-              <a:ea typeface="Helvetica Neue"/>
-              <a:cs typeface="Helvetica Neue"/>
-              <a:sym typeface="Helvetica Neue"/>
-            </a:endParaRPr>
-          </a:p>
-        </p:txBody>
-      </p:sp>
-      <p:sp>
-        <p:nvSpPr>
-          <p:cNvPr id="99" name="Google Shape;99;p13">
-            <a:extLst>
-              <a:ext uri="{FF2B5EF4-FFF2-40B4-BE49-F238E27FC236}">
-                <a16:creationId xmlns:a16="http://schemas.microsoft.com/office/drawing/2014/main" id="{34B7747B-72DE-CA14-FFF9-112AA9E9140C}"/>
-              </a:ext>
-            </a:extLst>
-          </p:cNvPr>
-          <p:cNvSpPr txBox="1"/>
-          <p:nvPr/>
-        </p:nvSpPr>
-        <p:spPr>
-          <a:xfrm>
-            <a:off x="0" y="-292100"/>
-            <a:ext cx="184150" cy="584200"/>
-          </a:xfrm>
-          <a:prstGeom prst="rect">
-            <a:avLst/>
-          </a:prstGeom>
-          <a:noFill/>
-          <a:ln>
-            <a:noFill/>
-          </a:ln>
-        </p:spPr>
-        <p:txBody>
-          <a:bodyPr spcFirstLastPara="1" wrap="square" lIns="91375" tIns="45675" rIns="91375" bIns="45675" anchor="ctr" anchorCtr="0">
-            <a:noAutofit/>
-          </a:bodyPr>
-          <a:lstStyle/>
-          <a:p>
-            <a:pPr marL="0" marR="0" lvl="0" indent="0" algn="l" rtl="0">
-              <a:lnSpc>
-                <a:spcPct val="100000"/>
-              </a:lnSpc>
-              <a:spcBef>
-                <a:spcPts val="0"/>
-              </a:spcBef>
-              <a:spcAft>
-                <a:spcPts val="0"/>
-              </a:spcAft>
-              <a:buNone/>
-            </a:pPr>
-            <a:endParaRPr sz="3200" b="0" i="0" u="none">
-              <a:solidFill>
-                <a:schemeClr val="dk1"/>
-              </a:solidFill>
-              <a:latin typeface="Helvetica Neue"/>
-              <a:ea typeface="Helvetica Neue"/>
-              <a:cs typeface="Helvetica Neue"/>
-              <a:sym typeface="Helvetica Neue"/>
-            </a:endParaRPr>
-          </a:p>
-        </p:txBody>
-      </p:sp>
-      <p:sp>
-        <p:nvSpPr>
-          <p:cNvPr id="100" name="Google Shape;100;p13">
-            <a:extLst>
-              <a:ext uri="{FF2B5EF4-FFF2-40B4-BE49-F238E27FC236}">
-                <a16:creationId xmlns:a16="http://schemas.microsoft.com/office/drawing/2014/main" id="{7EC66D82-6FFD-E4B9-3E60-E795AABC90A2}"/>
-              </a:ext>
-            </a:extLst>
-          </p:cNvPr>
-          <p:cNvSpPr txBox="1"/>
-          <p:nvPr/>
-        </p:nvSpPr>
-        <p:spPr>
-          <a:xfrm>
-            <a:off x="0" y="-292100"/>
-            <a:ext cx="184150" cy="584200"/>
-          </a:xfrm>
-          <a:prstGeom prst="rect">
-            <a:avLst/>
-          </a:prstGeom>
-          <a:noFill/>
-          <a:ln>
-            <a:noFill/>
-          </a:ln>
-        </p:spPr>
-        <p:txBody>
-          <a:bodyPr spcFirstLastPara="1" wrap="square" lIns="91375" tIns="45675" rIns="91375" bIns="45675" anchor="ctr" anchorCtr="0">
-            <a:noAutofit/>
-          </a:bodyPr>
-          <a:lstStyle/>
-          <a:p>
-            <a:pPr marL="0" marR="0" lvl="0" indent="0" algn="l" rtl="0">
-              <a:lnSpc>
-                <a:spcPct val="100000"/>
-              </a:lnSpc>
-              <a:spcBef>
-                <a:spcPts val="0"/>
-              </a:spcBef>
-              <a:spcAft>
-                <a:spcPts val="0"/>
-              </a:spcAft>
-              <a:buNone/>
-            </a:pPr>
-            <a:endParaRPr sz="3200" b="0" i="0" u="none">
-              <a:solidFill>
-                <a:schemeClr val="dk1"/>
-              </a:solidFill>
-              <a:latin typeface="Helvetica Neue"/>
-              <a:ea typeface="Helvetica Neue"/>
-              <a:cs typeface="Helvetica Neue"/>
-              <a:sym typeface="Helvetica Neue"/>
-            </a:endParaRPr>
-          </a:p>
-        </p:txBody>
-      </p:sp>
-      <p:sp>
-        <p:nvSpPr>
-          <p:cNvPr id="101" name="Google Shape;101;p13">
-            <a:extLst>
-              <a:ext uri="{FF2B5EF4-FFF2-40B4-BE49-F238E27FC236}">
-                <a16:creationId xmlns:a16="http://schemas.microsoft.com/office/drawing/2014/main" id="{0852990D-2E86-7E66-FE54-B6D469A338BA}"/>
-              </a:ext>
-            </a:extLst>
-          </p:cNvPr>
-          <p:cNvSpPr txBox="1"/>
-          <p:nvPr/>
-        </p:nvSpPr>
-        <p:spPr>
-          <a:xfrm>
-            <a:off x="0" y="-292100"/>
-            <a:ext cx="184150" cy="584200"/>
-          </a:xfrm>
-          <a:prstGeom prst="rect">
-            <a:avLst/>
-          </a:prstGeom>
-          <a:noFill/>
-          <a:ln>
-            <a:noFill/>
-          </a:ln>
-        </p:spPr>
-        <p:txBody>
-          <a:bodyPr spcFirstLastPara="1" wrap="square" lIns="91375" tIns="45675" rIns="91375" bIns="45675" anchor="ctr" anchorCtr="0">
-            <a:noAutofit/>
-          </a:bodyPr>
-          <a:lstStyle/>
-          <a:p>
-            <a:pPr marL="0" marR="0" lvl="0" indent="0" algn="l" rtl="0">
-              <a:lnSpc>
-                <a:spcPct val="100000"/>
-              </a:lnSpc>
-              <a:spcBef>
-                <a:spcPts val="0"/>
-              </a:spcBef>
-              <a:spcAft>
-                <a:spcPts val="0"/>
-              </a:spcAft>
-              <a:buNone/>
-            </a:pPr>
-            <a:endParaRPr sz="3200" b="0" i="0" u="none">
-              <a:solidFill>
-                <a:schemeClr val="dk1"/>
-              </a:solidFill>
-              <a:latin typeface="Helvetica Neue"/>
-              <a:ea typeface="Helvetica Neue"/>
-              <a:cs typeface="Helvetica Neue"/>
-              <a:sym typeface="Helvetica Neue"/>
-            </a:endParaRPr>
-          </a:p>
-        </p:txBody>
-      </p:sp>
-      <p:sp>
-        <p:nvSpPr>
-          <p:cNvPr id="102" name="Google Shape;102;p13">
-            <a:extLst>
-              <a:ext uri="{FF2B5EF4-FFF2-40B4-BE49-F238E27FC236}">
-                <a16:creationId xmlns:a16="http://schemas.microsoft.com/office/drawing/2014/main" id="{A137CAE9-8C57-4B17-390B-27A9734AC13F}"/>
-              </a:ext>
-            </a:extLst>
-          </p:cNvPr>
-          <p:cNvSpPr txBox="1"/>
-          <p:nvPr/>
-        </p:nvSpPr>
-        <p:spPr>
-          <a:xfrm>
-            <a:off x="0" y="-292100"/>
-            <a:ext cx="184150" cy="584200"/>
-          </a:xfrm>
-          <a:prstGeom prst="rect">
-            <a:avLst/>
-          </a:prstGeom>
-          <a:noFill/>
-          <a:ln>
-            <a:noFill/>
-          </a:ln>
-        </p:spPr>
-        <p:txBody>
-          <a:bodyPr spcFirstLastPara="1" wrap="square" lIns="91375" tIns="45675" rIns="91375" bIns="45675" anchor="ctr" anchorCtr="0">
-            <a:noAutofit/>
-          </a:bodyPr>
-          <a:lstStyle/>
-          <a:p>
-            <a:pPr marL="0" marR="0" lvl="0" indent="0" algn="l" rtl="0">
-              <a:lnSpc>
-                <a:spcPct val="100000"/>
-              </a:lnSpc>
-              <a:spcBef>
-                <a:spcPts val="0"/>
-              </a:spcBef>
-              <a:spcAft>
-                <a:spcPts val="0"/>
-              </a:spcAft>
-              <a:buNone/>
-            </a:pPr>
-            <a:endParaRPr sz="3200" b="0" i="0" u="none">
-              <a:solidFill>
-                <a:schemeClr val="dk1"/>
-              </a:solidFill>
-              <a:latin typeface="Helvetica Neue"/>
-              <a:ea typeface="Helvetica Neue"/>
-              <a:cs typeface="Helvetica Neue"/>
-              <a:sym typeface="Helvetica Neue"/>
-            </a:endParaRPr>
-          </a:p>
-        </p:txBody>
-      </p:sp>
-      <p:sp>
-        <p:nvSpPr>
-          <p:cNvPr id="103" name="Google Shape;103;p13">
-            <a:extLst>
-              <a:ext uri="{FF2B5EF4-FFF2-40B4-BE49-F238E27FC236}">
-                <a16:creationId xmlns:a16="http://schemas.microsoft.com/office/drawing/2014/main" id="{454A4042-9AF8-EB81-4B5B-1FEDE9EA7472}"/>
-              </a:ext>
-            </a:extLst>
-          </p:cNvPr>
-          <p:cNvSpPr txBox="1"/>
-          <p:nvPr/>
-        </p:nvSpPr>
-        <p:spPr>
-          <a:xfrm>
-            <a:off x="0" y="-292100"/>
-            <a:ext cx="184150" cy="584200"/>
-          </a:xfrm>
-          <a:prstGeom prst="rect">
-            <a:avLst/>
-          </a:prstGeom>
-          <a:noFill/>
-          <a:ln>
-            <a:noFill/>
-          </a:ln>
-        </p:spPr>
-        <p:txBody>
-          <a:bodyPr spcFirstLastPara="1" wrap="square" lIns="91375" tIns="45675" rIns="91375" bIns="45675" anchor="ctr" anchorCtr="0">
-            <a:noAutofit/>
-          </a:bodyPr>
-          <a:lstStyle/>
-          <a:p>
-            <a:pPr marL="0" marR="0" lvl="0" indent="0" algn="l" rtl="0">
-              <a:lnSpc>
-                <a:spcPct val="100000"/>
-              </a:lnSpc>
-              <a:spcBef>
-                <a:spcPts val="0"/>
-              </a:spcBef>
-              <a:spcAft>
-                <a:spcPts val="0"/>
-              </a:spcAft>
-              <a:buNone/>
-            </a:pPr>
-            <a:endParaRPr sz="3200" b="0" i="0" u="none">
-              <a:solidFill>
-                <a:schemeClr val="dk1"/>
-              </a:solidFill>
-              <a:latin typeface="Helvetica Neue"/>
-              <a:ea typeface="Helvetica Neue"/>
-              <a:cs typeface="Helvetica Neue"/>
-              <a:sym typeface="Helvetica Neue"/>
-            </a:endParaRPr>
-          </a:p>
-        </p:txBody>
-      </p:sp>
-      <p:sp>
-        <p:nvSpPr>
-          <p:cNvPr id="104" name="Google Shape;104;p13">
-            <a:extLst>
-              <a:ext uri="{FF2B5EF4-FFF2-40B4-BE49-F238E27FC236}">
-                <a16:creationId xmlns:a16="http://schemas.microsoft.com/office/drawing/2014/main" id="{0FA5B7AC-027F-E25F-9C42-D1187CC0BC1C}"/>
-              </a:ext>
-            </a:extLst>
-          </p:cNvPr>
-          <p:cNvSpPr txBox="1"/>
-          <p:nvPr/>
-        </p:nvSpPr>
-        <p:spPr>
-          <a:xfrm>
-            <a:off x="946150" y="7219950"/>
-            <a:ext cx="13684250" cy="6340475"/>
-          </a:xfrm>
-          <a:prstGeom prst="rect">
-            <a:avLst/>
-          </a:prstGeom>
-          <a:noFill/>
-          <a:ln w="9525" cap="flat" cmpd="sng">
-            <a:solidFill>
-              <a:schemeClr val="dk1"/>
-            </a:solidFill>
-            <a:prstDash val="solid"/>
-            <a:miter lim="800000"/>
-            <a:headEnd type="none" w="sm" len="sm"/>
-            <a:tailEnd type="none" w="sm" len="sm"/>
-          </a:ln>
-        </p:spPr>
-        <p:txBody>
-          <a:bodyPr spcFirstLastPara="1" wrap="square" lIns="91425" tIns="45700" rIns="91425" bIns="45700" anchor="t" anchorCtr="0">
-            <a:noAutofit/>
-          </a:bodyPr>
-          <a:lstStyle/>
-          <a:p>
-            <a:pPr marL="0" marR="0" lvl="0" indent="0" algn="ctr" rtl="0">
-              <a:lnSpc>
-                <a:spcPct val="100000"/>
-              </a:lnSpc>
-              <a:spcBef>
-                <a:spcPts val="0"/>
-              </a:spcBef>
-              <a:spcAft>
-                <a:spcPts val="0"/>
-              </a:spcAft>
-              <a:buClr>
-                <a:schemeClr val="dk1"/>
-              </a:buClr>
-              <a:buSzPts val="4400"/>
-              <a:buFont typeface="Helvetica Neue"/>
-              <a:buNone/>
-            </a:pPr>
-            <a:r>
-              <a:rPr lang="en-US" sz="4400" b="1" i="0" u="none" dirty="0" err="1">
-                <a:solidFill>
-                  <a:schemeClr val="dk1"/>
-                </a:solidFill>
-                <a:latin typeface="Helvetica Neue"/>
-                <a:ea typeface="Helvetica Neue"/>
-                <a:cs typeface="Helvetica Neue"/>
-                <a:sym typeface="Helvetica Neue"/>
-              </a:rPr>
-              <a:t>Helvètica</a:t>
-            </a:r>
-            <a:r>
-              <a:rPr lang="en-US" sz="4400" b="1" i="0" u="none" dirty="0">
-                <a:solidFill>
-                  <a:schemeClr val="dk1"/>
-                </a:solidFill>
-                <a:latin typeface="Helvetica Neue"/>
-                <a:ea typeface="Helvetica Neue"/>
-                <a:cs typeface="Helvetica Neue"/>
-                <a:sym typeface="Helvetica Neue"/>
-              </a:rPr>
-              <a:t>- cos de </a:t>
-            </a:r>
-            <a:r>
-              <a:rPr lang="en-US" sz="4400" b="1" i="0" u="none" dirty="0" err="1">
-                <a:solidFill>
-                  <a:schemeClr val="dk1"/>
-                </a:solidFill>
-                <a:latin typeface="Helvetica Neue"/>
-                <a:ea typeface="Helvetica Neue"/>
-                <a:cs typeface="Helvetica Neue"/>
-                <a:sym typeface="Helvetica Neue"/>
-              </a:rPr>
-              <a:t>lletra</a:t>
-            </a:r>
-            <a:r>
-              <a:rPr lang="en-US" sz="4400" b="1" i="0" u="none" dirty="0">
-                <a:solidFill>
-                  <a:schemeClr val="dk1"/>
-                </a:solidFill>
-                <a:latin typeface="Helvetica Neue"/>
-                <a:ea typeface="Helvetica Neue"/>
-                <a:cs typeface="Helvetica Neue"/>
-                <a:sym typeface="Helvetica Neue"/>
-              </a:rPr>
-              <a:t>:</a:t>
-            </a:r>
-            <a:endParaRPr dirty="0"/>
-          </a:p>
-          <a:p>
-            <a:pPr marL="0" marR="0" lvl="0" indent="0" algn="ctr" rtl="0">
-              <a:lnSpc>
-                <a:spcPct val="100000"/>
-              </a:lnSpc>
-              <a:spcBef>
-                <a:spcPts val="0"/>
-              </a:spcBef>
-              <a:spcAft>
-                <a:spcPts val="0"/>
-              </a:spcAft>
-              <a:buClr>
-                <a:schemeClr val="dk1"/>
-              </a:buClr>
-              <a:buSzPts val="4400"/>
-              <a:buFont typeface="Helvetica Neue"/>
-              <a:buNone/>
-            </a:pPr>
-            <a:endParaRPr sz="4400" b="1" i="0" u="none" dirty="0">
-              <a:solidFill>
-                <a:schemeClr val="dk1"/>
-              </a:solidFill>
-              <a:latin typeface="Helvetica Neue"/>
-              <a:ea typeface="Helvetica Neue"/>
-              <a:cs typeface="Helvetica Neue"/>
-              <a:sym typeface="Helvetica Neue"/>
-            </a:endParaRPr>
-          </a:p>
-          <a:p>
-            <a:pPr marL="0" marR="0" lvl="0" indent="0" algn="ctr" rtl="0">
-              <a:lnSpc>
-                <a:spcPct val="100000"/>
-              </a:lnSpc>
-              <a:spcBef>
-                <a:spcPts val="0"/>
-              </a:spcBef>
-              <a:spcAft>
-                <a:spcPts val="0"/>
-              </a:spcAft>
-              <a:buClr>
-                <a:schemeClr val="dk1"/>
-              </a:buClr>
-              <a:buSzPts val="4400"/>
-              <a:buFont typeface="Helvetica Neue"/>
-              <a:buNone/>
-            </a:pPr>
-            <a:r>
-              <a:rPr lang="en-US" sz="4400" b="1" i="0" u="none" dirty="0">
-                <a:solidFill>
-                  <a:schemeClr val="dk1"/>
-                </a:solidFill>
-                <a:latin typeface="Helvetica Neue"/>
-                <a:ea typeface="Helvetica Neue"/>
-                <a:cs typeface="Helvetica Neue"/>
-                <a:sym typeface="Helvetica Neue"/>
-              </a:rPr>
-              <a:t>TÍTOL 1 (44)</a:t>
-            </a:r>
-            <a:endParaRPr dirty="0"/>
-          </a:p>
-          <a:p>
-            <a:pPr marL="0" marR="0" lvl="0" indent="0" algn="ctr" rtl="0">
-              <a:lnSpc>
-                <a:spcPct val="100000"/>
-              </a:lnSpc>
-              <a:spcBef>
-                <a:spcPts val="0"/>
-              </a:spcBef>
-              <a:spcAft>
-                <a:spcPts val="0"/>
-              </a:spcAft>
-              <a:buClr>
-                <a:schemeClr val="dk1"/>
-              </a:buClr>
-              <a:buSzPts val="4000"/>
-              <a:buFont typeface="Helvetica Neue"/>
-              <a:buNone/>
-            </a:pPr>
-            <a:r>
-              <a:rPr lang="en-US" sz="4000" b="1" i="0" u="none" dirty="0">
-                <a:solidFill>
-                  <a:schemeClr val="dk1"/>
-                </a:solidFill>
-                <a:latin typeface="Helvetica Neue"/>
-                <a:ea typeface="Helvetica Neue"/>
-                <a:cs typeface="Helvetica Neue"/>
-                <a:sym typeface="Helvetica Neue"/>
-              </a:rPr>
-              <a:t>TÍTOL 2 (40)</a:t>
-            </a:r>
-            <a:endParaRPr dirty="0"/>
-          </a:p>
-          <a:p>
-            <a:pPr marL="0" marR="0" lvl="0" indent="0" algn="ctr" rtl="0">
-              <a:lnSpc>
-                <a:spcPct val="100000"/>
-              </a:lnSpc>
-              <a:spcBef>
-                <a:spcPts val="0"/>
-              </a:spcBef>
-              <a:spcAft>
-                <a:spcPts val="0"/>
-              </a:spcAft>
-              <a:buClr>
-                <a:schemeClr val="dk1"/>
-              </a:buClr>
-              <a:buSzPts val="4000"/>
-              <a:buFont typeface="Helvetica Neue"/>
-              <a:buNone/>
-            </a:pPr>
-            <a:endParaRPr sz="4000" b="1" i="0" u="none" dirty="0">
-              <a:solidFill>
-                <a:schemeClr val="dk1"/>
-              </a:solidFill>
-              <a:latin typeface="Helvetica Neue"/>
-              <a:ea typeface="Helvetica Neue"/>
-              <a:cs typeface="Helvetica Neue"/>
-              <a:sym typeface="Helvetica Neue"/>
-            </a:endParaRPr>
-          </a:p>
-          <a:p>
-            <a:pPr marL="0" marR="0" lvl="0" indent="0" algn="ctr" rtl="0">
-              <a:lnSpc>
-                <a:spcPct val="100000"/>
-              </a:lnSpc>
-              <a:spcBef>
-                <a:spcPts val="0"/>
-              </a:spcBef>
-              <a:spcAft>
-                <a:spcPts val="0"/>
-              </a:spcAft>
-              <a:buClr>
-                <a:schemeClr val="dk1"/>
-              </a:buClr>
-              <a:buSzPts val="3400"/>
-              <a:buFont typeface="Helvetica Neue"/>
-              <a:buNone/>
-            </a:pPr>
-            <a:r>
-              <a:rPr lang="en-US" sz="3400" b="1" i="0" u="none" dirty="0">
-                <a:solidFill>
-                  <a:schemeClr val="dk1"/>
-                </a:solidFill>
-                <a:latin typeface="Helvetica Neue"/>
-                <a:ea typeface="Helvetica Neue"/>
-                <a:cs typeface="Helvetica Neue"/>
-                <a:sym typeface="Helvetica Neue"/>
-              </a:rPr>
-              <a:t>Text 1 (34)</a:t>
-            </a:r>
-            <a:endParaRPr dirty="0"/>
-          </a:p>
-          <a:p>
-            <a:pPr marL="0" marR="0" lvl="0" indent="0" algn="ctr" rtl="0">
-              <a:lnSpc>
-                <a:spcPct val="100000"/>
-              </a:lnSpc>
-              <a:spcBef>
-                <a:spcPts val="0"/>
-              </a:spcBef>
-              <a:spcAft>
-                <a:spcPts val="0"/>
-              </a:spcAft>
-              <a:buClr>
-                <a:schemeClr val="dk1"/>
-              </a:buClr>
-              <a:buSzPts val="3200"/>
-              <a:buFont typeface="Helvetica Neue"/>
-              <a:buNone/>
-            </a:pPr>
-            <a:r>
-              <a:rPr lang="en-US" sz="3200" b="1" i="0" u="none" dirty="0">
-                <a:solidFill>
-                  <a:schemeClr val="dk1"/>
-                </a:solidFill>
-                <a:latin typeface="Helvetica Neue"/>
-                <a:ea typeface="Helvetica Neue"/>
-                <a:cs typeface="Helvetica Neue"/>
-                <a:sym typeface="Helvetica Neue"/>
-              </a:rPr>
-              <a:t>Text 2 (32)</a:t>
-            </a:r>
-            <a:endParaRPr dirty="0"/>
-          </a:p>
-          <a:p>
-            <a:pPr marL="0" marR="0" lvl="0" indent="0" algn="ctr" rtl="0">
-              <a:lnSpc>
-                <a:spcPct val="100000"/>
-              </a:lnSpc>
-              <a:spcBef>
-                <a:spcPts val="0"/>
-              </a:spcBef>
-              <a:spcAft>
-                <a:spcPts val="0"/>
-              </a:spcAft>
-              <a:buClr>
-                <a:schemeClr val="dk1"/>
-              </a:buClr>
-              <a:buSzPts val="3200"/>
-              <a:buFont typeface="Helvetica Neue"/>
-              <a:buNone/>
-            </a:pPr>
-            <a:endParaRPr sz="3200" b="1" i="0" u="none" dirty="0">
-              <a:solidFill>
-                <a:schemeClr val="dk1"/>
-              </a:solidFill>
-              <a:latin typeface="Helvetica Neue"/>
-              <a:ea typeface="Helvetica Neue"/>
-              <a:cs typeface="Helvetica Neue"/>
-              <a:sym typeface="Helvetica Neue"/>
-            </a:endParaRPr>
-          </a:p>
-          <a:p>
-            <a:pPr marL="0" marR="0" lvl="0" indent="0" algn="ctr" rtl="0">
-              <a:lnSpc>
-                <a:spcPct val="100000"/>
-              </a:lnSpc>
-              <a:spcBef>
-                <a:spcPts val="0"/>
-              </a:spcBef>
-              <a:spcAft>
-                <a:spcPts val="0"/>
-              </a:spcAft>
-              <a:buClr>
-                <a:schemeClr val="dk1"/>
-              </a:buClr>
-              <a:buSzPts val="3200"/>
-              <a:buFont typeface="Helvetica Neue"/>
-              <a:buNone/>
-            </a:pPr>
-            <a:r>
-              <a:rPr lang="en-US" sz="3200" b="1" i="0" u="none" dirty="0" err="1">
-                <a:solidFill>
-                  <a:schemeClr val="dk1"/>
-                </a:solidFill>
-                <a:latin typeface="Helvetica Neue"/>
-                <a:ea typeface="Helvetica Neue"/>
-                <a:cs typeface="Helvetica Neue"/>
-                <a:sym typeface="Helvetica Neue"/>
-              </a:rPr>
-              <a:t>Els</a:t>
-            </a:r>
-            <a:r>
-              <a:rPr lang="en-US" sz="3200" b="1" i="0" u="none" dirty="0">
-                <a:solidFill>
-                  <a:schemeClr val="dk1"/>
-                </a:solidFill>
-                <a:latin typeface="Helvetica Neue"/>
-                <a:ea typeface="Helvetica Neue"/>
-                <a:cs typeface="Helvetica Neue"/>
-                <a:sym typeface="Helvetica Neue"/>
-              </a:rPr>
-              <a:t> </a:t>
-            </a:r>
-            <a:r>
-              <a:rPr lang="en-US" sz="3200" b="1" i="0" u="none" dirty="0" err="1">
-                <a:solidFill>
-                  <a:schemeClr val="dk1"/>
-                </a:solidFill>
-                <a:latin typeface="Helvetica Neue"/>
-                <a:ea typeface="Helvetica Neue"/>
-                <a:cs typeface="Helvetica Neue"/>
-                <a:sym typeface="Helvetica Neue"/>
-              </a:rPr>
-              <a:t>quadres</a:t>
-            </a:r>
-            <a:r>
-              <a:rPr lang="en-US" sz="3200" b="1" i="0" u="none" dirty="0">
-                <a:solidFill>
-                  <a:schemeClr val="dk1"/>
-                </a:solidFill>
-                <a:latin typeface="Helvetica Neue"/>
-                <a:ea typeface="Helvetica Neue"/>
-                <a:cs typeface="Helvetica Neue"/>
-                <a:sym typeface="Helvetica Neue"/>
-              </a:rPr>
-              <a:t> I el format </a:t>
-            </a:r>
-            <a:r>
-              <a:rPr lang="en-US" sz="3200" b="1" i="0" u="none" dirty="0" err="1">
-                <a:solidFill>
-                  <a:schemeClr val="dk1"/>
-                </a:solidFill>
-                <a:latin typeface="Helvetica Neue"/>
-                <a:ea typeface="Helvetica Neue"/>
-                <a:cs typeface="Helvetica Neue"/>
-                <a:sym typeface="Helvetica Neue"/>
-              </a:rPr>
-              <a:t>mostrats</a:t>
-            </a:r>
-            <a:r>
-              <a:rPr lang="en-US" sz="3200" b="1" i="0" u="none" dirty="0">
-                <a:solidFill>
-                  <a:schemeClr val="dk1"/>
-                </a:solidFill>
-                <a:latin typeface="Helvetica Neue"/>
-                <a:ea typeface="Helvetica Neue"/>
-                <a:cs typeface="Helvetica Neue"/>
-                <a:sym typeface="Helvetica Neue"/>
-              </a:rPr>
-              <a:t> </a:t>
-            </a:r>
-            <a:r>
-              <a:rPr lang="en-US" sz="3200" b="1" i="0" u="none" dirty="0" err="1">
-                <a:solidFill>
-                  <a:schemeClr val="dk1"/>
-                </a:solidFill>
-                <a:latin typeface="Helvetica Neue"/>
-                <a:ea typeface="Helvetica Neue"/>
-                <a:cs typeface="Helvetica Neue"/>
-                <a:sym typeface="Helvetica Neue"/>
-              </a:rPr>
-              <a:t>són</a:t>
-            </a:r>
-            <a:r>
-              <a:rPr lang="en-US" sz="3200" b="1" i="0" u="none" dirty="0">
-                <a:solidFill>
-                  <a:schemeClr val="dk1"/>
-                </a:solidFill>
-                <a:latin typeface="Helvetica Neue"/>
-                <a:ea typeface="Helvetica Neue"/>
-                <a:cs typeface="Helvetica Neue"/>
-                <a:sym typeface="Helvetica Neue"/>
-              </a:rPr>
-              <a:t> </a:t>
-            </a:r>
-            <a:r>
-              <a:rPr lang="en-US" sz="3200" b="1" i="0" u="none" dirty="0" err="1">
-                <a:solidFill>
-                  <a:schemeClr val="dk1"/>
-                </a:solidFill>
-                <a:latin typeface="Helvetica Neue"/>
-                <a:ea typeface="Helvetica Neue"/>
-                <a:cs typeface="Helvetica Neue"/>
-                <a:sym typeface="Helvetica Neue"/>
-              </a:rPr>
-              <a:t>només</a:t>
-            </a:r>
-            <a:r>
-              <a:rPr lang="en-US" sz="3200" b="1" i="0" u="none" dirty="0">
-                <a:solidFill>
-                  <a:schemeClr val="dk1"/>
-                </a:solidFill>
-                <a:latin typeface="Helvetica Neue"/>
-                <a:ea typeface="Helvetica Neue"/>
-                <a:cs typeface="Helvetica Neue"/>
-                <a:sym typeface="Helvetica Neue"/>
-              </a:rPr>
-              <a:t> un </a:t>
-            </a:r>
-            <a:r>
-              <a:rPr lang="en-US" sz="3200" b="1" i="0" u="none" dirty="0" err="1">
-                <a:solidFill>
-                  <a:schemeClr val="dk1"/>
-                </a:solidFill>
-                <a:latin typeface="Helvetica Neue"/>
-                <a:ea typeface="Helvetica Neue"/>
-                <a:cs typeface="Helvetica Neue"/>
-                <a:sym typeface="Helvetica Neue"/>
-              </a:rPr>
-              <a:t>exemple</a:t>
-            </a:r>
-            <a:r>
-              <a:rPr lang="en-US" sz="3200" b="1" i="0" u="none" dirty="0">
-                <a:solidFill>
-                  <a:schemeClr val="dk1"/>
-                </a:solidFill>
-                <a:latin typeface="Helvetica Neue"/>
-                <a:ea typeface="Helvetica Neue"/>
-                <a:cs typeface="Helvetica Neue"/>
-                <a:sym typeface="Helvetica Neue"/>
-              </a:rPr>
-              <a:t> </a:t>
-            </a:r>
-            <a:r>
-              <a:rPr lang="en-US" sz="3200" b="1" i="0" u="none" dirty="0" err="1">
-                <a:solidFill>
-                  <a:schemeClr val="dk1"/>
-                </a:solidFill>
-                <a:latin typeface="Helvetica Neue"/>
-                <a:ea typeface="Helvetica Neue"/>
-                <a:cs typeface="Helvetica Neue"/>
-                <a:sym typeface="Helvetica Neue"/>
-              </a:rPr>
-              <a:t>orientatiu</a:t>
-            </a:r>
-            <a:r>
-              <a:rPr lang="en-US" sz="3200" b="1" i="0" u="none" dirty="0">
-                <a:solidFill>
-                  <a:schemeClr val="dk1"/>
-                </a:solidFill>
-                <a:latin typeface="Helvetica Neue"/>
-                <a:ea typeface="Helvetica Neue"/>
-                <a:cs typeface="Helvetica Neue"/>
-                <a:sym typeface="Helvetica Neue"/>
-              </a:rPr>
-              <a:t>.</a:t>
-            </a:r>
-            <a:endParaRPr dirty="0"/>
-          </a:p>
-          <a:p>
-            <a:pPr marL="0" marR="0" lvl="0" indent="0" algn="ctr" rtl="0">
-              <a:lnSpc>
-                <a:spcPct val="100000"/>
-              </a:lnSpc>
-              <a:spcBef>
-                <a:spcPts val="0"/>
-              </a:spcBef>
-              <a:spcAft>
-                <a:spcPts val="0"/>
-              </a:spcAft>
-              <a:buClr>
-                <a:schemeClr val="dk1"/>
-              </a:buClr>
-              <a:buSzPts val="3200"/>
-              <a:buFont typeface="Helvetica Neue"/>
-              <a:buNone/>
-            </a:pPr>
-            <a:r>
-              <a:rPr lang="en-US" sz="3200" b="1" i="0" u="none" dirty="0" err="1">
-                <a:solidFill>
-                  <a:schemeClr val="dk1"/>
-                </a:solidFill>
-                <a:latin typeface="Helvetica Neue"/>
-                <a:ea typeface="Helvetica Neue"/>
-                <a:cs typeface="Helvetica Neue"/>
-                <a:sym typeface="Helvetica Neue"/>
-              </a:rPr>
-              <a:t>Elimineu</a:t>
-            </a:r>
-            <a:r>
-              <a:rPr lang="en-US" sz="3200" b="1" i="0" u="none" dirty="0">
-                <a:solidFill>
-                  <a:schemeClr val="dk1"/>
-                </a:solidFill>
-                <a:latin typeface="Helvetica Neue"/>
-                <a:ea typeface="Helvetica Neue"/>
-                <a:cs typeface="Helvetica Neue"/>
-                <a:sym typeface="Helvetica Neue"/>
-              </a:rPr>
-              <a:t> </a:t>
-            </a:r>
-            <a:r>
-              <a:rPr lang="en-US" sz="3200" b="1" i="0" u="none" dirty="0" err="1">
-                <a:solidFill>
-                  <a:schemeClr val="dk1"/>
-                </a:solidFill>
-                <a:latin typeface="Helvetica Neue"/>
-                <a:ea typeface="Helvetica Neue"/>
-                <a:cs typeface="Helvetica Neue"/>
-                <a:sym typeface="Helvetica Neue"/>
-              </a:rPr>
-              <a:t>aquest</a:t>
-            </a:r>
-            <a:r>
-              <a:rPr lang="en-US" sz="3200" b="1" i="0" u="none" dirty="0">
-                <a:solidFill>
-                  <a:schemeClr val="dk1"/>
-                </a:solidFill>
-                <a:latin typeface="Helvetica Neue"/>
-                <a:ea typeface="Helvetica Neue"/>
-                <a:cs typeface="Helvetica Neue"/>
-                <a:sym typeface="Helvetica Neue"/>
-              </a:rPr>
-              <a:t> </a:t>
-            </a:r>
-            <a:r>
-              <a:rPr lang="en-US" sz="3200" b="1" i="0" u="none" dirty="0" err="1">
-                <a:solidFill>
-                  <a:schemeClr val="dk1"/>
-                </a:solidFill>
-                <a:latin typeface="Helvetica Neue"/>
-                <a:ea typeface="Helvetica Neue"/>
-                <a:cs typeface="Helvetica Neue"/>
-                <a:sym typeface="Helvetica Neue"/>
-              </a:rPr>
-              <a:t>quadre</a:t>
-            </a:r>
-            <a:r>
-              <a:rPr lang="en-US" sz="3200" b="1" i="0" u="none" dirty="0">
-                <a:solidFill>
-                  <a:schemeClr val="dk1"/>
-                </a:solidFill>
-                <a:latin typeface="Helvetica Neue"/>
-                <a:ea typeface="Helvetica Neue"/>
-                <a:cs typeface="Helvetica Neue"/>
-                <a:sym typeface="Helvetica Neue"/>
-              </a:rPr>
-              <a:t> de text </a:t>
-            </a:r>
-            <a:r>
-              <a:rPr lang="en-US" sz="3200" b="1" i="0" u="none" dirty="0" err="1">
-                <a:solidFill>
-                  <a:schemeClr val="dk1"/>
-                </a:solidFill>
-                <a:latin typeface="Helvetica Neue"/>
-                <a:ea typeface="Helvetica Neue"/>
-                <a:cs typeface="Helvetica Neue"/>
-                <a:sym typeface="Helvetica Neue"/>
-              </a:rPr>
-              <a:t>i</a:t>
-            </a:r>
-            <a:r>
-              <a:rPr lang="en-US" sz="3200" b="1" i="0" u="none" dirty="0">
-                <a:solidFill>
-                  <a:schemeClr val="dk1"/>
-                </a:solidFill>
-                <a:latin typeface="Helvetica Neue"/>
-                <a:ea typeface="Helvetica Neue"/>
-                <a:cs typeface="Helvetica Neue"/>
-                <a:sym typeface="Helvetica Neue"/>
-              </a:rPr>
-              <a:t> </a:t>
-            </a:r>
-            <a:r>
-              <a:rPr lang="en-US" sz="3200" b="1" i="0" u="none" dirty="0" err="1">
-                <a:solidFill>
-                  <a:schemeClr val="dk1"/>
-                </a:solidFill>
-                <a:latin typeface="Helvetica Neue"/>
-                <a:ea typeface="Helvetica Neue"/>
-                <a:cs typeface="Helvetica Neue"/>
-                <a:sym typeface="Helvetica Neue"/>
-              </a:rPr>
-              <a:t>els</a:t>
-            </a:r>
-            <a:r>
-              <a:rPr lang="en-US" sz="3200" b="1" i="0" u="none" dirty="0">
-                <a:solidFill>
-                  <a:schemeClr val="dk1"/>
-                </a:solidFill>
-                <a:latin typeface="Helvetica Neue"/>
-                <a:ea typeface="Helvetica Neue"/>
-                <a:cs typeface="Helvetica Neue"/>
-                <a:sym typeface="Helvetica Neue"/>
-              </a:rPr>
-              <a:t> de </a:t>
-            </a:r>
-            <a:r>
-              <a:rPr lang="en-US" sz="3200" b="1" i="0" u="none" dirty="0" err="1">
-                <a:solidFill>
-                  <a:schemeClr val="dk1"/>
-                </a:solidFill>
-                <a:latin typeface="Helvetica Neue"/>
-                <a:ea typeface="Helvetica Neue"/>
-                <a:cs typeface="Helvetica Neue"/>
-                <a:sym typeface="Helvetica Neue"/>
-              </a:rPr>
-              <a:t>contorn</a:t>
-            </a:r>
-            <a:r>
-              <a:rPr lang="en-US" sz="3200" b="1" i="0" u="none" dirty="0">
-                <a:solidFill>
-                  <a:schemeClr val="dk1"/>
-                </a:solidFill>
-                <a:latin typeface="Helvetica Neue"/>
-                <a:ea typeface="Helvetica Neue"/>
-                <a:cs typeface="Helvetica Neue"/>
-                <a:sym typeface="Helvetica Neue"/>
-              </a:rPr>
-              <a:t> </a:t>
-            </a:r>
-            <a:r>
-              <a:rPr lang="en-US" sz="3200" b="1" i="0" u="none" dirty="0" err="1">
-                <a:solidFill>
-                  <a:schemeClr val="dk1"/>
-                </a:solidFill>
-                <a:latin typeface="Helvetica Neue"/>
-                <a:ea typeface="Helvetica Neue"/>
-                <a:cs typeface="Helvetica Neue"/>
-                <a:sym typeface="Helvetica Neue"/>
-              </a:rPr>
-              <a:t>gris</a:t>
-            </a:r>
-            <a:r>
-              <a:rPr lang="en-US" sz="3200" b="1" i="0" u="none" dirty="0">
-                <a:solidFill>
-                  <a:schemeClr val="dk1"/>
-                </a:solidFill>
-                <a:latin typeface="Helvetica Neue"/>
-                <a:ea typeface="Helvetica Neue"/>
-                <a:cs typeface="Helvetica Neue"/>
-                <a:sym typeface="Helvetica Neue"/>
-              </a:rPr>
-              <a:t> per </a:t>
-            </a:r>
-            <a:r>
-              <a:rPr lang="en-US" sz="3200" b="1" i="0" u="none" dirty="0" err="1">
-                <a:solidFill>
-                  <a:schemeClr val="dk1"/>
-                </a:solidFill>
-                <a:latin typeface="Helvetica Neue"/>
-                <a:ea typeface="Helvetica Neue"/>
-                <a:cs typeface="Helvetica Neue"/>
-                <a:sym typeface="Helvetica Neue"/>
-              </a:rPr>
-              <a:t>començar</a:t>
-            </a:r>
-            <a:r>
-              <a:rPr lang="en-US" sz="3200" b="1" i="0" u="none" dirty="0">
-                <a:solidFill>
-                  <a:schemeClr val="dk1"/>
-                </a:solidFill>
-                <a:latin typeface="Helvetica Neue"/>
-                <a:ea typeface="Helvetica Neue"/>
-                <a:cs typeface="Helvetica Neue"/>
-                <a:sym typeface="Helvetica Neue"/>
-              </a:rPr>
-              <a:t> a </a:t>
-            </a:r>
-            <a:r>
-              <a:rPr lang="en-US" sz="3200" b="1" i="0" u="none" dirty="0" err="1">
-                <a:solidFill>
-                  <a:schemeClr val="dk1"/>
-                </a:solidFill>
-                <a:latin typeface="Helvetica Neue"/>
-                <a:ea typeface="Helvetica Neue"/>
-                <a:cs typeface="Helvetica Neue"/>
-                <a:sym typeface="Helvetica Neue"/>
-              </a:rPr>
-              <a:t>omplir</a:t>
-            </a:r>
-            <a:r>
-              <a:rPr lang="en-US" sz="3200" b="1" i="0" u="none" dirty="0">
-                <a:solidFill>
-                  <a:schemeClr val="dk1"/>
-                </a:solidFill>
-                <a:latin typeface="Helvetica Neue"/>
-                <a:ea typeface="Helvetica Neue"/>
-                <a:cs typeface="Helvetica Neue"/>
-                <a:sym typeface="Helvetica Neue"/>
-              </a:rPr>
-              <a:t> el </a:t>
-            </a:r>
-            <a:r>
-              <a:rPr lang="en-US" sz="3200" b="1" i="0" u="none" dirty="0" err="1">
-                <a:solidFill>
-                  <a:schemeClr val="dk1"/>
-                </a:solidFill>
-                <a:latin typeface="Helvetica Neue"/>
-                <a:ea typeface="Helvetica Neue"/>
-                <a:cs typeface="Helvetica Neue"/>
-                <a:sym typeface="Helvetica Neue"/>
-              </a:rPr>
-              <a:t>pòster</a:t>
-            </a:r>
-            <a:r>
-              <a:rPr lang="en-US" sz="3200" b="1" i="0" u="none" dirty="0">
-                <a:solidFill>
-                  <a:schemeClr val="dk1"/>
-                </a:solidFill>
-                <a:latin typeface="Helvetica Neue"/>
-                <a:ea typeface="Helvetica Neue"/>
-                <a:cs typeface="Helvetica Neue"/>
-                <a:sym typeface="Helvetica Neue"/>
-              </a:rPr>
-              <a:t>.</a:t>
-            </a:r>
-            <a:endParaRPr dirty="0"/>
-          </a:p>
-        </p:txBody>
-      </p:sp>
-      <p:sp>
-        <p:nvSpPr>
-          <p:cNvPr id="105" name="Google Shape;105;p13">
-            <a:extLst>
-              <a:ext uri="{FF2B5EF4-FFF2-40B4-BE49-F238E27FC236}">
-                <a16:creationId xmlns:a16="http://schemas.microsoft.com/office/drawing/2014/main" id="{BF1A2230-35BC-D2BE-4E8E-A1B25C0DD87E}"/>
-              </a:ext>
-            </a:extLst>
-          </p:cNvPr>
-          <p:cNvSpPr txBox="1"/>
-          <p:nvPr/>
-        </p:nvSpPr>
-        <p:spPr>
-          <a:xfrm>
-            <a:off x="15406688" y="5540374"/>
-            <a:ext cx="14181137" cy="5053012"/>
-          </a:xfrm>
-          <a:prstGeom prst="rect">
-            <a:avLst/>
-          </a:prstGeom>
-          <a:noFill/>
-          <a:ln w="25400" cap="flat" cmpd="sng">
-            <a:solidFill>
-              <a:srgbClr val="A6A6A6"/>
-            </a:solidFill>
-            <a:prstDash val="solid"/>
-            <a:miter lim="800000"/>
-            <a:headEnd type="none" w="sm" len="sm"/>
-            <a:tailEnd type="none" w="sm" len="sm"/>
-          </a:ln>
-        </p:spPr>
-        <p:txBody>
-          <a:bodyPr spcFirstLastPara="1" wrap="square" lIns="91425" tIns="45700" rIns="91425" bIns="45700" anchor="ctr" anchorCtr="0">
-            <a:noAutofit/>
-          </a:bodyPr>
-          <a:lstStyle/>
-          <a:p>
-            <a:pPr marL="0" marR="0" lvl="0" indent="0" algn="l" rtl="0">
-              <a:lnSpc>
-                <a:spcPct val="100000"/>
-              </a:lnSpc>
-              <a:spcBef>
-                <a:spcPts val="0"/>
-              </a:spcBef>
-              <a:spcAft>
-                <a:spcPts val="0"/>
-              </a:spcAft>
-              <a:buNone/>
-            </a:pPr>
-            <a:endParaRPr sz="3200" b="0" i="0" u="none">
-              <a:solidFill>
-                <a:schemeClr val="dk1"/>
-              </a:solidFill>
-              <a:latin typeface="Helvetica Neue"/>
-              <a:ea typeface="Helvetica Neue"/>
-              <a:cs typeface="Helvetica Neue"/>
-              <a:sym typeface="Helvetica Neue"/>
-            </a:endParaRPr>
-          </a:p>
-        </p:txBody>
-      </p:sp>
-      <p:sp>
-        <p:nvSpPr>
-          <p:cNvPr id="106" name="Google Shape;106;p13">
-            <a:extLst>
-              <a:ext uri="{FF2B5EF4-FFF2-40B4-BE49-F238E27FC236}">
-                <a16:creationId xmlns:a16="http://schemas.microsoft.com/office/drawing/2014/main" id="{D8CC12D6-FDA8-0232-8683-48CB1C11D1E3}"/>
-              </a:ext>
-            </a:extLst>
-          </p:cNvPr>
-          <p:cNvSpPr txBox="1"/>
-          <p:nvPr/>
-        </p:nvSpPr>
-        <p:spPr>
-          <a:xfrm>
-            <a:off x="689768" y="5546871"/>
-            <a:ext cx="14181137" cy="10548937"/>
-          </a:xfrm>
-          <a:prstGeom prst="rect">
-            <a:avLst/>
-          </a:prstGeom>
-          <a:noFill/>
-          <a:ln w="25400" cap="flat" cmpd="sng">
-            <a:solidFill>
-              <a:srgbClr val="A6A6A6"/>
-            </a:solidFill>
-            <a:prstDash val="solid"/>
-            <a:miter lim="800000"/>
-            <a:headEnd type="none" w="sm" len="sm"/>
-            <a:tailEnd type="none" w="sm" len="sm"/>
-          </a:ln>
-        </p:spPr>
-        <p:txBody>
-          <a:bodyPr spcFirstLastPara="1" wrap="square" lIns="91425" tIns="45700" rIns="91425" bIns="45700" anchor="ctr" anchorCtr="0">
-            <a:noAutofit/>
-          </a:bodyPr>
-          <a:lstStyle/>
-          <a:p>
-            <a:pPr marL="0" marR="0" lvl="0" indent="0" algn="l" rtl="0">
-              <a:lnSpc>
-                <a:spcPct val="100000"/>
-              </a:lnSpc>
-              <a:spcBef>
-                <a:spcPts val="0"/>
-              </a:spcBef>
-              <a:spcAft>
-                <a:spcPts val="0"/>
-              </a:spcAft>
-              <a:buNone/>
-            </a:pPr>
-            <a:endParaRPr sz="3200" b="0" i="0" u="none">
-              <a:solidFill>
-                <a:schemeClr val="dk1"/>
-              </a:solidFill>
-              <a:latin typeface="Helvetica Neue"/>
-              <a:ea typeface="Helvetica Neue"/>
-              <a:cs typeface="Helvetica Neue"/>
-              <a:sym typeface="Helvetica Neue"/>
-            </a:endParaRPr>
-          </a:p>
-        </p:txBody>
-      </p:sp>
-      <p:sp>
-        <p:nvSpPr>
-          <p:cNvPr id="107" name="Google Shape;107;p13">
-            <a:extLst>
-              <a:ext uri="{FF2B5EF4-FFF2-40B4-BE49-F238E27FC236}">
-                <a16:creationId xmlns:a16="http://schemas.microsoft.com/office/drawing/2014/main" id="{AAA9AE3C-0B64-4422-9351-E64D7AB69888}"/>
-              </a:ext>
-            </a:extLst>
-          </p:cNvPr>
-          <p:cNvSpPr txBox="1"/>
-          <p:nvPr/>
-        </p:nvSpPr>
-        <p:spPr>
-          <a:xfrm>
-            <a:off x="15319375" y="11050587"/>
-            <a:ext cx="14181137" cy="5056187"/>
-          </a:xfrm>
-          <a:prstGeom prst="rect">
-            <a:avLst/>
-          </a:prstGeom>
-          <a:noFill/>
-          <a:ln w="25400" cap="flat" cmpd="sng">
-            <a:solidFill>
-              <a:srgbClr val="A6A6A6"/>
-            </a:solidFill>
-            <a:prstDash val="solid"/>
-            <a:miter lim="800000"/>
-            <a:headEnd type="none" w="sm" len="sm"/>
-            <a:tailEnd type="none" w="sm" len="sm"/>
-          </a:ln>
-        </p:spPr>
-        <p:txBody>
-          <a:bodyPr spcFirstLastPara="1" wrap="square" lIns="91425" tIns="45700" rIns="91425" bIns="45700" anchor="ctr" anchorCtr="0">
-            <a:noAutofit/>
-          </a:bodyPr>
-          <a:lstStyle/>
-          <a:p>
-            <a:pPr marL="0" marR="0" lvl="0" indent="0" algn="l" rtl="0">
-              <a:lnSpc>
-                <a:spcPct val="100000"/>
-              </a:lnSpc>
-              <a:spcBef>
-                <a:spcPts val="0"/>
-              </a:spcBef>
-              <a:spcAft>
-                <a:spcPts val="0"/>
-              </a:spcAft>
-              <a:buNone/>
-            </a:pPr>
-            <a:endParaRPr sz="3200" b="0" i="0" u="none">
-              <a:solidFill>
-                <a:schemeClr val="dk1"/>
-              </a:solidFill>
-              <a:latin typeface="Helvetica Neue"/>
-              <a:ea typeface="Helvetica Neue"/>
-              <a:cs typeface="Helvetica Neue"/>
-              <a:sym typeface="Helvetica Neue"/>
-            </a:endParaRPr>
-          </a:p>
-        </p:txBody>
-      </p:sp>
-      <p:sp>
-        <p:nvSpPr>
-          <p:cNvPr id="108" name="Google Shape;108;p13">
-            <a:extLst>
-              <a:ext uri="{FF2B5EF4-FFF2-40B4-BE49-F238E27FC236}">
-                <a16:creationId xmlns:a16="http://schemas.microsoft.com/office/drawing/2014/main" id="{18D346AE-1D50-1E70-91B9-9486927FD16E}"/>
-              </a:ext>
-            </a:extLst>
-          </p:cNvPr>
-          <p:cNvSpPr txBox="1"/>
-          <p:nvPr/>
-        </p:nvSpPr>
-        <p:spPr>
-          <a:xfrm>
-            <a:off x="682625" y="16563975"/>
-            <a:ext cx="28830588" cy="10547350"/>
-          </a:xfrm>
-          <a:prstGeom prst="rect">
-            <a:avLst/>
-          </a:prstGeom>
-          <a:noFill/>
-          <a:ln w="25400" cap="flat" cmpd="sng">
-            <a:solidFill>
-              <a:srgbClr val="A6A6A6"/>
-            </a:solidFill>
-            <a:prstDash val="solid"/>
-            <a:miter lim="800000"/>
-            <a:headEnd type="none" w="sm" len="sm"/>
-            <a:tailEnd type="none" w="sm" len="sm"/>
-          </a:ln>
-        </p:spPr>
-        <p:txBody>
-          <a:bodyPr spcFirstLastPara="1" wrap="square" lIns="91425" tIns="45700" rIns="91425" bIns="45700" anchor="ctr" anchorCtr="0">
-            <a:noAutofit/>
-          </a:bodyPr>
-          <a:lstStyle/>
-          <a:p>
-            <a:pPr marL="0" marR="0" lvl="0" indent="0" algn="l" rtl="0">
-              <a:lnSpc>
-                <a:spcPct val="100000"/>
-              </a:lnSpc>
-              <a:spcBef>
-                <a:spcPts val="0"/>
-              </a:spcBef>
-              <a:spcAft>
-                <a:spcPts val="0"/>
-              </a:spcAft>
-              <a:buNone/>
-            </a:pPr>
-            <a:endParaRPr sz="3200" b="0" i="0" u="none">
-              <a:solidFill>
-                <a:schemeClr val="dk1"/>
-              </a:solidFill>
-              <a:latin typeface="Helvetica Neue"/>
-              <a:ea typeface="Helvetica Neue"/>
-              <a:cs typeface="Helvetica Neue"/>
-              <a:sym typeface="Helvetica Neue"/>
-            </a:endParaRPr>
-          </a:p>
-        </p:txBody>
-      </p:sp>
-      <p:sp>
-        <p:nvSpPr>
-          <p:cNvPr id="109" name="Google Shape;109;p13">
-            <a:extLst>
-              <a:ext uri="{FF2B5EF4-FFF2-40B4-BE49-F238E27FC236}">
-                <a16:creationId xmlns:a16="http://schemas.microsoft.com/office/drawing/2014/main" id="{A6ECDF5C-1B8F-4901-7241-9F7844955FFA}"/>
-              </a:ext>
-            </a:extLst>
-          </p:cNvPr>
-          <p:cNvSpPr txBox="1"/>
-          <p:nvPr/>
-        </p:nvSpPr>
-        <p:spPr>
-          <a:xfrm>
-            <a:off x="677862" y="37931725"/>
-            <a:ext cx="28830588" cy="2386012"/>
-          </a:xfrm>
-          <a:prstGeom prst="rect">
-            <a:avLst/>
-          </a:prstGeom>
-          <a:noFill/>
-          <a:ln w="25400" cap="flat" cmpd="sng">
-            <a:solidFill>
-              <a:srgbClr val="A6A6A6"/>
-            </a:solidFill>
-            <a:prstDash val="solid"/>
-            <a:miter lim="800000"/>
-            <a:headEnd type="none" w="sm" len="sm"/>
-            <a:tailEnd type="none" w="sm" len="sm"/>
-          </a:ln>
-        </p:spPr>
-        <p:txBody>
-          <a:bodyPr spcFirstLastPara="1" wrap="square" lIns="91425" tIns="45700" rIns="91425" bIns="45700" anchor="ctr" anchorCtr="0">
-            <a:noAutofit/>
-          </a:bodyPr>
-          <a:lstStyle/>
-          <a:p>
-            <a:pPr marL="0" marR="0" lvl="0" indent="0" algn="l" rtl="0">
-              <a:lnSpc>
-                <a:spcPct val="100000"/>
-              </a:lnSpc>
-              <a:spcBef>
-                <a:spcPts val="0"/>
-              </a:spcBef>
-              <a:spcAft>
-                <a:spcPts val="0"/>
-              </a:spcAft>
-              <a:buNone/>
-            </a:pPr>
-            <a:endParaRPr sz="3200" b="0" i="0" u="none">
-              <a:solidFill>
-                <a:schemeClr val="dk1"/>
-              </a:solidFill>
-              <a:latin typeface="Helvetica Neue"/>
-              <a:ea typeface="Helvetica Neue"/>
-              <a:cs typeface="Helvetica Neue"/>
-              <a:sym typeface="Helvetica Neue"/>
-            </a:endParaRPr>
-          </a:p>
-        </p:txBody>
-      </p:sp>
-      <p:sp>
-        <p:nvSpPr>
-          <p:cNvPr id="110" name="Google Shape;110;p13">
-            <a:extLst>
-              <a:ext uri="{FF2B5EF4-FFF2-40B4-BE49-F238E27FC236}">
-                <a16:creationId xmlns:a16="http://schemas.microsoft.com/office/drawing/2014/main" id="{A13B1F94-5868-8069-EBF0-3FDE9E6080AB}"/>
-              </a:ext>
-            </a:extLst>
-          </p:cNvPr>
-          <p:cNvSpPr txBox="1"/>
-          <p:nvPr/>
-        </p:nvSpPr>
-        <p:spPr>
-          <a:xfrm>
-            <a:off x="677862" y="27620913"/>
-            <a:ext cx="14204950" cy="9837737"/>
-          </a:xfrm>
-          <a:prstGeom prst="rect">
-            <a:avLst/>
-          </a:prstGeom>
-          <a:noFill/>
-          <a:ln w="25400" cap="flat" cmpd="sng">
-            <a:solidFill>
-              <a:srgbClr val="A6A6A6"/>
-            </a:solidFill>
-            <a:prstDash val="solid"/>
-            <a:miter lim="800000"/>
-            <a:headEnd type="none" w="sm" len="sm"/>
-            <a:tailEnd type="none" w="sm" len="sm"/>
-          </a:ln>
-        </p:spPr>
-        <p:txBody>
-          <a:bodyPr spcFirstLastPara="1" wrap="square" lIns="91425" tIns="45700" rIns="91425" bIns="45700" anchor="ctr" anchorCtr="0">
-            <a:noAutofit/>
-          </a:bodyPr>
-          <a:lstStyle/>
-          <a:p>
-            <a:pPr marL="0" marR="0" lvl="0" indent="0" algn="l" rtl="0">
-              <a:lnSpc>
-                <a:spcPct val="100000"/>
-              </a:lnSpc>
-              <a:spcBef>
-                <a:spcPts val="0"/>
-              </a:spcBef>
-              <a:spcAft>
-                <a:spcPts val="0"/>
-              </a:spcAft>
-              <a:buNone/>
-            </a:pPr>
-            <a:endParaRPr sz="3200" b="0" i="0" u="none">
-              <a:solidFill>
-                <a:schemeClr val="dk1"/>
-              </a:solidFill>
-              <a:latin typeface="Helvetica Neue"/>
-              <a:ea typeface="Helvetica Neue"/>
-              <a:cs typeface="Helvetica Neue"/>
-              <a:sym typeface="Helvetica Neue"/>
-            </a:endParaRPr>
-          </a:p>
-        </p:txBody>
-      </p:sp>
-      <p:sp>
-        <p:nvSpPr>
-          <p:cNvPr id="111" name="Google Shape;111;p13">
-            <a:extLst>
-              <a:ext uri="{FF2B5EF4-FFF2-40B4-BE49-F238E27FC236}">
-                <a16:creationId xmlns:a16="http://schemas.microsoft.com/office/drawing/2014/main" id="{BE6A2CFB-BE4C-B7AD-6AA6-4A85F8C05440}"/>
-              </a:ext>
-            </a:extLst>
-          </p:cNvPr>
-          <p:cNvSpPr txBox="1"/>
-          <p:nvPr/>
-        </p:nvSpPr>
-        <p:spPr>
-          <a:xfrm>
-            <a:off x="15365413" y="27620913"/>
-            <a:ext cx="14147800" cy="9832975"/>
-          </a:xfrm>
-          <a:prstGeom prst="rect">
-            <a:avLst/>
-          </a:prstGeom>
-          <a:noFill/>
-          <a:ln w="25400" cap="flat" cmpd="sng">
-            <a:solidFill>
-              <a:srgbClr val="A6A6A6"/>
-            </a:solidFill>
-            <a:prstDash val="solid"/>
-            <a:miter lim="800000"/>
-            <a:headEnd type="none" w="sm" len="sm"/>
-            <a:tailEnd type="none" w="sm" len="sm"/>
-          </a:ln>
-        </p:spPr>
-        <p:txBody>
-          <a:bodyPr spcFirstLastPara="1" wrap="square" lIns="91425" tIns="45700" rIns="91425" bIns="45700" anchor="ctr" anchorCtr="0">
-            <a:noAutofit/>
-          </a:bodyPr>
-          <a:lstStyle/>
-          <a:p>
-            <a:pPr marL="0" marR="0" lvl="0" indent="0" algn="l" rtl="0">
-              <a:lnSpc>
-                <a:spcPct val="100000"/>
-              </a:lnSpc>
-              <a:spcBef>
-                <a:spcPts val="0"/>
-              </a:spcBef>
-              <a:spcAft>
-                <a:spcPts val="0"/>
-              </a:spcAft>
-              <a:buNone/>
-            </a:pPr>
-            <a:endParaRPr sz="3200" b="0" i="0" u="none">
-              <a:solidFill>
-                <a:schemeClr val="dk1"/>
-              </a:solidFill>
-              <a:latin typeface="Helvetica Neue"/>
-              <a:ea typeface="Helvetica Neue"/>
-              <a:cs typeface="Helvetica Neue"/>
-              <a:sym typeface="Helvetica Neue"/>
-            </a:endParaRPr>
-          </a:p>
-        </p:txBody>
-      </p:sp>
-      <p:pic>
-        <p:nvPicPr>
-          <p:cNvPr id="3" name="Imatge 2">
-            <a:extLst>
-              <a:ext uri="{FF2B5EF4-FFF2-40B4-BE49-F238E27FC236}">
-                <a16:creationId xmlns:a16="http://schemas.microsoft.com/office/drawing/2014/main" id="{856CC0D3-E0B2-7DD4-23BE-F8715351C9CB}"/>
+                <a16:creationId xmlns:a16="http://schemas.microsoft.com/office/drawing/2014/main" id="{60638D48-6CF4-9A89-1EA6-27A571966195}"/>
               </a:ext>
             </a:extLst>
           </p:cNvPr>
@@ -19068,7 +15463,7 @@
           <p:nvPr/>
         </p:nvPicPr>
         <p:blipFill>
-          <a:blip r:embed="rId3">
+          <a:blip r:embed="rId5">
             <a:extLst>
               <a:ext uri="{28A0092B-C50C-407E-A947-70E740481C1C}">
                 <a14:useLocalDpi xmlns:a14="http://schemas.microsoft.com/office/drawing/2010/main" val="0"/>
@@ -19081,8 +15476,98 @@
         </p:blipFill>
         <p:spPr>
           <a:xfrm>
-            <a:off x="677862" y="518755"/>
-            <a:ext cx="8870936" cy="4828738"/>
+            <a:off x="3581253" y="5404404"/>
+            <a:ext cx="5053116" cy="6961987"/>
+          </a:xfrm>
+          <a:prstGeom prst="rect">
+            <a:avLst/>
+          </a:prstGeom>
+        </p:spPr>
+      </p:pic>
+      <p:pic>
+        <p:nvPicPr>
+          <p:cNvPr id="11" name="Imagen 10" descr="Interfaz de usuario gráfica, Aplicación, Correo electrónico&#10;&#10;Descripción generada automáticamente">
+            <a:extLst>
+              <a:ext uri="{FF2B5EF4-FFF2-40B4-BE49-F238E27FC236}">
+                <a16:creationId xmlns:a16="http://schemas.microsoft.com/office/drawing/2014/main" id="{7F9501FC-8AAB-D2EF-9F7E-ED08545637B6}"/>
+              </a:ext>
+            </a:extLst>
+          </p:cNvPr>
+          <p:cNvPicPr>
+            <a:picLocks noChangeAspect="1"/>
+          </p:cNvPicPr>
+          <p:nvPr/>
+        </p:nvPicPr>
+        <p:blipFill>
+          <a:blip r:embed="rId6"/>
+          <a:stretch>
+            <a:fillRect/>
+          </a:stretch>
+        </p:blipFill>
+        <p:spPr>
+          <a:xfrm>
+            <a:off x="1571173" y="19470899"/>
+            <a:ext cx="10436087" cy="3780308"/>
+          </a:xfrm>
+          <a:prstGeom prst="rect">
+            <a:avLst/>
+          </a:prstGeom>
+        </p:spPr>
+      </p:pic>
+      <p:pic>
+        <p:nvPicPr>
+          <p:cNvPr id="13" name="Imagen 12" descr="Gráfico, Gráfico de líneas&#10;&#10;Descripción generada automáticamente">
+            <a:extLst>
+              <a:ext uri="{FF2B5EF4-FFF2-40B4-BE49-F238E27FC236}">
+                <a16:creationId xmlns:a16="http://schemas.microsoft.com/office/drawing/2014/main" id="{D1483869-3C2B-E856-38A2-68AF0A7D51AF}"/>
+              </a:ext>
+            </a:extLst>
+          </p:cNvPr>
+          <p:cNvPicPr>
+            <a:picLocks noChangeAspect="1"/>
+          </p:cNvPicPr>
+          <p:nvPr/>
+        </p:nvPicPr>
+        <p:blipFill>
+          <a:blip r:embed="rId7"/>
+          <a:stretch>
+            <a:fillRect/>
+          </a:stretch>
+        </p:blipFill>
+        <p:spPr>
+          <a:xfrm>
+            <a:off x="18596194" y="24952337"/>
+            <a:ext cx="10912255" cy="7736706"/>
+          </a:xfrm>
+          <a:prstGeom prst="rect">
+            <a:avLst/>
+          </a:prstGeom>
+        </p:spPr>
+      </p:pic>
+      <p:pic>
+        <p:nvPicPr>
+          <p:cNvPr id="25" name="Imagen 24" descr="Código QR&#10;&#10;Descripción generada automáticamente">
+            <a:extLst>
+              <a:ext uri="{FF2B5EF4-FFF2-40B4-BE49-F238E27FC236}">
+                <a16:creationId xmlns:a16="http://schemas.microsoft.com/office/drawing/2014/main" id="{55DD1B47-8E5F-C5BB-52F8-7A5DECEA0F45}"/>
+              </a:ext>
+            </a:extLst>
+          </p:cNvPr>
+          <p:cNvPicPr>
+            <a:picLocks noChangeAspect="1"/>
+          </p:cNvPicPr>
+          <p:nvPr/>
+        </p:nvPicPr>
+        <p:blipFill>
+          <a:blip r:embed="rId8"/>
+          <a:stretch>
+            <a:fillRect/>
+          </a:stretch>
+        </p:blipFill>
+        <p:spPr>
+          <a:xfrm>
+            <a:off x="2247831" y="34755790"/>
+            <a:ext cx="4994660" cy="4928940"/>
           </a:xfrm>
           <a:prstGeom prst="rect">
             <a:avLst/>
@@ -19090,11 +15575,6 @@
         </p:spPr>
       </p:pic>
     </p:spTree>
-    <p:extLst>
-      <p:ext uri="{BB962C8B-B14F-4D97-AF65-F5344CB8AC3E}">
-        <p14:creationId xmlns:p14="http://schemas.microsoft.com/office/powerpoint/2010/main" val="800791796"/>
-      </p:ext>
-    </p:extLst>
   </p:cSld>
   <p:clrMapOvr>
     <a:masterClrMapping/>
@@ -19797,18 +16277,18 @@
 </file>
 
 <file path=customXml/item2.xml><?xml version="1.0" encoding="utf-8"?>
+<p:properties xmlns:p="http://schemas.microsoft.com/office/2006/metadata/properties" xmlns:xsi="http://www.w3.org/2001/XMLSchema-instance" xmlns:pc="http://schemas.microsoft.com/office/infopath/2007/PartnerControls">
+  <documentManagement/>
+</p:properties>
+</file>
+
+<file path=customXml/item3.xml><?xml version="1.0" encoding="utf-8"?>
 <?mso-contentType ?>
 <FormTemplates xmlns="http://schemas.microsoft.com/sharepoint/v3/contenttype/forms">
   <Display>DocumentLibraryForm</Display>
   <Edit>DocumentLibraryForm</Edit>
   <New>DocumentLibraryForm</New>
 </FormTemplates>
-</file>
-
-<file path=customXml/item3.xml><?xml version="1.0" encoding="utf-8"?>
-<p:properties xmlns:p="http://schemas.microsoft.com/office/2006/metadata/properties" xmlns:xsi="http://www.w3.org/2001/XMLSchema-instance" xmlns:pc="http://schemas.microsoft.com/office/infopath/2007/PartnerControls">
-  <documentManagement/>
-</p:properties>
 </file>
 
 <file path=customXml/itemProps1.xml><?xml version="1.0" encoding="utf-8"?>
@@ -19830,25 +16310,25 @@
 </file>
 
 <file path=customXml/itemProps2.xml><?xml version="1.0" encoding="utf-8"?>
+<ds:datastoreItem xmlns:ds="http://schemas.openxmlformats.org/officeDocument/2006/customXml" ds:itemID="{7F6B4923-89E4-41EC-A214-2CB2F0E96840}">
+  <ds:schemaRefs>
+    <ds:schemaRef ds:uri="http://www.w3.org/XML/1998/namespace"/>
+    <ds:schemaRef ds:uri="http://schemas.microsoft.com/office/2006/metadata/properties"/>
+    <ds:schemaRef ds:uri="e551ada3-dc07-4edc-a1ab-4b06fc86669f"/>
+    <ds:schemaRef ds:uri="http://schemas.microsoft.com/office/2006/documentManagement/types"/>
+    <ds:schemaRef ds:uri="http://purl.org/dc/elements/1.1/"/>
+    <ds:schemaRef ds:uri="http://purl.org/dc/terms/"/>
+    <ds:schemaRef ds:uri="http://schemas.microsoft.com/office/infopath/2007/PartnerControls"/>
+    <ds:schemaRef ds:uri="http://schemas.openxmlformats.org/package/2006/metadata/core-properties"/>
+    <ds:schemaRef ds:uri="http://purl.org/dc/dcmitype/"/>
+  </ds:schemaRefs>
+</ds:datastoreItem>
+</file>
+
+<file path=customXml/itemProps3.xml><?xml version="1.0" encoding="utf-8"?>
 <ds:datastoreItem xmlns:ds="http://schemas.openxmlformats.org/officeDocument/2006/customXml" ds:itemID="{1DB2D889-6609-4D39-A17A-9C5435A96D27}">
   <ds:schemaRefs>
     <ds:schemaRef ds:uri="http://schemas.microsoft.com/sharepoint/v3/contenttype/forms"/>
   </ds:schemaRefs>
 </ds:datastoreItem>
-</file>
-
-<file path=customXml/itemProps3.xml><?xml version="1.0" encoding="utf-8"?>
-<ds:datastoreItem xmlns:ds="http://schemas.openxmlformats.org/officeDocument/2006/customXml" ds:itemID="{7F6B4923-89E4-41EC-A214-2CB2F0E96840}">
-  <ds:schemaRefs>
-    <ds:schemaRef ds:uri="http://schemas.microsoft.com/office/2006/documentManagement/types"/>
-    <ds:schemaRef ds:uri="http://schemas.microsoft.com/office/2006/metadata/properties"/>
-    <ds:schemaRef ds:uri="http://purl.org/dc/elements/1.1/"/>
-    <ds:schemaRef ds:uri="http://purl.org/dc/terms/"/>
-    <ds:schemaRef ds:uri="http://schemas.microsoft.com/office/infopath/2007/PartnerControls"/>
-    <ds:schemaRef ds:uri="http://schemas.openxmlformats.org/package/2006/metadata/core-properties"/>
-    <ds:schemaRef ds:uri="e551ada3-dc07-4edc-a1ab-4b06fc86669f"/>
-    <ds:schemaRef ds:uri="http://www.w3.org/XML/1998/namespace"/>
-    <ds:schemaRef ds:uri="http://purl.org/dc/dcmitype/"/>
-  </ds:schemaRefs>
-</ds:datastoreItem>
 </file>
--- a/TR_ESCRIT/Plantilla de pòster.pptx
+++ b/TR_ESCRIT/Plantilla de pòster.pptx
@@ -14349,8 +14349,8 @@
         </p:nvSpPr>
         <p:spPr>
           <a:xfrm>
-            <a:off x="11075727" y="5881363"/>
-            <a:ext cx="18631161" cy="6961987"/>
+            <a:off x="7581900" y="5881363"/>
+            <a:ext cx="22124989" cy="6961987"/>
           </a:xfrm>
           <a:prstGeom prst="rect">
             <a:avLst/>
@@ -14367,7 +14367,7 @@
           </a:ln>
         </p:spPr>
         <p:txBody>
-          <a:bodyPr spcFirstLastPara="1" wrap="square" lIns="91425" tIns="45700" rIns="91425" bIns="45700" anchor="ctr" anchorCtr="0">
+          <a:bodyPr spcFirstLastPara="1" wrap="square" lIns="180000" tIns="45700" rIns="180000" bIns="45700" anchor="ctr" anchorCtr="0">
             <a:noAutofit/>
           </a:bodyPr>
           <a:lstStyle/>
@@ -14408,10 +14408,10 @@
                 </a:solidFill>
                 <a:latin typeface="Helvetica Neue"/>
               </a:rPr>
-              <a:t>En aquest treball explorem les possibilitats de la Intel·ligència Artificial (IA) per a jugar al joc “</a:t>
+              <a:t>En aquest treball explorem les possibilitats de la Intel·ligència Artificial (IA) per a jugar al joc </a:t>
             </a:r>
             <a:r>
-              <a:rPr lang="ca-ES" sz="3400" dirty="0" err="1">
+              <a:rPr lang="ca-ES" sz="3400" i="1" dirty="0" err="1">
                 <a:solidFill>
                   <a:schemeClr val="dk1"/>
                 </a:solidFill>
@@ -14420,13 +14420,22 @@
               <a:t>Flappy</a:t>
             </a:r>
             <a:r>
+              <a:rPr lang="ca-ES" sz="3400" i="1" dirty="0">
+                <a:solidFill>
+                  <a:schemeClr val="dk1"/>
+                </a:solidFill>
+                <a:latin typeface="Helvetica Neue"/>
+              </a:rPr>
+              <a:t> Bird </a:t>
+            </a:r>
+            <a:r>
               <a:rPr lang="ca-ES" sz="3400" dirty="0">
                 <a:solidFill>
                   <a:schemeClr val="dk1"/>
                 </a:solidFill>
                 <a:latin typeface="Helvetica Neue"/>
               </a:rPr>
-              <a:t> Bird” utilitzant algoritmes avançats d'aprenentatge adaptatiu. L'ús combinat de mutacions i altres factors permet l'obtenció d'un model neuronal més eficient. El model neuronal desenvolupat en aquest treball és capaç d’aprendre i adaptar-se a les condicions del joc. En aquesta recerca es demostra com la corba de l’aprenentatge és logarítmica i depèn fortament dels diferents comportaments de la IA a partir de les variables de mutacions, inputs i població</a:t>
+              <a:t>utilitzant algoritmes avançats d'aprenentatge adaptatiu. L'ús combinat de mutacions i altres factors permet l'obtenció d'un model neuronal més eficient. El model neuronal desenvolupat en aquest treball és capaç d’aprendre i adaptar-se a les condicions del joc. En aquesta recerca es demostra com la corba de l’aprenentatge és logarítmica i depèn fortament dels diferents comportaments de la IA a partir de les variables de mutacions, inputs i població</a:t>
             </a:r>
             <a:r>
               <a:rPr lang="ca-ES" sz="3400" b="1" dirty="0">
@@ -14437,6 +14446,20 @@
               </a:rPr>
               <a:t>.</a:t>
             </a:r>
+          </a:p>
+          <a:p>
+            <a:pPr algn="just">
+              <a:buClr>
+                <a:schemeClr val="dk1"/>
+              </a:buClr>
+              <a:buSzPts val="4000"/>
+            </a:pPr>
+            <a:endParaRPr lang="ca-ES" sz="3400" b="1" dirty="0">
+              <a:solidFill>
+                <a:schemeClr val="dk1"/>
+              </a:solidFill>
+              <a:latin typeface="Helvetica Neue"/>
+            </a:endParaRPr>
           </a:p>
           <a:p>
             <a:pPr>
@@ -14481,7 +14504,7 @@
               <a:t>En aquest treball es desenvolupa una IA específica, APFLY-IA, integrada en un laboratori digital creat amb </a:t>
             </a:r>
             <a:r>
-              <a:rPr lang="ca-ES" sz="3400" dirty="0" err="1">
+              <a:rPr lang="ca-ES" sz="3400" i="1" dirty="0" err="1">
                 <a:solidFill>
                   <a:schemeClr val="dk1"/>
                 </a:solidFill>
@@ -14490,7 +14513,7 @@
               <a:t>Godot</a:t>
             </a:r>
             <a:r>
-              <a:rPr lang="ca-ES" sz="3400" dirty="0">
+              <a:rPr lang="ca-ES" sz="3400" i="1" dirty="0">
                 <a:solidFill>
                   <a:schemeClr val="dk1"/>
                 </a:solidFill>
@@ -14499,7 +14522,7 @@
               <a:t> </a:t>
             </a:r>
             <a:r>
-              <a:rPr lang="ca-ES" sz="3400" dirty="0" err="1">
+              <a:rPr lang="ca-ES" sz="3400" i="1" dirty="0" err="1">
                 <a:solidFill>
                   <a:schemeClr val="dk1"/>
                 </a:solidFill>
@@ -14527,8 +14550,8 @@
         </p:nvSpPr>
         <p:spPr>
           <a:xfrm>
-            <a:off x="8468139" y="35106335"/>
-            <a:ext cx="8825948" cy="4240540"/>
+            <a:off x="1571173" y="34656761"/>
+            <a:ext cx="9976804" cy="5435237"/>
           </a:xfrm>
           <a:prstGeom prst="rect">
             <a:avLst/>
@@ -14545,10 +14568,29 @@
           </a:ln>
         </p:spPr>
         <p:txBody>
-          <a:bodyPr spcFirstLastPara="1" wrap="square" lIns="91425" tIns="45700" rIns="91425" bIns="45700" anchor="ctr" anchorCtr="0">
+          <a:bodyPr spcFirstLastPara="1" wrap="square" lIns="180000" tIns="45700" rIns="180000" bIns="45700" anchor="ctr" anchorCtr="0">
             <a:noAutofit/>
           </a:bodyPr>
           <a:lstStyle/>
+          <a:p>
+            <a:pPr algn="just">
+              <a:lnSpc>
+                <a:spcPct val="115000"/>
+              </a:lnSpc>
+              <a:spcAft>
+                <a:spcPts val="800"/>
+              </a:spcAft>
+            </a:pPr>
+            <a:r>
+              <a:rPr lang="ca-ES" sz="4000" b="1" kern="100" dirty="0">
+                <a:effectLst/>
+                <a:latin typeface="Helvetica Neue" panose="020B0604020202020204" charset="0"/>
+                <a:ea typeface="Aptos" panose="020B0004020202020204" pitchFamily="34" charset="0"/>
+                <a:cs typeface="Arial" panose="020B0604020202020204" pitchFamily="34" charset="0"/>
+              </a:rPr>
+              <a:t>Part pràctica</a:t>
+            </a:r>
+          </a:p>
           <a:p>
             <a:pPr algn="just">
               <a:lnSpc>
@@ -14565,7 +14607,43 @@
                 <a:ea typeface="Aptos" panose="020B0004020202020204" pitchFamily="34" charset="0"/>
                 <a:cs typeface="Arial" panose="020B0604020202020204" pitchFamily="34" charset="0"/>
               </a:rPr>
-              <a:t>Som conscients que les possibilitats de noves anàlisis i noves conclusions poden entendre’s més enllà d’aquest treball, i per això deixem a disposició de tothom per continuar investigant, el laboratori digital que hem dut a terme en el marc d’aquest treball de recerca.</a:t>
+              <a:t>Som conscients que les possibilitats de noves anàlisis i noves conclusions poden entendre’s més enllà d’aquest treball, i per això deixem a disposició de tothom, per continuar investigant, el </a:t>
+            </a:r>
+            <a:r>
+              <a:rPr lang="ca-ES" sz="3200" kern="100" dirty="0" err="1">
+                <a:effectLst/>
+                <a:latin typeface="Helvetica Neue" panose="020B0604020202020204" charset="0"/>
+                <a:ea typeface="Aptos" panose="020B0004020202020204" pitchFamily="34" charset="0"/>
+                <a:cs typeface="Arial" panose="020B0604020202020204" pitchFamily="34" charset="0"/>
+              </a:rPr>
+              <a:t>repositori</a:t>
+            </a:r>
+            <a:r>
+              <a:rPr lang="ca-ES" sz="3200" kern="100" dirty="0">
+                <a:effectLst/>
+                <a:latin typeface="Helvetica Neue" panose="020B0604020202020204" charset="0"/>
+                <a:ea typeface="Aptos" panose="020B0004020202020204" pitchFamily="34" charset="0"/>
+                <a:cs typeface="Arial" panose="020B0604020202020204" pitchFamily="34" charset="0"/>
+              </a:rPr>
+              <a:t> de GitHub on és laboratori digital que hem dut a terme en el marc d’aquest treball de recerca. Per accedir-hi només s’ha d’escanejar el </a:t>
+            </a:r>
+            <a:r>
+              <a:rPr lang="ca-ES" sz="3200" b="1" kern="100" dirty="0">
+                <a:effectLst/>
+                <a:latin typeface="Helvetica Neue" panose="020B0604020202020204" charset="0"/>
+                <a:ea typeface="Aptos" panose="020B0004020202020204" pitchFamily="34" charset="0"/>
+                <a:cs typeface="Arial" panose="020B0604020202020204" pitchFamily="34" charset="0"/>
+              </a:rPr>
+              <a:t>codi QR </a:t>
+            </a:r>
+            <a:r>
+              <a:rPr lang="ca-ES" sz="3200" kern="100" dirty="0">
+                <a:effectLst/>
+                <a:latin typeface="Helvetica Neue" panose="020B0604020202020204" charset="0"/>
+                <a:ea typeface="Aptos" panose="020B0004020202020204" pitchFamily="34" charset="0"/>
+                <a:cs typeface="Arial" panose="020B0604020202020204" pitchFamily="34" charset="0"/>
+              </a:rPr>
+              <a:t>i descarregar els arxius.</a:t>
             </a:r>
           </a:p>
         </p:txBody>
@@ -14596,7 +14674,7 @@
           </a:ln>
         </p:spPr>
         <p:txBody>
-          <a:bodyPr spcFirstLastPara="1" wrap="square" lIns="91425" tIns="45700" rIns="91425" bIns="45700" anchor="ctr" anchorCtr="0">
+          <a:bodyPr spcFirstLastPara="1" wrap="square" lIns="180000" tIns="45700" rIns="180000" bIns="45700" anchor="ctr" anchorCtr="0">
             <a:noAutofit/>
           </a:bodyPr>
           <a:lstStyle/>
@@ -14733,7 +14811,7 @@
                 <a:ea typeface="Aptos" panose="020B0004020202020204" pitchFamily="34" charset="0"/>
                 <a:sym typeface="Helvetica Neue"/>
               </a:rPr>
-              <a:t>evoluciona fent petits canvis en la xarxa i buscant la que funciona millor com passa a la natura.</a:t>
+              <a:t>evoluciona fent petits canvis en les xarxes neuronals, descarten les que no funcionen fins a trobar la millor, com passa a la natura.</a:t>
             </a:r>
           </a:p>
           <a:p>
@@ -14780,7 +14858,29 @@
                 <a:ea typeface="Aptos" panose="020B0004020202020204" pitchFamily="34" charset="0"/>
                 <a:sym typeface="Helvetica Neue"/>
               </a:rPr>
-              <a:t>Per avaluar com de bé funciona la IA s’usa un sistema de puntuació anomenat fitness que dona una puntuació a cada xarxa neuronal segons uns criteris establerts. S’usa per saber quina de les xarxes neuronals s’apropa més a una IA que ha après a dur a terme la tasca. La xarxa neuronal que aconsegueix arribar a una puntuació de 160.000 punts aproximadament (150 canonades) la considerem que la IA ha après.</a:t>
+              <a:t>Per avaluar com de bé funciona la IA s’usa un sistema de puntuació anomenat </a:t>
+            </a:r>
+            <a:r>
+              <a:rPr lang="ca-ES" sz="3400" i="1" dirty="0">
+                <a:solidFill>
+                  <a:schemeClr val="dk1"/>
+                </a:solidFill>
+                <a:latin typeface="Helvetica Neue" panose="020B0604020202020204" charset="0"/>
+                <a:ea typeface="Aptos" panose="020B0004020202020204" pitchFamily="34" charset="0"/>
+                <a:sym typeface="Helvetica Neue"/>
+              </a:rPr>
+              <a:t>fitness</a:t>
+            </a:r>
+            <a:r>
+              <a:rPr lang="ca-ES" sz="3400" dirty="0">
+                <a:solidFill>
+                  <a:schemeClr val="dk1"/>
+                </a:solidFill>
+                <a:latin typeface="Helvetica Neue" panose="020B0604020202020204" charset="0"/>
+                <a:ea typeface="Aptos" panose="020B0004020202020204" pitchFamily="34" charset="0"/>
+                <a:sym typeface="Helvetica Neue"/>
+              </a:rPr>
+              <a:t> que dona una puntuació a cada xarxa neuronal segons uns criteris establerts. S’usa per saber quina de les xarxes neuronals s’apropa més a una IA que ha après a dur a terme la tasca. Quan una xarxa neuronal aconsegueix arribar a una puntuació de 160.000 punts aproximadament (150 canonades) considerem que ha après a jugar de forma perfecta.</a:t>
             </a:r>
           </a:p>
         </p:txBody>
@@ -14811,7 +14911,7 @@
           </a:ln>
         </p:spPr>
         <p:txBody>
-          <a:bodyPr spcFirstLastPara="1" wrap="square" lIns="91425" tIns="45700" rIns="91425" bIns="45700" anchor="ctr" anchorCtr="0">
+          <a:bodyPr spcFirstLastPara="1" wrap="square" lIns="180000" tIns="45700" rIns="180000" bIns="45700" anchor="ctr" anchorCtr="0">
             <a:noAutofit/>
           </a:bodyPr>
           <a:lstStyle/>
@@ -15152,7 +15252,7 @@
                 <a:ea typeface="Aptos" panose="020B0004020202020204" pitchFamily="34" charset="0"/>
                 <a:cs typeface="Arial" panose="020B0604020202020204" pitchFamily="34" charset="0"/>
               </a:rPr>
-              <a:t> seguits d'un altiplà, de manera que es pot determinar quin és el millor moment per aturar l’aprenentatge o afegir nous reptes a l’aprenentatge per obtenir uns millors resultats.</a:t>
+              <a:t> seguits d'un altiplà, de manera que es pot determinar quin és el millor moment per aturar l’aprenentatge o afegir nous objectius a la IA per obtenir uns millors resultats.</a:t>
             </a:r>
             <a:endParaRPr sz="3400" b="0" i="0" u="none" dirty="0">
               <a:solidFill>
@@ -15192,7 +15292,7 @@
           </a:ln>
         </p:spPr>
         <p:txBody>
-          <a:bodyPr spcFirstLastPara="1" wrap="square" lIns="91425" tIns="45700" rIns="91425" bIns="45700" anchor="ctr" anchorCtr="0">
+          <a:bodyPr spcFirstLastPara="1" wrap="square" lIns="180000" tIns="45700" rIns="180000" bIns="45700" anchor="ctr" anchorCtr="0">
             <a:noAutofit/>
           </a:bodyPr>
           <a:lstStyle/>
@@ -15254,7 +15354,7 @@
           </a:ln>
         </p:spPr>
         <p:txBody>
-          <a:bodyPr spcFirstLastPara="1" wrap="square" lIns="91425" tIns="45700" rIns="91425" bIns="45700" anchor="ctr" anchorCtr="0">
+          <a:bodyPr spcFirstLastPara="1" wrap="square" lIns="180000" tIns="45700" rIns="180000" bIns="45700" anchor="ctr" anchorCtr="0">
             <a:noAutofit/>
           </a:bodyPr>
           <a:lstStyle/>
@@ -15293,7 +15393,7 @@
                 </a:solidFill>
                 <a:latin typeface="Helvetica Neue"/>
               </a:rPr>
-              <a:t>Les diferents combinacions d’inputs, mutacions i poblacions generen diferents comportaments en l’evolució i l’aprenentatge de la xarxa neuronal. A partir de l’estudi realitzat, podem concloure que la xarxa neuronal que aprèn més de pressa és aquella que té només la informació necessària per executar la tasca, aquella amb major població (nombre d’agents que aprenen a cada generació) i segons les mutacions n’hi ha petites diferències, aquella que funciona millor és aquella que modifica la importància de les connexions entre neurones.</a:t>
+              <a:t>Les diferents combinacions d’inputs, mutacions i poblacions generen diferents comportaments en l’evolució i l’aprenentatge de la xarxa neuronal. A partir de l’estudi realitzat, podem concloure que la xarxa neuronal que aprèn més de pressa és aquella que té només la informació imprescindible per executar la tasca, aquella amb major població (nombre d’agents que aprenen a cada generació) i segons les mutacions hi ha petites diferències, la que funciona millor és aquella que modifica els valors que determinen la importància de les connexions entre neurones.</a:t>
             </a:r>
           </a:p>
           <a:p>
@@ -15357,7 +15457,25 @@
                 </a:solidFill>
                 <a:latin typeface="Helvetica Neue"/>
               </a:rPr>
-              <a:t>la xarxa neuronal només necessita la relació entre la posició y del forat de l’obstacle i la posició y de l’ocell, serà la informació que donarem. En el següent gràfic (fitness-generació) és mostra com millora la IA amb aquests inputs donats com dues dades diferents, per separat, i aquests inputs donats com una divisió entre la posició y de l’ocell i la posició y del forat de l’obstacle; la població serà de 5 agents per generació per poder veure la diferència de velocitats entre les dues maneres de donar les dades i la mutació que utilitzarem serà la millor, mencionada anteriorment.</a:t>
+              <a:t>la xarxa neuronal només necessita la relació entre la posició y (vertical) del forat de l’obstacle i la posició y (vertical) de l’ocell, serà la informació que donarem. En el següent gràfic (fitness-generació) és mostra com millora la IA amb aquests inputs donats com dues dades diferents, per separat, i aquests inputs donats com una divisió entre la posició y de l’ocell i la posició y del forat de l’obstacle; la població serà de 5 agents </a:t>
+            </a:r>
+            <a:r>
+              <a:rPr lang="ca-ES" sz="3400">
+                <a:solidFill>
+                  <a:schemeClr val="dk1"/>
+                </a:solidFill>
+                <a:latin typeface="Helvetica Neue"/>
+              </a:rPr>
+              <a:t>per generació, </a:t>
+            </a:r>
+            <a:r>
+              <a:rPr lang="ca-ES" sz="3400" dirty="0">
+                <a:solidFill>
+                  <a:schemeClr val="dk1"/>
+                </a:solidFill>
+                <a:latin typeface="Helvetica Neue"/>
+              </a:rPr>
+              <a:t>per poder veure la diferència de velocitats entre les dues maneres de donar les dades i la mutació que utilitzarem serà la millor, mencionada anteriorment.</a:t>
             </a:r>
             <a:endParaRPr sz="3400" b="0" i="0" u="none" dirty="0">
               <a:solidFill>
@@ -15476,7 +15594,7 @@
         </p:blipFill>
         <p:spPr>
           <a:xfrm>
-            <a:off x="3581253" y="5404404"/>
+            <a:off x="1904853" y="5522616"/>
             <a:ext cx="5053116" cy="6961987"/>
           </a:xfrm>
           <a:prstGeom prst="rect">
@@ -15506,7 +15624,7 @@
         </p:blipFill>
         <p:spPr>
           <a:xfrm>
-            <a:off x="1571173" y="19470899"/>
+            <a:off x="1571173" y="19387906"/>
             <a:ext cx="10436087" cy="3780308"/>
           </a:xfrm>
           <a:prstGeom prst="rect">
@@ -15566,7 +15684,7 @@
         </p:blipFill>
         <p:spPr>
           <a:xfrm>
-            <a:off x="2247831" y="34755790"/>
+            <a:off x="12390841" y="34766605"/>
             <a:ext cx="4994660" cy="4928940"/>
           </a:xfrm>
           <a:prstGeom prst="rect">
@@ -15574,6 +15692,47 @@
           </a:prstGeom>
         </p:spPr>
       </p:pic>
+      <p:sp>
+        <p:nvSpPr>
+          <p:cNvPr id="5" name="CuadroTexto 4">
+            <a:extLst>
+              <a:ext uri="{FF2B5EF4-FFF2-40B4-BE49-F238E27FC236}">
+                <a16:creationId xmlns:a16="http://schemas.microsoft.com/office/drawing/2014/main" id="{A1256F77-BC53-4C4F-F6F0-2A561E203CA4}"/>
+              </a:ext>
+            </a:extLst>
+          </p:cNvPr>
+          <p:cNvSpPr txBox="1"/>
+          <p:nvPr/>
+        </p:nvSpPr>
+        <p:spPr>
+          <a:xfrm>
+            <a:off x="12390841" y="39696006"/>
+            <a:ext cx="15135726" cy="307777"/>
+          </a:xfrm>
+          <a:prstGeom prst="rect">
+            <a:avLst/>
+          </a:prstGeom>
+          <a:noFill/>
+        </p:spPr>
+        <p:txBody>
+          <a:bodyPr wrap="square">
+            <a:spAutoFit/>
+          </a:bodyPr>
+          <a:lstStyle/>
+          <a:p>
+            <a:r>
+              <a:rPr lang="es-ES" dirty="0">
+                <a:hlinkClick r:id="rId9"/>
+              </a:rPr>
+              <a:t>https://github.com/FerrerJan/Treball-de-Recerca-IA</a:t>
+            </a:r>
+            <a:r>
+              <a:rPr lang="es-ES" dirty="0"/>
+              <a:t> </a:t>
+            </a:r>
+          </a:p>
+        </p:txBody>
+      </p:sp>
     </p:spTree>
   </p:cSld>
   <p:clrMapOvr>
@@ -16277,18 +16436,18 @@
 </file>
 
 <file path=customXml/item2.xml><?xml version="1.0" encoding="utf-8"?>
-<p:properties xmlns:p="http://schemas.microsoft.com/office/2006/metadata/properties" xmlns:xsi="http://www.w3.org/2001/XMLSchema-instance" xmlns:pc="http://schemas.microsoft.com/office/infopath/2007/PartnerControls">
-  <documentManagement/>
-</p:properties>
-</file>
-
-<file path=customXml/item3.xml><?xml version="1.0" encoding="utf-8"?>
 <?mso-contentType ?>
 <FormTemplates xmlns="http://schemas.microsoft.com/sharepoint/v3/contenttype/forms">
   <Display>DocumentLibraryForm</Display>
   <Edit>DocumentLibraryForm</Edit>
   <New>DocumentLibraryForm</New>
 </FormTemplates>
+</file>
+
+<file path=customXml/item3.xml><?xml version="1.0" encoding="utf-8"?>
+<p:properties xmlns:p="http://schemas.microsoft.com/office/2006/metadata/properties" xmlns:xsi="http://www.w3.org/2001/XMLSchema-instance" xmlns:pc="http://schemas.microsoft.com/office/infopath/2007/PartnerControls">
+  <documentManagement/>
+</p:properties>
 </file>
 
 <file path=customXml/itemProps1.xml><?xml version="1.0" encoding="utf-8"?>
@@ -16310,6 +16469,14 @@
 </file>
 
 <file path=customXml/itemProps2.xml><?xml version="1.0" encoding="utf-8"?>
+<ds:datastoreItem xmlns:ds="http://schemas.openxmlformats.org/officeDocument/2006/customXml" ds:itemID="{1DB2D889-6609-4D39-A17A-9C5435A96D27}">
+  <ds:schemaRefs>
+    <ds:schemaRef ds:uri="http://schemas.microsoft.com/sharepoint/v3/contenttype/forms"/>
+  </ds:schemaRefs>
+</ds:datastoreItem>
+</file>
+
+<file path=customXml/itemProps3.xml><?xml version="1.0" encoding="utf-8"?>
 <ds:datastoreItem xmlns:ds="http://schemas.openxmlformats.org/officeDocument/2006/customXml" ds:itemID="{7F6B4923-89E4-41EC-A214-2CB2F0E96840}">
   <ds:schemaRefs>
     <ds:schemaRef ds:uri="http://www.w3.org/XML/1998/namespace"/>
@@ -16323,12 +16490,4 @@
     <ds:schemaRef ds:uri="http://purl.org/dc/dcmitype/"/>
   </ds:schemaRefs>
 </ds:datastoreItem>
-</file>
-
-<file path=customXml/itemProps3.xml><?xml version="1.0" encoding="utf-8"?>
-<ds:datastoreItem xmlns:ds="http://schemas.openxmlformats.org/officeDocument/2006/customXml" ds:itemID="{1DB2D889-6609-4D39-A17A-9C5435A96D27}">
-  <ds:schemaRefs>
-    <ds:schemaRef ds:uri="http://schemas.microsoft.com/sharepoint/v3/contenttype/forms"/>
-  </ds:schemaRefs>
-</ds:datastoreItem>
 </file>